--- a/SecondProject/SecondProject.pptx
+++ b/SecondProject/SecondProject.pptx
@@ -8,6 +8,18 @@
     <p:sldId id="256" r:id="rId2"/>
     <p:sldId id="258" r:id="rId3"/>
     <p:sldId id="259" r:id="rId4"/>
+    <p:sldId id="260" r:id="rId5"/>
+    <p:sldId id="261" r:id="rId6"/>
+    <p:sldId id="263" r:id="rId7"/>
+    <p:sldId id="265" r:id="rId8"/>
+    <p:sldId id="266" r:id="rId9"/>
+    <p:sldId id="267" r:id="rId10"/>
+    <p:sldId id="264" r:id="rId11"/>
+    <p:sldId id="268" r:id="rId12"/>
+    <p:sldId id="270" r:id="rId13"/>
+    <p:sldId id="269" r:id="rId14"/>
+    <p:sldId id="272" r:id="rId15"/>
+    <p:sldId id="271" r:id="rId16"/>
   </p:sldIdLst>
   <p:sldSz cx="9144000" cy="6858000" type="screen4x3"/>
   <p:notesSz cx="6858000" cy="9144000"/>
@@ -290,7 +302,7 @@
           <a:p>
             <a:fld id="{08ECBFD9-18F9-48B5-B76B-2B297DF21000}" type="datetimeFigureOut">
               <a:rPr lang="ko-KR" altLang="en-US" smtClean="0"/>
-              <a:t>2015-01-16</a:t>
+              <a:t>2015-01-17</a:t>
             </a:fld>
             <a:endParaRPr lang="ko-KR" altLang="en-US"/>
           </a:p>
@@ -460,7 +472,7 @@
           <a:p>
             <a:fld id="{08ECBFD9-18F9-48B5-B76B-2B297DF21000}" type="datetimeFigureOut">
               <a:rPr lang="ko-KR" altLang="en-US" smtClean="0"/>
-              <a:t>2015-01-16</a:t>
+              <a:t>2015-01-17</a:t>
             </a:fld>
             <a:endParaRPr lang="ko-KR" altLang="en-US"/>
           </a:p>
@@ -640,7 +652,7 @@
           <a:p>
             <a:fld id="{08ECBFD9-18F9-48B5-B76B-2B297DF21000}" type="datetimeFigureOut">
               <a:rPr lang="ko-KR" altLang="en-US" smtClean="0"/>
-              <a:t>2015-01-16</a:t>
+              <a:t>2015-01-17</a:t>
             </a:fld>
             <a:endParaRPr lang="ko-KR" altLang="en-US"/>
           </a:p>
@@ -810,7 +822,7 @@
           <a:p>
             <a:fld id="{08ECBFD9-18F9-48B5-B76B-2B297DF21000}" type="datetimeFigureOut">
               <a:rPr lang="ko-KR" altLang="en-US" smtClean="0"/>
-              <a:t>2015-01-16</a:t>
+              <a:t>2015-01-17</a:t>
             </a:fld>
             <a:endParaRPr lang="ko-KR" altLang="en-US"/>
           </a:p>
@@ -1056,7 +1068,7 @@
           <a:p>
             <a:fld id="{08ECBFD9-18F9-48B5-B76B-2B297DF21000}" type="datetimeFigureOut">
               <a:rPr lang="ko-KR" altLang="en-US" smtClean="0"/>
-              <a:t>2015-01-16</a:t>
+              <a:t>2015-01-17</a:t>
             </a:fld>
             <a:endParaRPr lang="ko-KR" altLang="en-US"/>
           </a:p>
@@ -1344,7 +1356,7 @@
           <a:p>
             <a:fld id="{08ECBFD9-18F9-48B5-B76B-2B297DF21000}" type="datetimeFigureOut">
               <a:rPr lang="ko-KR" altLang="en-US" smtClean="0"/>
-              <a:t>2015-01-16</a:t>
+              <a:t>2015-01-17</a:t>
             </a:fld>
             <a:endParaRPr lang="ko-KR" altLang="en-US"/>
           </a:p>
@@ -1766,7 +1778,7 @@
           <a:p>
             <a:fld id="{08ECBFD9-18F9-48B5-B76B-2B297DF21000}" type="datetimeFigureOut">
               <a:rPr lang="ko-KR" altLang="en-US" smtClean="0"/>
-              <a:t>2015-01-16</a:t>
+              <a:t>2015-01-17</a:t>
             </a:fld>
             <a:endParaRPr lang="ko-KR" altLang="en-US"/>
           </a:p>
@@ -1884,7 +1896,7 @@
           <a:p>
             <a:fld id="{08ECBFD9-18F9-48B5-B76B-2B297DF21000}" type="datetimeFigureOut">
               <a:rPr lang="ko-KR" altLang="en-US" smtClean="0"/>
-              <a:t>2015-01-16</a:t>
+              <a:t>2015-01-17</a:t>
             </a:fld>
             <a:endParaRPr lang="ko-KR" altLang="en-US"/>
           </a:p>
@@ -1979,7 +1991,7 @@
           <a:p>
             <a:fld id="{08ECBFD9-18F9-48B5-B76B-2B297DF21000}" type="datetimeFigureOut">
               <a:rPr lang="ko-KR" altLang="en-US" smtClean="0"/>
-              <a:t>2015-01-16</a:t>
+              <a:t>2015-01-17</a:t>
             </a:fld>
             <a:endParaRPr lang="ko-KR" altLang="en-US"/>
           </a:p>
@@ -2256,7 +2268,7 @@
           <a:p>
             <a:fld id="{08ECBFD9-18F9-48B5-B76B-2B297DF21000}" type="datetimeFigureOut">
               <a:rPr lang="ko-KR" altLang="en-US" smtClean="0"/>
-              <a:t>2015-01-16</a:t>
+              <a:t>2015-01-17</a:t>
             </a:fld>
             <a:endParaRPr lang="ko-KR" altLang="en-US"/>
           </a:p>
@@ -2509,7 +2521,7 @@
           <a:p>
             <a:fld id="{08ECBFD9-18F9-48B5-B76B-2B297DF21000}" type="datetimeFigureOut">
               <a:rPr lang="ko-KR" altLang="en-US" smtClean="0"/>
-              <a:t>2015-01-16</a:t>
+              <a:t>2015-01-17</a:t>
             </a:fld>
             <a:endParaRPr lang="ko-KR" altLang="en-US"/>
           </a:p>
@@ -2722,7 +2734,7 @@
           <a:p>
             <a:fld id="{08ECBFD9-18F9-48B5-B76B-2B297DF21000}" type="datetimeFigureOut">
               <a:rPr lang="ko-KR" altLang="en-US" smtClean="0"/>
-              <a:t>2015-01-16</a:t>
+              <a:t>2015-01-17</a:t>
             </a:fld>
             <a:endParaRPr lang="ko-KR" altLang="en-US"/>
           </a:p>
@@ -3378,6 +3390,2145 @@
 </p:sld>
 </file>
 
+<file path=ppt/slides/slide10.xml><?xml version="1.0" encoding="utf-8"?>
+<p:sld xmlns:a="http://schemas.openxmlformats.org/drawingml/2006/main" xmlns:r="http://schemas.openxmlformats.org/officeDocument/2006/relationships" xmlns:p="http://schemas.openxmlformats.org/presentationml/2006/main">
+  <p:cSld>
+    <p:spTree>
+      <p:nvGrpSpPr>
+        <p:cNvPr id="1" name=""/>
+        <p:cNvGrpSpPr/>
+        <p:nvPr/>
+      </p:nvGrpSpPr>
+      <p:grpSpPr>
+        <a:xfrm>
+          <a:off x="0" y="0"/>
+          <a:ext cx="0" cy="0"/>
+          <a:chOff x="0" y="0"/>
+          <a:chExt cx="0" cy="0"/>
+        </a:xfrm>
+      </p:grpSpPr>
+      <p:sp>
+        <p:nvSpPr>
+          <p:cNvPr id="2" name="제목 1"/>
+          <p:cNvSpPr>
+            <a:spLocks noGrp="1"/>
+          </p:cNvSpPr>
+          <p:nvPr>
+            <p:ph type="title"/>
+          </p:nvPr>
+        </p:nvSpPr>
+        <p:spPr/>
+        <p:txBody>
+          <a:bodyPr/>
+          <a:lstStyle/>
+          <a:p>
+            <a:endParaRPr lang="ko-KR" altLang="en-US"/>
+          </a:p>
+        </p:txBody>
+      </p:sp>
+      <p:graphicFrame>
+        <p:nvGraphicFramePr>
+          <p:cNvPr id="4" name="내용 개체 틀 3"/>
+          <p:cNvGraphicFramePr>
+            <a:graphicFrameLocks noGrp="1"/>
+          </p:cNvGraphicFramePr>
+          <p:nvPr>
+            <p:ph idx="1"/>
+            <p:extLst>
+              <p:ext uri="{D42A27DB-BD31-4B8C-83A1-F6EECF244321}">
+                <p14:modId xmlns:p14="http://schemas.microsoft.com/office/powerpoint/2010/main" val="4077332722"/>
+              </p:ext>
+            </p:extLst>
+          </p:nvPr>
+        </p:nvGraphicFramePr>
+        <p:xfrm>
+          <a:off x="457200" y="1600200"/>
+          <a:ext cx="2530624" cy="2595880"/>
+        </p:xfrm>
+        <a:graphic>
+          <a:graphicData uri="http://schemas.openxmlformats.org/drawingml/2006/table">
+            <a:tbl>
+              <a:tblPr firstRow="1" bandRow="1">
+                <a:tableStyleId>{5C22544A-7EE6-4342-B048-85BDC9FD1C3A}</a:tableStyleId>
+              </a:tblPr>
+              <a:tblGrid>
+                <a:gridCol w="2530624"/>
+              </a:tblGrid>
+              <a:tr h="370840">
+                <a:tc>
+                  <a:txBody>
+                    <a:bodyPr/>
+                    <a:lstStyle/>
+                    <a:p>
+                      <a:pPr latinLnBrk="1"/>
+                      <a:r>
+                        <a:rPr lang="en-US" altLang="ko-KR" dirty="0" smtClean="0"/>
+                        <a:t>table</a:t>
+                      </a:r>
+                      <a:endParaRPr lang="ko-KR" altLang="en-US" dirty="0"/>
+                    </a:p>
+                  </a:txBody>
+                  <a:tcPr/>
+                </a:tc>
+              </a:tr>
+              <a:tr h="370840">
+                <a:tc>
+                  <a:txBody>
+                    <a:bodyPr/>
+                    <a:lstStyle/>
+                    <a:p>
+                      <a:pPr latinLnBrk="1"/>
+                      <a:r>
+                        <a:rPr lang="en-US" altLang="ko-KR" dirty="0" err="1" smtClean="0"/>
+                        <a:t>seq</a:t>
+                      </a:r>
+                      <a:endParaRPr lang="ko-KR" altLang="en-US" dirty="0"/>
+                    </a:p>
+                  </a:txBody>
+                  <a:tcPr/>
+                </a:tc>
+              </a:tr>
+              <a:tr h="370840">
+                <a:tc>
+                  <a:txBody>
+                    <a:bodyPr/>
+                    <a:lstStyle/>
+                    <a:p>
+                      <a:pPr latinLnBrk="1"/>
+                      <a:r>
+                        <a:rPr lang="en-US" altLang="ko-KR" dirty="0" smtClean="0"/>
+                        <a:t>Value2</a:t>
+                      </a:r>
+                      <a:endParaRPr lang="ko-KR" altLang="en-US" dirty="0"/>
+                    </a:p>
+                  </a:txBody>
+                  <a:tcPr/>
+                </a:tc>
+              </a:tr>
+              <a:tr h="370840">
+                <a:tc>
+                  <a:txBody>
+                    <a:bodyPr/>
+                    <a:lstStyle/>
+                    <a:p>
+                      <a:pPr latinLnBrk="1"/>
+                      <a:r>
+                        <a:rPr lang="en-US" altLang="ko-KR" dirty="0" smtClean="0"/>
+                        <a:t>Value3</a:t>
+                      </a:r>
+                      <a:endParaRPr lang="ko-KR" altLang="en-US" dirty="0"/>
+                    </a:p>
+                  </a:txBody>
+                  <a:tcPr/>
+                </a:tc>
+              </a:tr>
+              <a:tr h="370840">
+                <a:tc>
+                  <a:txBody>
+                    <a:bodyPr/>
+                    <a:lstStyle/>
+                    <a:p>
+                      <a:pPr latinLnBrk="1"/>
+                      <a:r>
+                        <a:rPr lang="en-US" altLang="ko-KR" dirty="0" smtClean="0"/>
+                        <a:t>Value4</a:t>
+                      </a:r>
+                      <a:endParaRPr lang="ko-KR" altLang="en-US" dirty="0"/>
+                    </a:p>
+                  </a:txBody>
+                  <a:tcPr/>
+                </a:tc>
+              </a:tr>
+              <a:tr h="370840">
+                <a:tc>
+                  <a:txBody>
+                    <a:bodyPr/>
+                    <a:lstStyle/>
+                    <a:p>
+                      <a:pPr latinLnBrk="1"/>
+                      <a:r>
+                        <a:rPr lang="en-US" altLang="ko-KR" dirty="0" smtClean="0"/>
+                        <a:t>Value5</a:t>
+                      </a:r>
+                      <a:endParaRPr lang="ko-KR" altLang="en-US" dirty="0"/>
+                    </a:p>
+                  </a:txBody>
+                  <a:tcPr/>
+                </a:tc>
+              </a:tr>
+              <a:tr h="370840">
+                <a:tc>
+                  <a:txBody>
+                    <a:bodyPr/>
+                    <a:lstStyle/>
+                    <a:p>
+                      <a:pPr latinLnBrk="1"/>
+                      <a:r>
+                        <a:rPr lang="en-US" altLang="ko-KR" dirty="0" smtClean="0"/>
+                        <a:t>value6</a:t>
+                      </a:r>
+                      <a:endParaRPr lang="ko-KR" altLang="en-US" dirty="0"/>
+                    </a:p>
+                  </a:txBody>
+                  <a:tcPr/>
+                </a:tc>
+              </a:tr>
+            </a:tbl>
+          </a:graphicData>
+        </a:graphic>
+      </p:graphicFrame>
+      <p:graphicFrame>
+        <p:nvGraphicFramePr>
+          <p:cNvPr id="5" name="표 4"/>
+          <p:cNvGraphicFramePr>
+            <a:graphicFrameLocks noGrp="1"/>
+          </p:cNvGraphicFramePr>
+          <p:nvPr>
+            <p:extLst>
+              <p:ext uri="{D42A27DB-BD31-4B8C-83A1-F6EECF244321}">
+                <p14:modId xmlns:p14="http://schemas.microsoft.com/office/powerpoint/2010/main" val="3243687714"/>
+              </p:ext>
+            </p:extLst>
+          </p:nvPr>
+        </p:nvGraphicFramePr>
+        <p:xfrm>
+          <a:off x="3419872" y="1628800"/>
+          <a:ext cx="2232248" cy="741680"/>
+        </p:xfrm>
+        <a:graphic>
+          <a:graphicData uri="http://schemas.openxmlformats.org/drawingml/2006/table">
+            <a:tbl>
+              <a:tblPr firstRow="1" bandRow="1">
+                <a:tableStyleId>{5C22544A-7EE6-4342-B048-85BDC9FD1C3A}</a:tableStyleId>
+              </a:tblPr>
+              <a:tblGrid>
+                <a:gridCol w="2232248"/>
+              </a:tblGrid>
+              <a:tr h="370840">
+                <a:tc>
+                  <a:txBody>
+                    <a:bodyPr/>
+                    <a:lstStyle/>
+                    <a:p>
+                      <a:pPr latinLnBrk="1"/>
+                      <a:r>
+                        <a:rPr lang="en-US" altLang="ko-KR" dirty="0" smtClean="0"/>
+                        <a:t>sequence</a:t>
+                      </a:r>
+                      <a:endParaRPr lang="ko-KR" altLang="en-US" dirty="0"/>
+                    </a:p>
+                  </a:txBody>
+                  <a:tcPr/>
+                </a:tc>
+              </a:tr>
+              <a:tr h="370840">
+                <a:tc>
+                  <a:txBody>
+                    <a:bodyPr/>
+                    <a:lstStyle/>
+                    <a:p>
+                      <a:pPr latinLnBrk="1"/>
+                      <a:r>
+                        <a:rPr lang="en-US" altLang="ko-KR" dirty="0" smtClean="0"/>
+                        <a:t>Sequence number</a:t>
+                      </a:r>
+                      <a:endParaRPr lang="ko-KR" altLang="en-US" dirty="0"/>
+                    </a:p>
+                  </a:txBody>
+                  <a:tcPr/>
+                </a:tc>
+              </a:tr>
+            </a:tbl>
+          </a:graphicData>
+        </a:graphic>
+      </p:graphicFrame>
+    </p:spTree>
+    <p:extLst>
+      <p:ext uri="{BB962C8B-B14F-4D97-AF65-F5344CB8AC3E}">
+        <p14:creationId xmlns:p14="http://schemas.microsoft.com/office/powerpoint/2010/main" val="4067514535"/>
+      </p:ext>
+    </p:extLst>
+  </p:cSld>
+  <p:clrMapOvr>
+    <a:masterClrMapping/>
+  </p:clrMapOvr>
+</p:sld>
+</file>
+
+<file path=ppt/slides/slide11.xml><?xml version="1.0" encoding="utf-8"?>
+<p:sld xmlns:a="http://schemas.openxmlformats.org/drawingml/2006/main" xmlns:r="http://schemas.openxmlformats.org/officeDocument/2006/relationships" xmlns:p="http://schemas.openxmlformats.org/presentationml/2006/main">
+  <p:cSld>
+    <p:spTree>
+      <p:nvGrpSpPr>
+        <p:cNvPr id="1" name=""/>
+        <p:cNvGrpSpPr/>
+        <p:nvPr/>
+      </p:nvGrpSpPr>
+      <p:grpSpPr>
+        <a:xfrm>
+          <a:off x="0" y="0"/>
+          <a:ext cx="0" cy="0"/>
+          <a:chOff x="0" y="0"/>
+          <a:chExt cx="0" cy="0"/>
+        </a:xfrm>
+      </p:grpSpPr>
+      <p:sp>
+        <p:nvSpPr>
+          <p:cNvPr id="4" name="직사각형 3"/>
+          <p:cNvSpPr/>
+          <p:nvPr/>
+        </p:nvSpPr>
+        <p:spPr>
+          <a:xfrm>
+            <a:off x="174976" y="901316"/>
+            <a:ext cx="8784976" cy="432048"/>
+          </a:xfrm>
+          <a:prstGeom prst="rect">
+            <a:avLst/>
+          </a:prstGeom>
+        </p:spPr>
+        <p:style>
+          <a:lnRef idx="2">
+            <a:schemeClr val="accent1">
+              <a:shade val="50000"/>
+            </a:schemeClr>
+          </a:lnRef>
+          <a:fillRef idx="1">
+            <a:schemeClr val="accent1"/>
+          </a:fillRef>
+          <a:effectRef idx="0">
+            <a:schemeClr val="accent1"/>
+          </a:effectRef>
+          <a:fontRef idx="minor">
+            <a:schemeClr val="lt1"/>
+          </a:fontRef>
+        </p:style>
+        <p:txBody>
+          <a:bodyPr rtlCol="0" anchor="ctr"/>
+          <a:lstStyle/>
+          <a:p>
+            <a:pPr algn="r"/>
+            <a:r>
+              <a:rPr lang="en-US" altLang="ko-KR" dirty="0" smtClean="0"/>
+              <a:t>XX</a:t>
+            </a:r>
+            <a:r>
+              <a:rPr lang="ko-KR" altLang="en-US" dirty="0" smtClean="0"/>
+              <a:t>님 </a:t>
+            </a:r>
+            <a:r>
+              <a:rPr lang="ko-KR" altLang="en-US" u="sng" dirty="0" smtClean="0"/>
+              <a:t>로그아웃</a:t>
+            </a:r>
+            <a:endParaRPr lang="ko-KR" altLang="en-US" u="sng" dirty="0"/>
+          </a:p>
+        </p:txBody>
+      </p:sp>
+      <p:sp>
+        <p:nvSpPr>
+          <p:cNvPr id="5" name="직사각형 4"/>
+          <p:cNvSpPr/>
+          <p:nvPr/>
+        </p:nvSpPr>
+        <p:spPr>
+          <a:xfrm>
+            <a:off x="179512" y="116632"/>
+            <a:ext cx="8784976" cy="648072"/>
+          </a:xfrm>
+          <a:prstGeom prst="rect">
+            <a:avLst/>
+          </a:prstGeom>
+        </p:spPr>
+        <p:style>
+          <a:lnRef idx="2">
+            <a:schemeClr val="accent1">
+              <a:shade val="50000"/>
+            </a:schemeClr>
+          </a:lnRef>
+          <a:fillRef idx="1">
+            <a:schemeClr val="accent1"/>
+          </a:fillRef>
+          <a:effectRef idx="0">
+            <a:schemeClr val="accent1"/>
+          </a:effectRef>
+          <a:fontRef idx="minor">
+            <a:schemeClr val="lt1"/>
+          </a:fontRef>
+        </p:style>
+        <p:txBody>
+          <a:bodyPr rtlCol="0" anchor="ctr"/>
+          <a:lstStyle/>
+          <a:p>
+            <a:pPr algn="ctr"/>
+            <a:r>
+              <a:rPr lang="ko-KR" altLang="en-US" smtClean="0"/>
+              <a:t>가계</a:t>
+            </a:r>
+            <a:r>
+              <a:rPr lang="ko-KR" altLang="en-US"/>
+              <a:t>부</a:t>
+            </a:r>
+          </a:p>
+        </p:txBody>
+      </p:sp>
+      <p:sp>
+        <p:nvSpPr>
+          <p:cNvPr id="8" name="직사각형 7"/>
+          <p:cNvSpPr/>
+          <p:nvPr/>
+        </p:nvSpPr>
+        <p:spPr>
+          <a:xfrm>
+            <a:off x="2321488" y="1455072"/>
+            <a:ext cx="6638464" cy="5286296"/>
+          </a:xfrm>
+          <a:prstGeom prst="rect">
+            <a:avLst/>
+          </a:prstGeom>
+        </p:spPr>
+        <p:style>
+          <a:lnRef idx="2">
+            <a:schemeClr val="accent1">
+              <a:shade val="50000"/>
+            </a:schemeClr>
+          </a:lnRef>
+          <a:fillRef idx="1">
+            <a:schemeClr val="accent1"/>
+          </a:fillRef>
+          <a:effectRef idx="0">
+            <a:schemeClr val="accent1"/>
+          </a:effectRef>
+          <a:fontRef idx="minor">
+            <a:schemeClr val="lt1"/>
+          </a:fontRef>
+        </p:style>
+        <p:txBody>
+          <a:bodyPr rtlCol="0" anchor="ctr"/>
+          <a:lstStyle/>
+          <a:p>
+            <a:pPr algn="ctr"/>
+            <a:endParaRPr lang="ko-KR" altLang="en-US" dirty="0"/>
+          </a:p>
+        </p:txBody>
+      </p:sp>
+      <p:sp>
+        <p:nvSpPr>
+          <p:cNvPr id="9" name="직사각형 8"/>
+          <p:cNvSpPr/>
+          <p:nvPr/>
+        </p:nvSpPr>
+        <p:spPr>
+          <a:xfrm>
+            <a:off x="179512" y="1455072"/>
+            <a:ext cx="2016224" cy="5286296"/>
+          </a:xfrm>
+          <a:prstGeom prst="rect">
+            <a:avLst/>
+          </a:prstGeom>
+        </p:spPr>
+        <p:style>
+          <a:lnRef idx="2">
+            <a:schemeClr val="accent1">
+              <a:shade val="50000"/>
+            </a:schemeClr>
+          </a:lnRef>
+          <a:fillRef idx="1">
+            <a:schemeClr val="accent1"/>
+          </a:fillRef>
+          <a:effectRef idx="0">
+            <a:schemeClr val="accent1"/>
+          </a:effectRef>
+          <a:fontRef idx="minor">
+            <a:schemeClr val="lt1"/>
+          </a:fontRef>
+        </p:style>
+        <p:txBody>
+          <a:bodyPr rtlCol="0" anchor="ctr"/>
+          <a:lstStyle/>
+          <a:p>
+            <a:pPr algn="ctr"/>
+            <a:r>
+              <a:rPr lang="ko-KR" altLang="en-US" dirty="0" smtClean="0"/>
+              <a:t>지출</a:t>
+            </a:r>
+            <a:endParaRPr lang="en-US" altLang="ko-KR" dirty="0" smtClean="0"/>
+          </a:p>
+          <a:p>
+            <a:pPr algn="ctr"/>
+            <a:endParaRPr lang="en-US" altLang="ko-KR" dirty="0"/>
+          </a:p>
+          <a:p>
+            <a:pPr algn="ctr"/>
+            <a:r>
+              <a:rPr lang="ko-KR" altLang="en-US" dirty="0" smtClean="0"/>
+              <a:t>수입</a:t>
+            </a:r>
+            <a:endParaRPr lang="en-US" altLang="ko-KR" dirty="0" smtClean="0"/>
+          </a:p>
+          <a:p>
+            <a:pPr algn="ctr"/>
+            <a:endParaRPr lang="en-US" altLang="ko-KR" dirty="0"/>
+          </a:p>
+          <a:p>
+            <a:pPr algn="ctr"/>
+            <a:r>
+              <a:rPr lang="ko-KR" altLang="en-US" dirty="0" smtClean="0"/>
+              <a:t>통계</a:t>
+            </a:r>
+            <a:endParaRPr lang="ko-KR" altLang="en-US" dirty="0"/>
+          </a:p>
+        </p:txBody>
+      </p:sp>
+      <p:sp>
+        <p:nvSpPr>
+          <p:cNvPr id="10" name="모서리가 둥근 직사각형 9"/>
+          <p:cNvSpPr/>
+          <p:nvPr/>
+        </p:nvSpPr>
+        <p:spPr>
+          <a:xfrm>
+            <a:off x="7141384" y="1634560"/>
+            <a:ext cx="720080" cy="360040"/>
+          </a:xfrm>
+          <a:prstGeom prst="roundRect">
+            <a:avLst/>
+          </a:prstGeom>
+        </p:spPr>
+        <p:style>
+          <a:lnRef idx="2">
+            <a:schemeClr val="accent2">
+              <a:shade val="50000"/>
+            </a:schemeClr>
+          </a:lnRef>
+          <a:fillRef idx="1">
+            <a:schemeClr val="accent2"/>
+          </a:fillRef>
+          <a:effectRef idx="0">
+            <a:schemeClr val="accent2"/>
+          </a:effectRef>
+          <a:fontRef idx="minor">
+            <a:schemeClr val="lt1"/>
+          </a:fontRef>
+        </p:style>
+        <p:txBody>
+          <a:bodyPr rtlCol="0" anchor="ctr"/>
+          <a:lstStyle/>
+          <a:p>
+            <a:pPr algn="ctr"/>
+            <a:r>
+              <a:rPr lang="ko-KR" altLang="en-US" dirty="0" smtClean="0"/>
+              <a:t>삭제</a:t>
+            </a:r>
+            <a:endParaRPr lang="ko-KR" altLang="en-US" dirty="0"/>
+          </a:p>
+        </p:txBody>
+      </p:sp>
+      <p:sp>
+        <p:nvSpPr>
+          <p:cNvPr id="11" name="모서리가 둥근 직사각형 10"/>
+          <p:cNvSpPr/>
+          <p:nvPr/>
+        </p:nvSpPr>
+        <p:spPr>
+          <a:xfrm>
+            <a:off x="8028384" y="1634560"/>
+            <a:ext cx="720080" cy="360040"/>
+          </a:xfrm>
+          <a:prstGeom prst="roundRect">
+            <a:avLst/>
+          </a:prstGeom>
+        </p:spPr>
+        <p:style>
+          <a:lnRef idx="2">
+            <a:schemeClr val="accent2">
+              <a:shade val="50000"/>
+            </a:schemeClr>
+          </a:lnRef>
+          <a:fillRef idx="1">
+            <a:schemeClr val="accent2"/>
+          </a:fillRef>
+          <a:effectRef idx="0">
+            <a:schemeClr val="accent2"/>
+          </a:effectRef>
+          <a:fontRef idx="minor">
+            <a:schemeClr val="lt1"/>
+          </a:fontRef>
+        </p:style>
+        <p:txBody>
+          <a:bodyPr rtlCol="0" anchor="ctr"/>
+          <a:lstStyle/>
+          <a:p>
+            <a:pPr algn="ctr"/>
+            <a:r>
+              <a:rPr lang="ko-KR" altLang="en-US" dirty="0" smtClean="0"/>
+              <a:t>추가</a:t>
+            </a:r>
+            <a:endParaRPr lang="ko-KR" altLang="en-US" dirty="0"/>
+          </a:p>
+        </p:txBody>
+      </p:sp>
+      <p:sp>
+        <p:nvSpPr>
+          <p:cNvPr id="13" name="직사각형 12"/>
+          <p:cNvSpPr/>
+          <p:nvPr/>
+        </p:nvSpPr>
+        <p:spPr>
+          <a:xfrm>
+            <a:off x="2555776" y="2132856"/>
+            <a:ext cx="6264696" cy="4392488"/>
+          </a:xfrm>
+          <a:prstGeom prst="rect">
+            <a:avLst/>
+          </a:prstGeom>
+        </p:spPr>
+        <p:style>
+          <a:lnRef idx="2">
+            <a:schemeClr val="accent2"/>
+          </a:lnRef>
+          <a:fillRef idx="1">
+            <a:schemeClr val="lt1"/>
+          </a:fillRef>
+          <a:effectRef idx="0">
+            <a:schemeClr val="accent2"/>
+          </a:effectRef>
+          <a:fontRef idx="minor">
+            <a:schemeClr val="dk1"/>
+          </a:fontRef>
+        </p:style>
+        <p:txBody>
+          <a:bodyPr rtlCol="0" anchor="ctr"/>
+          <a:lstStyle/>
+          <a:p>
+            <a:pPr algn="ctr"/>
+            <a:endParaRPr lang="ko-KR" altLang="en-US"/>
+          </a:p>
+        </p:txBody>
+      </p:sp>
+      <p:sp>
+        <p:nvSpPr>
+          <p:cNvPr id="15" name="직사각형 14"/>
+          <p:cNvSpPr/>
+          <p:nvPr/>
+        </p:nvSpPr>
+        <p:spPr>
+          <a:xfrm>
+            <a:off x="2555776" y="2465512"/>
+            <a:ext cx="6264696" cy="4059832"/>
+          </a:xfrm>
+          <a:prstGeom prst="rect">
+            <a:avLst/>
+          </a:prstGeom>
+        </p:spPr>
+        <p:style>
+          <a:lnRef idx="2">
+            <a:schemeClr val="accent2"/>
+          </a:lnRef>
+          <a:fillRef idx="1">
+            <a:schemeClr val="lt1"/>
+          </a:fillRef>
+          <a:effectRef idx="0">
+            <a:schemeClr val="accent2"/>
+          </a:effectRef>
+          <a:fontRef idx="minor">
+            <a:schemeClr val="dk1"/>
+          </a:fontRef>
+        </p:style>
+        <p:txBody>
+          <a:bodyPr rtlCol="0" anchor="ctr"/>
+          <a:lstStyle/>
+          <a:p>
+            <a:pPr algn="ctr"/>
+            <a:endParaRPr lang="ko-KR" altLang="en-US"/>
+          </a:p>
+        </p:txBody>
+      </p:sp>
+    </p:spTree>
+    <p:extLst>
+      <p:ext uri="{BB962C8B-B14F-4D97-AF65-F5344CB8AC3E}">
+        <p14:creationId xmlns:p14="http://schemas.microsoft.com/office/powerpoint/2010/main" val="4110683018"/>
+      </p:ext>
+    </p:extLst>
+  </p:cSld>
+  <p:clrMapOvr>
+    <a:masterClrMapping/>
+  </p:clrMapOvr>
+</p:sld>
+</file>
+
+<file path=ppt/slides/slide12.xml><?xml version="1.0" encoding="utf-8"?>
+<p:sld xmlns:a="http://schemas.openxmlformats.org/drawingml/2006/main" xmlns:r="http://schemas.openxmlformats.org/officeDocument/2006/relationships" xmlns:p="http://schemas.openxmlformats.org/presentationml/2006/main">
+  <p:cSld>
+    <p:spTree>
+      <p:nvGrpSpPr>
+        <p:cNvPr id="1" name=""/>
+        <p:cNvGrpSpPr/>
+        <p:nvPr/>
+      </p:nvGrpSpPr>
+      <p:grpSpPr>
+        <a:xfrm>
+          <a:off x="0" y="0"/>
+          <a:ext cx="0" cy="0"/>
+          <a:chOff x="0" y="0"/>
+          <a:chExt cx="0" cy="0"/>
+        </a:xfrm>
+      </p:grpSpPr>
+      <p:sp>
+        <p:nvSpPr>
+          <p:cNvPr id="4" name="직사각형 3"/>
+          <p:cNvSpPr/>
+          <p:nvPr/>
+        </p:nvSpPr>
+        <p:spPr>
+          <a:xfrm>
+            <a:off x="174976" y="901316"/>
+            <a:ext cx="8784976" cy="432048"/>
+          </a:xfrm>
+          <a:prstGeom prst="rect">
+            <a:avLst/>
+          </a:prstGeom>
+        </p:spPr>
+        <p:style>
+          <a:lnRef idx="2">
+            <a:schemeClr val="accent1">
+              <a:shade val="50000"/>
+            </a:schemeClr>
+          </a:lnRef>
+          <a:fillRef idx="1">
+            <a:schemeClr val="accent1"/>
+          </a:fillRef>
+          <a:effectRef idx="0">
+            <a:schemeClr val="accent1"/>
+          </a:effectRef>
+          <a:fontRef idx="minor">
+            <a:schemeClr val="lt1"/>
+          </a:fontRef>
+        </p:style>
+        <p:txBody>
+          <a:bodyPr rtlCol="0" anchor="ctr"/>
+          <a:lstStyle/>
+          <a:p>
+            <a:pPr algn="r"/>
+            <a:r>
+              <a:rPr lang="en-US" altLang="ko-KR" dirty="0" smtClean="0"/>
+              <a:t>XX</a:t>
+            </a:r>
+            <a:r>
+              <a:rPr lang="ko-KR" altLang="en-US" dirty="0" smtClean="0"/>
+              <a:t>님 </a:t>
+            </a:r>
+            <a:r>
+              <a:rPr lang="ko-KR" altLang="en-US" u="sng" dirty="0" smtClean="0"/>
+              <a:t>로그아웃</a:t>
+            </a:r>
+            <a:endParaRPr lang="ko-KR" altLang="en-US" u="sng" dirty="0"/>
+          </a:p>
+        </p:txBody>
+      </p:sp>
+      <p:sp>
+        <p:nvSpPr>
+          <p:cNvPr id="5" name="직사각형 4"/>
+          <p:cNvSpPr/>
+          <p:nvPr/>
+        </p:nvSpPr>
+        <p:spPr>
+          <a:xfrm>
+            <a:off x="179512" y="116632"/>
+            <a:ext cx="8784976" cy="648072"/>
+          </a:xfrm>
+          <a:prstGeom prst="rect">
+            <a:avLst/>
+          </a:prstGeom>
+        </p:spPr>
+        <p:style>
+          <a:lnRef idx="2">
+            <a:schemeClr val="accent1">
+              <a:shade val="50000"/>
+            </a:schemeClr>
+          </a:lnRef>
+          <a:fillRef idx="1">
+            <a:schemeClr val="accent1"/>
+          </a:fillRef>
+          <a:effectRef idx="0">
+            <a:schemeClr val="accent1"/>
+          </a:effectRef>
+          <a:fontRef idx="minor">
+            <a:schemeClr val="lt1"/>
+          </a:fontRef>
+        </p:style>
+        <p:txBody>
+          <a:bodyPr rtlCol="0" anchor="ctr"/>
+          <a:lstStyle/>
+          <a:p>
+            <a:pPr algn="ctr"/>
+            <a:r>
+              <a:rPr lang="ko-KR" altLang="en-US" smtClean="0"/>
+              <a:t>가계</a:t>
+            </a:r>
+            <a:r>
+              <a:rPr lang="ko-KR" altLang="en-US"/>
+              <a:t>부</a:t>
+            </a:r>
+          </a:p>
+        </p:txBody>
+      </p:sp>
+      <p:sp>
+        <p:nvSpPr>
+          <p:cNvPr id="8" name="직사각형 7"/>
+          <p:cNvSpPr/>
+          <p:nvPr/>
+        </p:nvSpPr>
+        <p:spPr>
+          <a:xfrm>
+            <a:off x="2321488" y="1455072"/>
+            <a:ext cx="6638464" cy="5286296"/>
+          </a:xfrm>
+          <a:prstGeom prst="rect">
+            <a:avLst/>
+          </a:prstGeom>
+        </p:spPr>
+        <p:style>
+          <a:lnRef idx="2">
+            <a:schemeClr val="accent1">
+              <a:shade val="50000"/>
+            </a:schemeClr>
+          </a:lnRef>
+          <a:fillRef idx="1">
+            <a:schemeClr val="accent1"/>
+          </a:fillRef>
+          <a:effectRef idx="0">
+            <a:schemeClr val="accent1"/>
+          </a:effectRef>
+          <a:fontRef idx="minor">
+            <a:schemeClr val="lt1"/>
+          </a:fontRef>
+        </p:style>
+        <p:txBody>
+          <a:bodyPr rtlCol="0" anchor="ctr"/>
+          <a:lstStyle/>
+          <a:p>
+            <a:pPr algn="ctr"/>
+            <a:endParaRPr lang="ko-KR" altLang="en-US" dirty="0"/>
+          </a:p>
+        </p:txBody>
+      </p:sp>
+      <p:sp>
+        <p:nvSpPr>
+          <p:cNvPr id="9" name="직사각형 8"/>
+          <p:cNvSpPr/>
+          <p:nvPr/>
+        </p:nvSpPr>
+        <p:spPr>
+          <a:xfrm>
+            <a:off x="179512" y="1455072"/>
+            <a:ext cx="2016224" cy="5286296"/>
+          </a:xfrm>
+          <a:prstGeom prst="rect">
+            <a:avLst/>
+          </a:prstGeom>
+        </p:spPr>
+        <p:style>
+          <a:lnRef idx="2">
+            <a:schemeClr val="accent1">
+              <a:shade val="50000"/>
+            </a:schemeClr>
+          </a:lnRef>
+          <a:fillRef idx="1">
+            <a:schemeClr val="accent1"/>
+          </a:fillRef>
+          <a:effectRef idx="0">
+            <a:schemeClr val="accent1"/>
+          </a:effectRef>
+          <a:fontRef idx="minor">
+            <a:schemeClr val="lt1"/>
+          </a:fontRef>
+        </p:style>
+        <p:txBody>
+          <a:bodyPr rtlCol="0" anchor="ctr"/>
+          <a:lstStyle/>
+          <a:p>
+            <a:pPr algn="ctr"/>
+            <a:r>
+              <a:rPr lang="ko-KR" altLang="en-US" dirty="0" smtClean="0"/>
+              <a:t>지출</a:t>
+            </a:r>
+            <a:endParaRPr lang="en-US" altLang="ko-KR" dirty="0" smtClean="0"/>
+          </a:p>
+          <a:p>
+            <a:pPr algn="ctr"/>
+            <a:endParaRPr lang="en-US" altLang="ko-KR" dirty="0"/>
+          </a:p>
+          <a:p>
+            <a:pPr algn="ctr"/>
+            <a:r>
+              <a:rPr lang="ko-KR" altLang="en-US" dirty="0" smtClean="0"/>
+              <a:t>수입</a:t>
+            </a:r>
+            <a:endParaRPr lang="en-US" altLang="ko-KR" dirty="0" smtClean="0"/>
+          </a:p>
+          <a:p>
+            <a:pPr algn="ctr"/>
+            <a:endParaRPr lang="en-US" altLang="ko-KR" dirty="0"/>
+          </a:p>
+          <a:p>
+            <a:pPr algn="ctr"/>
+            <a:r>
+              <a:rPr lang="ko-KR" altLang="en-US" dirty="0" smtClean="0"/>
+              <a:t>통계</a:t>
+            </a:r>
+            <a:endParaRPr lang="en-US" altLang="ko-KR" dirty="0" smtClean="0"/>
+          </a:p>
+        </p:txBody>
+      </p:sp>
+      <p:sp>
+        <p:nvSpPr>
+          <p:cNvPr id="10" name="모서리가 둥근 직사각형 9"/>
+          <p:cNvSpPr/>
+          <p:nvPr/>
+        </p:nvSpPr>
+        <p:spPr>
+          <a:xfrm>
+            <a:off x="7141384" y="1634560"/>
+            <a:ext cx="720080" cy="360040"/>
+          </a:xfrm>
+          <a:prstGeom prst="roundRect">
+            <a:avLst/>
+          </a:prstGeom>
+        </p:spPr>
+        <p:style>
+          <a:lnRef idx="2">
+            <a:schemeClr val="accent2">
+              <a:shade val="50000"/>
+            </a:schemeClr>
+          </a:lnRef>
+          <a:fillRef idx="1">
+            <a:schemeClr val="accent2"/>
+          </a:fillRef>
+          <a:effectRef idx="0">
+            <a:schemeClr val="accent2"/>
+          </a:effectRef>
+          <a:fontRef idx="minor">
+            <a:schemeClr val="lt1"/>
+          </a:fontRef>
+        </p:style>
+        <p:txBody>
+          <a:bodyPr rtlCol="0" anchor="ctr"/>
+          <a:lstStyle/>
+          <a:p>
+            <a:pPr algn="ctr"/>
+            <a:r>
+              <a:rPr lang="ko-KR" altLang="en-US" dirty="0" smtClean="0"/>
+              <a:t>삭제</a:t>
+            </a:r>
+            <a:endParaRPr lang="ko-KR" altLang="en-US" dirty="0"/>
+          </a:p>
+        </p:txBody>
+      </p:sp>
+      <p:sp>
+        <p:nvSpPr>
+          <p:cNvPr id="11" name="모서리가 둥근 직사각형 10"/>
+          <p:cNvSpPr/>
+          <p:nvPr/>
+        </p:nvSpPr>
+        <p:spPr>
+          <a:xfrm>
+            <a:off x="8028384" y="1634560"/>
+            <a:ext cx="720080" cy="360040"/>
+          </a:xfrm>
+          <a:prstGeom prst="roundRect">
+            <a:avLst/>
+          </a:prstGeom>
+        </p:spPr>
+        <p:style>
+          <a:lnRef idx="2">
+            <a:schemeClr val="accent2">
+              <a:shade val="50000"/>
+            </a:schemeClr>
+          </a:lnRef>
+          <a:fillRef idx="1">
+            <a:schemeClr val="accent2"/>
+          </a:fillRef>
+          <a:effectRef idx="0">
+            <a:schemeClr val="accent2"/>
+          </a:effectRef>
+          <a:fontRef idx="minor">
+            <a:schemeClr val="lt1"/>
+          </a:fontRef>
+        </p:style>
+        <p:txBody>
+          <a:bodyPr rtlCol="0" anchor="ctr"/>
+          <a:lstStyle/>
+          <a:p>
+            <a:pPr algn="ctr"/>
+            <a:r>
+              <a:rPr lang="ko-KR" altLang="en-US" dirty="0" smtClean="0"/>
+              <a:t>추가</a:t>
+            </a:r>
+            <a:endParaRPr lang="ko-KR" altLang="en-US" dirty="0"/>
+          </a:p>
+        </p:txBody>
+      </p:sp>
+      <p:sp>
+        <p:nvSpPr>
+          <p:cNvPr id="13" name="직사각형 12"/>
+          <p:cNvSpPr/>
+          <p:nvPr/>
+        </p:nvSpPr>
+        <p:spPr>
+          <a:xfrm>
+            <a:off x="2555776" y="2132856"/>
+            <a:ext cx="6264696" cy="4392488"/>
+          </a:xfrm>
+          <a:prstGeom prst="rect">
+            <a:avLst/>
+          </a:prstGeom>
+        </p:spPr>
+        <p:style>
+          <a:lnRef idx="2">
+            <a:schemeClr val="accent2"/>
+          </a:lnRef>
+          <a:fillRef idx="1">
+            <a:schemeClr val="lt1"/>
+          </a:fillRef>
+          <a:effectRef idx="0">
+            <a:schemeClr val="accent2"/>
+          </a:effectRef>
+          <a:fontRef idx="minor">
+            <a:schemeClr val="dk1"/>
+          </a:fontRef>
+        </p:style>
+        <p:txBody>
+          <a:bodyPr rtlCol="0" anchor="ctr"/>
+          <a:lstStyle/>
+          <a:p>
+            <a:pPr algn="ctr"/>
+            <a:endParaRPr lang="ko-KR" altLang="en-US"/>
+          </a:p>
+        </p:txBody>
+      </p:sp>
+      <p:sp>
+        <p:nvSpPr>
+          <p:cNvPr id="15" name="직사각형 14"/>
+          <p:cNvSpPr/>
+          <p:nvPr/>
+        </p:nvSpPr>
+        <p:spPr>
+          <a:xfrm>
+            <a:off x="2555776" y="2465512"/>
+            <a:ext cx="6264696" cy="4059832"/>
+          </a:xfrm>
+          <a:prstGeom prst="rect">
+            <a:avLst/>
+          </a:prstGeom>
+        </p:spPr>
+        <p:style>
+          <a:lnRef idx="2">
+            <a:schemeClr val="accent2"/>
+          </a:lnRef>
+          <a:fillRef idx="1">
+            <a:schemeClr val="lt1"/>
+          </a:fillRef>
+          <a:effectRef idx="0">
+            <a:schemeClr val="accent2"/>
+          </a:effectRef>
+          <a:fontRef idx="minor">
+            <a:schemeClr val="dk1"/>
+          </a:fontRef>
+        </p:style>
+        <p:txBody>
+          <a:bodyPr rtlCol="0" anchor="ctr"/>
+          <a:lstStyle/>
+          <a:p>
+            <a:pPr algn="ctr"/>
+            <a:endParaRPr lang="ko-KR" altLang="en-US"/>
+          </a:p>
+        </p:txBody>
+      </p:sp>
+    </p:spTree>
+    <p:extLst>
+      <p:ext uri="{BB962C8B-B14F-4D97-AF65-F5344CB8AC3E}">
+        <p14:creationId xmlns:p14="http://schemas.microsoft.com/office/powerpoint/2010/main" val="3873739207"/>
+      </p:ext>
+    </p:extLst>
+  </p:cSld>
+  <p:clrMapOvr>
+    <a:masterClrMapping/>
+  </p:clrMapOvr>
+</p:sld>
+</file>
+
+<file path=ppt/slides/slide13.xml><?xml version="1.0" encoding="utf-8"?>
+<p:sld xmlns:a="http://schemas.openxmlformats.org/drawingml/2006/main" xmlns:r="http://schemas.openxmlformats.org/officeDocument/2006/relationships" xmlns:p="http://schemas.openxmlformats.org/presentationml/2006/main">
+  <p:cSld>
+    <p:spTree>
+      <p:nvGrpSpPr>
+        <p:cNvPr id="1" name=""/>
+        <p:cNvGrpSpPr/>
+        <p:nvPr/>
+      </p:nvGrpSpPr>
+      <p:grpSpPr>
+        <a:xfrm>
+          <a:off x="0" y="0"/>
+          <a:ext cx="0" cy="0"/>
+          <a:chOff x="0" y="0"/>
+          <a:chExt cx="0" cy="0"/>
+        </a:xfrm>
+      </p:grpSpPr>
+      <p:sp>
+        <p:nvSpPr>
+          <p:cNvPr id="4" name="직사각형 3"/>
+          <p:cNvSpPr/>
+          <p:nvPr/>
+        </p:nvSpPr>
+        <p:spPr>
+          <a:xfrm>
+            <a:off x="174976" y="901316"/>
+            <a:ext cx="8784976" cy="432048"/>
+          </a:xfrm>
+          <a:prstGeom prst="rect">
+            <a:avLst/>
+          </a:prstGeom>
+        </p:spPr>
+        <p:style>
+          <a:lnRef idx="2">
+            <a:schemeClr val="accent1">
+              <a:shade val="50000"/>
+            </a:schemeClr>
+          </a:lnRef>
+          <a:fillRef idx="1">
+            <a:schemeClr val="accent1"/>
+          </a:fillRef>
+          <a:effectRef idx="0">
+            <a:schemeClr val="accent1"/>
+          </a:effectRef>
+          <a:fontRef idx="minor">
+            <a:schemeClr val="lt1"/>
+          </a:fontRef>
+        </p:style>
+        <p:txBody>
+          <a:bodyPr rtlCol="0" anchor="ctr"/>
+          <a:lstStyle/>
+          <a:p>
+            <a:pPr algn="r"/>
+            <a:r>
+              <a:rPr lang="en-US" altLang="ko-KR" dirty="0" smtClean="0"/>
+              <a:t>XX</a:t>
+            </a:r>
+            <a:r>
+              <a:rPr lang="ko-KR" altLang="en-US" dirty="0" smtClean="0"/>
+              <a:t>님 </a:t>
+            </a:r>
+            <a:r>
+              <a:rPr lang="ko-KR" altLang="en-US" u="sng" dirty="0" err="1" smtClean="0"/>
+              <a:t>마이페이지</a:t>
+            </a:r>
+            <a:r>
+              <a:rPr lang="ko-KR" altLang="en-US" dirty="0" smtClean="0"/>
+              <a:t> </a:t>
+            </a:r>
+            <a:r>
+              <a:rPr lang="ko-KR" altLang="en-US" u="sng" dirty="0" smtClean="0"/>
+              <a:t>로그아웃</a:t>
+            </a:r>
+            <a:endParaRPr lang="ko-KR" altLang="en-US" u="sng" dirty="0"/>
+          </a:p>
+        </p:txBody>
+      </p:sp>
+      <p:sp>
+        <p:nvSpPr>
+          <p:cNvPr id="5" name="직사각형 4"/>
+          <p:cNvSpPr/>
+          <p:nvPr/>
+        </p:nvSpPr>
+        <p:spPr>
+          <a:xfrm>
+            <a:off x="179512" y="116632"/>
+            <a:ext cx="8784976" cy="648072"/>
+          </a:xfrm>
+          <a:prstGeom prst="rect">
+            <a:avLst/>
+          </a:prstGeom>
+        </p:spPr>
+        <p:style>
+          <a:lnRef idx="2">
+            <a:schemeClr val="accent1">
+              <a:shade val="50000"/>
+            </a:schemeClr>
+          </a:lnRef>
+          <a:fillRef idx="1">
+            <a:schemeClr val="accent1"/>
+          </a:fillRef>
+          <a:effectRef idx="0">
+            <a:schemeClr val="accent1"/>
+          </a:effectRef>
+          <a:fontRef idx="minor">
+            <a:schemeClr val="lt1"/>
+          </a:fontRef>
+        </p:style>
+        <p:txBody>
+          <a:bodyPr rtlCol="0" anchor="ctr"/>
+          <a:lstStyle/>
+          <a:p>
+            <a:pPr algn="ctr"/>
+            <a:r>
+              <a:rPr lang="ko-KR" altLang="en-US" smtClean="0"/>
+              <a:t>가계</a:t>
+            </a:r>
+            <a:r>
+              <a:rPr lang="ko-KR" altLang="en-US"/>
+              <a:t>부</a:t>
+            </a:r>
+          </a:p>
+        </p:txBody>
+      </p:sp>
+      <p:sp>
+        <p:nvSpPr>
+          <p:cNvPr id="8" name="직사각형 7"/>
+          <p:cNvSpPr/>
+          <p:nvPr/>
+        </p:nvSpPr>
+        <p:spPr>
+          <a:xfrm>
+            <a:off x="2321488" y="1455072"/>
+            <a:ext cx="6638464" cy="5286296"/>
+          </a:xfrm>
+          <a:prstGeom prst="rect">
+            <a:avLst/>
+          </a:prstGeom>
+        </p:spPr>
+        <p:style>
+          <a:lnRef idx="2">
+            <a:schemeClr val="accent1">
+              <a:shade val="50000"/>
+            </a:schemeClr>
+          </a:lnRef>
+          <a:fillRef idx="1">
+            <a:schemeClr val="accent1"/>
+          </a:fillRef>
+          <a:effectRef idx="0">
+            <a:schemeClr val="accent1"/>
+          </a:effectRef>
+          <a:fontRef idx="minor">
+            <a:schemeClr val="lt1"/>
+          </a:fontRef>
+        </p:style>
+        <p:txBody>
+          <a:bodyPr rtlCol="0" anchor="ctr"/>
+          <a:lstStyle/>
+          <a:p>
+            <a:pPr algn="ctr"/>
+            <a:endParaRPr lang="ko-KR" altLang="en-US" dirty="0"/>
+          </a:p>
+        </p:txBody>
+      </p:sp>
+      <p:sp>
+        <p:nvSpPr>
+          <p:cNvPr id="9" name="직사각형 8"/>
+          <p:cNvSpPr/>
+          <p:nvPr/>
+        </p:nvSpPr>
+        <p:spPr>
+          <a:xfrm>
+            <a:off x="179512" y="1455072"/>
+            <a:ext cx="2016224" cy="5286296"/>
+          </a:xfrm>
+          <a:prstGeom prst="rect">
+            <a:avLst/>
+          </a:prstGeom>
+        </p:spPr>
+        <p:style>
+          <a:lnRef idx="2">
+            <a:schemeClr val="accent1">
+              <a:shade val="50000"/>
+            </a:schemeClr>
+          </a:lnRef>
+          <a:fillRef idx="1">
+            <a:schemeClr val="accent1"/>
+          </a:fillRef>
+          <a:effectRef idx="0">
+            <a:schemeClr val="accent1"/>
+          </a:effectRef>
+          <a:fontRef idx="minor">
+            <a:schemeClr val="lt1"/>
+          </a:fontRef>
+        </p:style>
+        <p:txBody>
+          <a:bodyPr rtlCol="0" anchor="ctr"/>
+          <a:lstStyle/>
+          <a:p>
+            <a:pPr algn="ctr"/>
+            <a:r>
+              <a:rPr lang="ko-KR" altLang="en-US" dirty="0" smtClean="0"/>
+              <a:t>지출</a:t>
+            </a:r>
+            <a:endParaRPr lang="en-US" altLang="ko-KR" dirty="0" smtClean="0"/>
+          </a:p>
+          <a:p>
+            <a:pPr algn="ctr"/>
+            <a:endParaRPr lang="en-US" altLang="ko-KR" dirty="0"/>
+          </a:p>
+          <a:p>
+            <a:pPr algn="ctr"/>
+            <a:r>
+              <a:rPr lang="ko-KR" altLang="en-US" dirty="0" smtClean="0"/>
+              <a:t>수입</a:t>
+            </a:r>
+            <a:endParaRPr lang="en-US" altLang="ko-KR" dirty="0" smtClean="0"/>
+          </a:p>
+          <a:p>
+            <a:pPr algn="ctr"/>
+            <a:endParaRPr lang="en-US" altLang="ko-KR" dirty="0"/>
+          </a:p>
+          <a:p>
+            <a:pPr algn="ctr"/>
+            <a:r>
+              <a:rPr lang="ko-KR" altLang="en-US" b="1" u="sng" dirty="0" smtClean="0"/>
+              <a:t>통계</a:t>
+            </a:r>
+            <a:endParaRPr lang="en-US" altLang="ko-KR" b="1" u="sng" dirty="0" smtClean="0"/>
+          </a:p>
+          <a:p>
+            <a:pPr marL="285750" indent="-285750" algn="ctr">
+              <a:buFontTx/>
+              <a:buChar char="-"/>
+            </a:pPr>
+            <a:r>
+              <a:rPr lang="ko-KR" altLang="en-US" b="1" u="sng" dirty="0" smtClean="0"/>
+              <a:t>지출 </a:t>
+            </a:r>
+            <a:r>
+              <a:rPr lang="ko-KR" altLang="en-US" b="1" u="sng" dirty="0" err="1" smtClean="0"/>
+              <a:t>분류별</a:t>
+            </a:r>
+            <a:endParaRPr lang="en-US" altLang="ko-KR" b="1" u="sng" dirty="0" smtClean="0"/>
+          </a:p>
+          <a:p>
+            <a:pPr marL="285750" indent="-285750" algn="ctr">
+              <a:buFontTx/>
+              <a:buChar char="-"/>
+            </a:pPr>
+            <a:r>
+              <a:rPr lang="ko-KR" altLang="en-US" b="1" u="sng" dirty="0" smtClean="0"/>
+              <a:t>수입 </a:t>
+            </a:r>
+            <a:r>
+              <a:rPr lang="ko-KR" altLang="en-US" b="1" u="sng" dirty="0" err="1" smtClean="0"/>
+              <a:t>분류별</a:t>
+            </a:r>
+            <a:endParaRPr lang="en-US" altLang="ko-KR" b="1" u="sng" dirty="0" smtClean="0"/>
+          </a:p>
+          <a:p>
+            <a:pPr marL="285750" indent="-285750" algn="ctr">
+              <a:buFontTx/>
+              <a:buChar char="-"/>
+            </a:pPr>
+            <a:r>
+              <a:rPr lang="ko-KR" altLang="en-US" b="1" u="sng" dirty="0" smtClean="0"/>
+              <a:t>매니저 </a:t>
+            </a:r>
+            <a:r>
+              <a:rPr lang="ko-KR" altLang="en-US" b="1" u="sng" dirty="0" err="1" smtClean="0"/>
+              <a:t>멘트</a:t>
+            </a:r>
+            <a:endParaRPr lang="ko-KR" altLang="en-US" b="1" u="sng" dirty="0"/>
+          </a:p>
+        </p:txBody>
+      </p:sp>
+      <p:sp>
+        <p:nvSpPr>
+          <p:cNvPr id="2" name="직사각형 1"/>
+          <p:cNvSpPr/>
+          <p:nvPr/>
+        </p:nvSpPr>
+        <p:spPr>
+          <a:xfrm>
+            <a:off x="2555776" y="1700808"/>
+            <a:ext cx="6192688" cy="936104"/>
+          </a:xfrm>
+          <a:prstGeom prst="rect">
+            <a:avLst/>
+          </a:prstGeom>
+        </p:spPr>
+        <p:style>
+          <a:lnRef idx="2">
+            <a:schemeClr val="accent6">
+              <a:shade val="50000"/>
+            </a:schemeClr>
+          </a:lnRef>
+          <a:fillRef idx="1">
+            <a:schemeClr val="accent6"/>
+          </a:fillRef>
+          <a:effectRef idx="0">
+            <a:schemeClr val="accent6"/>
+          </a:effectRef>
+          <a:fontRef idx="minor">
+            <a:schemeClr val="lt1"/>
+          </a:fontRef>
+        </p:style>
+        <p:txBody>
+          <a:bodyPr rtlCol="0" anchor="ctr"/>
+          <a:lstStyle/>
+          <a:p>
+            <a:pPr algn="ctr"/>
+            <a:r>
+              <a:rPr lang="ko-KR" altLang="en-US" dirty="0" smtClean="0"/>
+              <a:t>지출 얼마</a:t>
+            </a:r>
+            <a:endParaRPr lang="en-US" altLang="ko-KR" dirty="0" smtClean="0"/>
+          </a:p>
+          <a:p>
+            <a:pPr algn="ctr"/>
+            <a:r>
+              <a:rPr lang="ko-KR" altLang="en-US" dirty="0" smtClean="0"/>
+              <a:t>수입 얼마</a:t>
+            </a:r>
+            <a:endParaRPr lang="ko-KR" altLang="en-US" dirty="0"/>
+          </a:p>
+        </p:txBody>
+      </p:sp>
+      <p:sp>
+        <p:nvSpPr>
+          <p:cNvPr id="12" name="직사각형 11"/>
+          <p:cNvSpPr/>
+          <p:nvPr/>
+        </p:nvSpPr>
+        <p:spPr>
+          <a:xfrm>
+            <a:off x="2578656" y="2780928"/>
+            <a:ext cx="6192688" cy="576064"/>
+          </a:xfrm>
+          <a:prstGeom prst="rect">
+            <a:avLst/>
+          </a:prstGeom>
+        </p:spPr>
+        <p:style>
+          <a:lnRef idx="2">
+            <a:schemeClr val="accent6">
+              <a:shade val="50000"/>
+            </a:schemeClr>
+          </a:lnRef>
+          <a:fillRef idx="1">
+            <a:schemeClr val="accent6"/>
+          </a:fillRef>
+          <a:effectRef idx="0">
+            <a:schemeClr val="accent6"/>
+          </a:effectRef>
+          <a:fontRef idx="minor">
+            <a:schemeClr val="lt1"/>
+          </a:fontRef>
+        </p:style>
+        <p:txBody>
+          <a:bodyPr rtlCol="0" anchor="ctr"/>
+          <a:lstStyle/>
+          <a:p>
+            <a:pPr algn="ctr"/>
+            <a:r>
+              <a:rPr lang="ko-KR" altLang="en-US" smtClean="0"/>
+              <a:t>매니저 코멘트</a:t>
+            </a:r>
+            <a:endParaRPr lang="ko-KR" altLang="en-US" dirty="0"/>
+          </a:p>
+        </p:txBody>
+      </p:sp>
+      <p:sp>
+        <p:nvSpPr>
+          <p:cNvPr id="14" name="직사각형 13"/>
+          <p:cNvSpPr/>
+          <p:nvPr/>
+        </p:nvSpPr>
+        <p:spPr>
+          <a:xfrm>
+            <a:off x="2578656" y="3498148"/>
+            <a:ext cx="6192688" cy="2883180"/>
+          </a:xfrm>
+          <a:prstGeom prst="rect">
+            <a:avLst/>
+          </a:prstGeom>
+        </p:spPr>
+        <p:style>
+          <a:lnRef idx="2">
+            <a:schemeClr val="accent6">
+              <a:shade val="50000"/>
+            </a:schemeClr>
+          </a:lnRef>
+          <a:fillRef idx="1">
+            <a:schemeClr val="accent6"/>
+          </a:fillRef>
+          <a:effectRef idx="0">
+            <a:schemeClr val="accent6"/>
+          </a:effectRef>
+          <a:fontRef idx="minor">
+            <a:schemeClr val="lt1"/>
+          </a:fontRef>
+        </p:style>
+        <p:txBody>
+          <a:bodyPr rtlCol="0" anchor="ctr"/>
+          <a:lstStyle/>
+          <a:p>
+            <a:pPr algn="ctr"/>
+            <a:r>
+              <a:rPr lang="ko-KR" altLang="en-US" dirty="0" smtClean="0"/>
+              <a:t>게시판</a:t>
+            </a:r>
+            <a:endParaRPr lang="ko-KR" altLang="en-US" dirty="0"/>
+          </a:p>
+        </p:txBody>
+      </p:sp>
+    </p:spTree>
+    <p:extLst>
+      <p:ext uri="{BB962C8B-B14F-4D97-AF65-F5344CB8AC3E}">
+        <p14:creationId xmlns:p14="http://schemas.microsoft.com/office/powerpoint/2010/main" val="3350546903"/>
+      </p:ext>
+    </p:extLst>
+  </p:cSld>
+  <p:clrMapOvr>
+    <a:masterClrMapping/>
+  </p:clrMapOvr>
+</p:sld>
+</file>
+
+<file path=ppt/slides/slide14.xml><?xml version="1.0" encoding="utf-8"?>
+<p:sld xmlns:a="http://schemas.openxmlformats.org/drawingml/2006/main" xmlns:r="http://schemas.openxmlformats.org/officeDocument/2006/relationships" xmlns:p="http://schemas.openxmlformats.org/presentationml/2006/main">
+  <p:cSld>
+    <p:spTree>
+      <p:nvGrpSpPr>
+        <p:cNvPr id="1" name=""/>
+        <p:cNvGrpSpPr/>
+        <p:nvPr/>
+      </p:nvGrpSpPr>
+      <p:grpSpPr>
+        <a:xfrm>
+          <a:off x="0" y="0"/>
+          <a:ext cx="0" cy="0"/>
+          <a:chOff x="0" y="0"/>
+          <a:chExt cx="0" cy="0"/>
+        </a:xfrm>
+      </p:grpSpPr>
+      <p:sp>
+        <p:nvSpPr>
+          <p:cNvPr id="4" name="직사각형 3"/>
+          <p:cNvSpPr/>
+          <p:nvPr/>
+        </p:nvSpPr>
+        <p:spPr>
+          <a:xfrm>
+            <a:off x="174976" y="901316"/>
+            <a:ext cx="8784976" cy="432048"/>
+          </a:xfrm>
+          <a:prstGeom prst="rect">
+            <a:avLst/>
+          </a:prstGeom>
+        </p:spPr>
+        <p:style>
+          <a:lnRef idx="2">
+            <a:schemeClr val="accent1">
+              <a:shade val="50000"/>
+            </a:schemeClr>
+          </a:lnRef>
+          <a:fillRef idx="1">
+            <a:schemeClr val="accent1"/>
+          </a:fillRef>
+          <a:effectRef idx="0">
+            <a:schemeClr val="accent1"/>
+          </a:effectRef>
+          <a:fontRef idx="minor">
+            <a:schemeClr val="lt1"/>
+          </a:fontRef>
+        </p:style>
+        <p:txBody>
+          <a:bodyPr rtlCol="0" anchor="ctr"/>
+          <a:lstStyle/>
+          <a:p>
+            <a:pPr algn="r"/>
+            <a:r>
+              <a:rPr lang="en-US" altLang="ko-KR" dirty="0" smtClean="0"/>
+              <a:t>XX</a:t>
+            </a:r>
+            <a:r>
+              <a:rPr lang="ko-KR" altLang="en-US" dirty="0" smtClean="0"/>
+              <a:t>님 </a:t>
+            </a:r>
+            <a:r>
+              <a:rPr lang="ko-KR" altLang="en-US" u="sng" dirty="0" err="1" smtClean="0"/>
+              <a:t>마이페이지</a:t>
+            </a:r>
+            <a:r>
+              <a:rPr lang="ko-KR" altLang="en-US" dirty="0" smtClean="0"/>
+              <a:t> </a:t>
+            </a:r>
+            <a:r>
+              <a:rPr lang="ko-KR" altLang="en-US" u="sng" dirty="0" smtClean="0"/>
+              <a:t>로그아웃</a:t>
+            </a:r>
+            <a:endParaRPr lang="ko-KR" altLang="en-US" u="sng" dirty="0"/>
+          </a:p>
+        </p:txBody>
+      </p:sp>
+      <p:sp>
+        <p:nvSpPr>
+          <p:cNvPr id="5" name="직사각형 4"/>
+          <p:cNvSpPr/>
+          <p:nvPr/>
+        </p:nvSpPr>
+        <p:spPr>
+          <a:xfrm>
+            <a:off x="179512" y="116632"/>
+            <a:ext cx="8784976" cy="648072"/>
+          </a:xfrm>
+          <a:prstGeom prst="rect">
+            <a:avLst/>
+          </a:prstGeom>
+        </p:spPr>
+        <p:style>
+          <a:lnRef idx="2">
+            <a:schemeClr val="accent1">
+              <a:shade val="50000"/>
+            </a:schemeClr>
+          </a:lnRef>
+          <a:fillRef idx="1">
+            <a:schemeClr val="accent1"/>
+          </a:fillRef>
+          <a:effectRef idx="0">
+            <a:schemeClr val="accent1"/>
+          </a:effectRef>
+          <a:fontRef idx="minor">
+            <a:schemeClr val="lt1"/>
+          </a:fontRef>
+        </p:style>
+        <p:txBody>
+          <a:bodyPr rtlCol="0" anchor="ctr"/>
+          <a:lstStyle/>
+          <a:p>
+            <a:pPr algn="ctr"/>
+            <a:r>
+              <a:rPr lang="ko-KR" altLang="en-US" smtClean="0"/>
+              <a:t>가계</a:t>
+            </a:r>
+            <a:r>
+              <a:rPr lang="ko-KR" altLang="en-US"/>
+              <a:t>부</a:t>
+            </a:r>
+          </a:p>
+        </p:txBody>
+      </p:sp>
+      <p:sp>
+        <p:nvSpPr>
+          <p:cNvPr id="8" name="직사각형 7"/>
+          <p:cNvSpPr/>
+          <p:nvPr/>
+        </p:nvSpPr>
+        <p:spPr>
+          <a:xfrm>
+            <a:off x="2321488" y="1455072"/>
+            <a:ext cx="6638464" cy="5286296"/>
+          </a:xfrm>
+          <a:prstGeom prst="rect">
+            <a:avLst/>
+          </a:prstGeom>
+        </p:spPr>
+        <p:style>
+          <a:lnRef idx="2">
+            <a:schemeClr val="accent1">
+              <a:shade val="50000"/>
+            </a:schemeClr>
+          </a:lnRef>
+          <a:fillRef idx="1">
+            <a:schemeClr val="accent1"/>
+          </a:fillRef>
+          <a:effectRef idx="0">
+            <a:schemeClr val="accent1"/>
+          </a:effectRef>
+          <a:fontRef idx="minor">
+            <a:schemeClr val="lt1"/>
+          </a:fontRef>
+        </p:style>
+        <p:txBody>
+          <a:bodyPr rtlCol="0" anchor="ctr"/>
+          <a:lstStyle/>
+          <a:p>
+            <a:pPr algn="ctr"/>
+            <a:endParaRPr lang="ko-KR" altLang="en-US" dirty="0"/>
+          </a:p>
+        </p:txBody>
+      </p:sp>
+      <p:sp>
+        <p:nvSpPr>
+          <p:cNvPr id="9" name="직사각형 8"/>
+          <p:cNvSpPr/>
+          <p:nvPr/>
+        </p:nvSpPr>
+        <p:spPr>
+          <a:xfrm>
+            <a:off x="179512" y="1455072"/>
+            <a:ext cx="2016224" cy="5286296"/>
+          </a:xfrm>
+          <a:prstGeom prst="rect">
+            <a:avLst/>
+          </a:prstGeom>
+        </p:spPr>
+        <p:style>
+          <a:lnRef idx="2">
+            <a:schemeClr val="accent1">
+              <a:shade val="50000"/>
+            </a:schemeClr>
+          </a:lnRef>
+          <a:fillRef idx="1">
+            <a:schemeClr val="accent1"/>
+          </a:fillRef>
+          <a:effectRef idx="0">
+            <a:schemeClr val="accent1"/>
+          </a:effectRef>
+          <a:fontRef idx="minor">
+            <a:schemeClr val="lt1"/>
+          </a:fontRef>
+        </p:style>
+        <p:txBody>
+          <a:bodyPr rtlCol="0" anchor="ctr"/>
+          <a:lstStyle/>
+          <a:p>
+            <a:pPr algn="ctr"/>
+            <a:r>
+              <a:rPr lang="ko-KR" altLang="en-US" b="1" u="sng" dirty="0" smtClean="0"/>
+              <a:t>정보 수정</a:t>
+            </a:r>
+            <a:endParaRPr lang="en-US" altLang="ko-KR" b="1" u="sng" dirty="0" smtClean="0"/>
+          </a:p>
+          <a:p>
+            <a:pPr algn="ctr"/>
+            <a:endParaRPr lang="en-US" altLang="ko-KR" b="1" u="sng" dirty="0"/>
+          </a:p>
+          <a:p>
+            <a:pPr algn="ctr"/>
+            <a:r>
+              <a:rPr lang="ko-KR" altLang="en-US" b="1" dirty="0" smtClean="0"/>
+              <a:t>나의 매니저</a:t>
+            </a:r>
+            <a:endParaRPr lang="ko-KR" altLang="en-US" b="1" dirty="0"/>
+          </a:p>
+        </p:txBody>
+      </p:sp>
+      <p:sp>
+        <p:nvSpPr>
+          <p:cNvPr id="14" name="직사각형 13"/>
+          <p:cNvSpPr/>
+          <p:nvPr/>
+        </p:nvSpPr>
+        <p:spPr>
+          <a:xfrm>
+            <a:off x="2544376" y="1700808"/>
+            <a:ext cx="6192688" cy="4824536"/>
+          </a:xfrm>
+          <a:prstGeom prst="rect">
+            <a:avLst/>
+          </a:prstGeom>
+        </p:spPr>
+        <p:style>
+          <a:lnRef idx="2">
+            <a:schemeClr val="accent6">
+              <a:shade val="50000"/>
+            </a:schemeClr>
+          </a:lnRef>
+          <a:fillRef idx="1">
+            <a:schemeClr val="accent6"/>
+          </a:fillRef>
+          <a:effectRef idx="0">
+            <a:schemeClr val="accent6"/>
+          </a:effectRef>
+          <a:fontRef idx="minor">
+            <a:schemeClr val="lt1"/>
+          </a:fontRef>
+        </p:style>
+        <p:txBody>
+          <a:bodyPr rtlCol="0" anchor="ctr"/>
+          <a:lstStyle/>
+          <a:p>
+            <a:pPr algn="ctr"/>
+            <a:r>
+              <a:rPr lang="ko-KR" altLang="en-US" dirty="0" smtClean="0"/>
+              <a:t>아이디와 생년월일</a:t>
+            </a:r>
+            <a:r>
+              <a:rPr lang="en-US" altLang="ko-KR" dirty="0" smtClean="0"/>
+              <a:t>, </a:t>
+            </a:r>
+            <a:r>
+              <a:rPr lang="ko-KR" altLang="en-US" dirty="0" smtClean="0"/>
+              <a:t>이름을 제외한 모든 정보 수정 가능</a:t>
+            </a:r>
+            <a:endParaRPr lang="ko-KR" altLang="en-US" dirty="0"/>
+          </a:p>
+        </p:txBody>
+      </p:sp>
+    </p:spTree>
+    <p:extLst>
+      <p:ext uri="{BB962C8B-B14F-4D97-AF65-F5344CB8AC3E}">
+        <p14:creationId xmlns:p14="http://schemas.microsoft.com/office/powerpoint/2010/main" val="3556692816"/>
+      </p:ext>
+    </p:extLst>
+  </p:cSld>
+  <p:clrMapOvr>
+    <a:masterClrMapping/>
+  </p:clrMapOvr>
+</p:sld>
+</file>
+
+<file path=ppt/slides/slide15.xml><?xml version="1.0" encoding="utf-8"?>
+<p:sld xmlns:a="http://schemas.openxmlformats.org/drawingml/2006/main" xmlns:r="http://schemas.openxmlformats.org/officeDocument/2006/relationships" xmlns:p="http://schemas.openxmlformats.org/presentationml/2006/main">
+  <p:cSld>
+    <p:spTree>
+      <p:nvGrpSpPr>
+        <p:cNvPr id="1" name=""/>
+        <p:cNvGrpSpPr/>
+        <p:nvPr/>
+      </p:nvGrpSpPr>
+      <p:grpSpPr>
+        <a:xfrm>
+          <a:off x="0" y="0"/>
+          <a:ext cx="0" cy="0"/>
+          <a:chOff x="0" y="0"/>
+          <a:chExt cx="0" cy="0"/>
+        </a:xfrm>
+      </p:grpSpPr>
+      <p:sp>
+        <p:nvSpPr>
+          <p:cNvPr id="4" name="직사각형 3"/>
+          <p:cNvSpPr/>
+          <p:nvPr/>
+        </p:nvSpPr>
+        <p:spPr>
+          <a:xfrm>
+            <a:off x="174976" y="901316"/>
+            <a:ext cx="8784976" cy="432048"/>
+          </a:xfrm>
+          <a:prstGeom prst="rect">
+            <a:avLst/>
+          </a:prstGeom>
+        </p:spPr>
+        <p:style>
+          <a:lnRef idx="2">
+            <a:schemeClr val="accent1">
+              <a:shade val="50000"/>
+            </a:schemeClr>
+          </a:lnRef>
+          <a:fillRef idx="1">
+            <a:schemeClr val="accent1"/>
+          </a:fillRef>
+          <a:effectRef idx="0">
+            <a:schemeClr val="accent1"/>
+          </a:effectRef>
+          <a:fontRef idx="minor">
+            <a:schemeClr val="lt1"/>
+          </a:fontRef>
+        </p:style>
+        <p:txBody>
+          <a:bodyPr rtlCol="0" anchor="ctr"/>
+          <a:lstStyle/>
+          <a:p>
+            <a:pPr algn="r"/>
+            <a:r>
+              <a:rPr lang="en-US" altLang="ko-KR" dirty="0" smtClean="0"/>
+              <a:t>XX</a:t>
+            </a:r>
+            <a:r>
+              <a:rPr lang="ko-KR" altLang="en-US" dirty="0" smtClean="0"/>
+              <a:t>님 </a:t>
+            </a:r>
+            <a:r>
+              <a:rPr lang="ko-KR" altLang="en-US" u="sng" dirty="0" err="1" smtClean="0"/>
+              <a:t>마이페이지</a:t>
+            </a:r>
+            <a:r>
+              <a:rPr lang="ko-KR" altLang="en-US" dirty="0" smtClean="0"/>
+              <a:t> </a:t>
+            </a:r>
+            <a:r>
+              <a:rPr lang="ko-KR" altLang="en-US" u="sng" dirty="0" smtClean="0"/>
+              <a:t>로그아웃</a:t>
+            </a:r>
+            <a:endParaRPr lang="ko-KR" altLang="en-US" u="sng" dirty="0"/>
+          </a:p>
+        </p:txBody>
+      </p:sp>
+      <p:sp>
+        <p:nvSpPr>
+          <p:cNvPr id="5" name="직사각형 4"/>
+          <p:cNvSpPr/>
+          <p:nvPr/>
+        </p:nvSpPr>
+        <p:spPr>
+          <a:xfrm>
+            <a:off x="179512" y="116632"/>
+            <a:ext cx="8784976" cy="648072"/>
+          </a:xfrm>
+          <a:prstGeom prst="rect">
+            <a:avLst/>
+          </a:prstGeom>
+        </p:spPr>
+        <p:style>
+          <a:lnRef idx="2">
+            <a:schemeClr val="accent1">
+              <a:shade val="50000"/>
+            </a:schemeClr>
+          </a:lnRef>
+          <a:fillRef idx="1">
+            <a:schemeClr val="accent1"/>
+          </a:fillRef>
+          <a:effectRef idx="0">
+            <a:schemeClr val="accent1"/>
+          </a:effectRef>
+          <a:fontRef idx="minor">
+            <a:schemeClr val="lt1"/>
+          </a:fontRef>
+        </p:style>
+        <p:txBody>
+          <a:bodyPr rtlCol="0" anchor="ctr"/>
+          <a:lstStyle/>
+          <a:p>
+            <a:pPr algn="ctr"/>
+            <a:r>
+              <a:rPr lang="ko-KR" altLang="en-US" smtClean="0"/>
+              <a:t>가계</a:t>
+            </a:r>
+            <a:r>
+              <a:rPr lang="ko-KR" altLang="en-US"/>
+              <a:t>부</a:t>
+            </a:r>
+          </a:p>
+        </p:txBody>
+      </p:sp>
+      <p:sp>
+        <p:nvSpPr>
+          <p:cNvPr id="8" name="직사각형 7"/>
+          <p:cNvSpPr/>
+          <p:nvPr/>
+        </p:nvSpPr>
+        <p:spPr>
+          <a:xfrm>
+            <a:off x="2321488" y="1455072"/>
+            <a:ext cx="6638464" cy="5286296"/>
+          </a:xfrm>
+          <a:prstGeom prst="rect">
+            <a:avLst/>
+          </a:prstGeom>
+        </p:spPr>
+        <p:style>
+          <a:lnRef idx="2">
+            <a:schemeClr val="accent1">
+              <a:shade val="50000"/>
+            </a:schemeClr>
+          </a:lnRef>
+          <a:fillRef idx="1">
+            <a:schemeClr val="accent1"/>
+          </a:fillRef>
+          <a:effectRef idx="0">
+            <a:schemeClr val="accent1"/>
+          </a:effectRef>
+          <a:fontRef idx="minor">
+            <a:schemeClr val="lt1"/>
+          </a:fontRef>
+        </p:style>
+        <p:txBody>
+          <a:bodyPr rtlCol="0" anchor="ctr"/>
+          <a:lstStyle/>
+          <a:p>
+            <a:pPr algn="ctr"/>
+            <a:endParaRPr lang="ko-KR" altLang="en-US" dirty="0"/>
+          </a:p>
+        </p:txBody>
+      </p:sp>
+      <p:sp>
+        <p:nvSpPr>
+          <p:cNvPr id="9" name="직사각형 8"/>
+          <p:cNvSpPr/>
+          <p:nvPr/>
+        </p:nvSpPr>
+        <p:spPr>
+          <a:xfrm>
+            <a:off x="179512" y="1455072"/>
+            <a:ext cx="2016224" cy="5286296"/>
+          </a:xfrm>
+          <a:prstGeom prst="rect">
+            <a:avLst/>
+          </a:prstGeom>
+        </p:spPr>
+        <p:style>
+          <a:lnRef idx="2">
+            <a:schemeClr val="accent1">
+              <a:shade val="50000"/>
+            </a:schemeClr>
+          </a:lnRef>
+          <a:fillRef idx="1">
+            <a:schemeClr val="accent1"/>
+          </a:fillRef>
+          <a:effectRef idx="0">
+            <a:schemeClr val="accent1"/>
+          </a:effectRef>
+          <a:fontRef idx="minor">
+            <a:schemeClr val="lt1"/>
+          </a:fontRef>
+        </p:style>
+        <p:txBody>
+          <a:bodyPr rtlCol="0" anchor="ctr"/>
+          <a:lstStyle/>
+          <a:p>
+            <a:pPr algn="ctr"/>
+            <a:r>
+              <a:rPr lang="ko-KR" altLang="en-US" b="1" dirty="0" smtClean="0"/>
+              <a:t>정보 수정</a:t>
+            </a:r>
+            <a:endParaRPr lang="en-US" altLang="ko-KR" b="1" dirty="0" smtClean="0"/>
+          </a:p>
+          <a:p>
+            <a:pPr algn="ctr"/>
+            <a:endParaRPr lang="en-US" altLang="ko-KR" b="1" u="sng" dirty="0"/>
+          </a:p>
+          <a:p>
+            <a:pPr algn="ctr"/>
+            <a:r>
+              <a:rPr lang="ko-KR" altLang="en-US" b="1" u="sng" dirty="0" smtClean="0"/>
+              <a:t>나의 매니저</a:t>
+            </a:r>
+            <a:endParaRPr lang="ko-KR" altLang="en-US" b="1" u="sng" dirty="0"/>
+          </a:p>
+        </p:txBody>
+      </p:sp>
+      <p:sp>
+        <p:nvSpPr>
+          <p:cNvPr id="14" name="직사각형 13"/>
+          <p:cNvSpPr/>
+          <p:nvPr/>
+        </p:nvSpPr>
+        <p:spPr>
+          <a:xfrm>
+            <a:off x="2544376" y="1700808"/>
+            <a:ext cx="6192688" cy="4752528"/>
+          </a:xfrm>
+          <a:prstGeom prst="rect">
+            <a:avLst/>
+          </a:prstGeom>
+        </p:spPr>
+        <p:style>
+          <a:lnRef idx="2">
+            <a:schemeClr val="accent6">
+              <a:shade val="50000"/>
+            </a:schemeClr>
+          </a:lnRef>
+          <a:fillRef idx="1">
+            <a:schemeClr val="accent6"/>
+          </a:fillRef>
+          <a:effectRef idx="0">
+            <a:schemeClr val="accent6"/>
+          </a:effectRef>
+          <a:fontRef idx="minor">
+            <a:schemeClr val="lt1"/>
+          </a:fontRef>
+        </p:style>
+        <p:txBody>
+          <a:bodyPr rtlCol="0" anchor="ctr"/>
+          <a:lstStyle/>
+          <a:p>
+            <a:pPr algn="ctr"/>
+            <a:r>
+              <a:rPr lang="ko-KR" altLang="en-US" dirty="0" smtClean="0"/>
+              <a:t>있으면 해당 매니저 정보만 보여주고</a:t>
+            </a:r>
+            <a:endParaRPr lang="en-US" altLang="ko-KR" dirty="0" smtClean="0"/>
+          </a:p>
+          <a:p>
+            <a:pPr algn="ctr"/>
+            <a:r>
+              <a:rPr lang="ko-KR" altLang="en-US" dirty="0" smtClean="0"/>
+              <a:t>없으면 모든 매니저 리스트</a:t>
+            </a:r>
+            <a:r>
+              <a:rPr lang="en-US" altLang="ko-KR" dirty="0" smtClean="0"/>
+              <a:t>(</a:t>
+            </a:r>
+            <a:r>
+              <a:rPr lang="ko-KR" altLang="en-US" dirty="0" smtClean="0"/>
+              <a:t>게시판</a:t>
+            </a:r>
+            <a:r>
+              <a:rPr lang="en-US" altLang="ko-KR" dirty="0" smtClean="0"/>
+              <a:t>) </a:t>
+            </a:r>
+            <a:r>
+              <a:rPr lang="ko-KR" altLang="en-US" dirty="0" smtClean="0"/>
+              <a:t>보여주기</a:t>
+            </a:r>
+            <a:endParaRPr lang="ko-KR" altLang="en-US" dirty="0"/>
+          </a:p>
+        </p:txBody>
+      </p:sp>
+      <p:sp>
+        <p:nvSpPr>
+          <p:cNvPr id="6" name="모서리가 둥근 직사각형 5"/>
+          <p:cNvSpPr/>
+          <p:nvPr/>
+        </p:nvSpPr>
+        <p:spPr>
+          <a:xfrm>
+            <a:off x="6873952" y="1802552"/>
+            <a:ext cx="1665296" cy="1050384"/>
+          </a:xfrm>
+          <a:prstGeom prst="roundRect">
+            <a:avLst/>
+          </a:prstGeom>
+        </p:spPr>
+        <p:style>
+          <a:lnRef idx="2">
+            <a:schemeClr val="accent2">
+              <a:shade val="50000"/>
+            </a:schemeClr>
+          </a:lnRef>
+          <a:fillRef idx="1">
+            <a:schemeClr val="accent2"/>
+          </a:fillRef>
+          <a:effectRef idx="0">
+            <a:schemeClr val="accent2"/>
+          </a:effectRef>
+          <a:fontRef idx="minor">
+            <a:schemeClr val="lt1"/>
+          </a:fontRef>
+        </p:style>
+        <p:txBody>
+          <a:bodyPr rtlCol="0" anchor="ctr"/>
+          <a:lstStyle/>
+          <a:p>
+            <a:pPr algn="ctr"/>
+            <a:r>
+              <a:rPr lang="ko-KR" altLang="en-US" dirty="0" smtClean="0"/>
+              <a:t>매니저 삭제</a:t>
+            </a:r>
+            <a:r>
+              <a:rPr lang="en-US" altLang="ko-KR" dirty="0" smtClean="0"/>
+              <a:t>(</a:t>
+            </a:r>
+            <a:r>
+              <a:rPr lang="ko-KR" altLang="en-US" dirty="0" smtClean="0"/>
+              <a:t>매니저가 있을 때</a:t>
+            </a:r>
+            <a:r>
+              <a:rPr lang="en-US" altLang="ko-KR" dirty="0" smtClean="0"/>
+              <a:t>)</a:t>
+            </a:r>
+            <a:endParaRPr lang="ko-KR" altLang="en-US" dirty="0"/>
+          </a:p>
+        </p:txBody>
+      </p:sp>
+    </p:spTree>
+    <p:extLst>
+      <p:ext uri="{BB962C8B-B14F-4D97-AF65-F5344CB8AC3E}">
+        <p14:creationId xmlns:p14="http://schemas.microsoft.com/office/powerpoint/2010/main" val="920821481"/>
+      </p:ext>
+    </p:extLst>
+  </p:cSld>
+  <p:clrMapOvr>
+    <a:masterClrMapping/>
+  </p:clrMapOvr>
+</p:sld>
+</file>
+
 <file path=ppt/slides/slide2.xml><?xml version="1.0" encoding="utf-8"?>
 <p:sld xmlns:a="http://schemas.openxmlformats.org/drawingml/2006/main" xmlns:r="http://schemas.openxmlformats.org/officeDocument/2006/relationships" xmlns:p="http://schemas.openxmlformats.org/presentationml/2006/main">
   <p:cSld>
@@ -3559,7 +5710,7 @@
         </p:nvSpPr>
         <p:spPr>
           <a:xfrm>
-            <a:off x="707944" y="1214519"/>
+            <a:off x="1550933" y="1887902"/>
             <a:ext cx="1152128" cy="309532"/>
           </a:xfrm>
           <a:prstGeom prst="roundRect">
@@ -3961,15 +6112,15 @@
         <p:nvCxnSpPr>
           <p:cNvPr id="52" name="직선 화살표 연결선 51"/>
           <p:cNvCxnSpPr>
-            <a:stCxn id="9" idx="2"/>
+            <a:stCxn id="9" idx="3"/>
             <a:endCxn id="36" idx="3"/>
           </p:cNvCxnSpPr>
           <p:nvPr/>
         </p:nvCxnSpPr>
         <p:spPr>
           <a:xfrm>
-            <a:off x="3585250" y="3637430"/>
-            <a:ext cx="707058" cy="1817685"/>
+            <a:off x="4085856" y="3637434"/>
+            <a:ext cx="206452" cy="1817681"/>
           </a:xfrm>
           <a:prstGeom prst="straightConnector1">
             <a:avLst/>
@@ -4577,6 +6728,767 @@
     <p:extLst>
       <p:ext uri="{BB962C8B-B14F-4D97-AF65-F5344CB8AC3E}">
         <p14:creationId xmlns:p14="http://schemas.microsoft.com/office/powerpoint/2010/main" val="1788690607"/>
+      </p:ext>
+    </p:extLst>
+  </p:cSld>
+  <p:clrMapOvr>
+    <a:masterClrMapping/>
+  </p:clrMapOvr>
+</p:sld>
+</file>
+
+<file path=ppt/slides/slide4.xml><?xml version="1.0" encoding="utf-8"?>
+<p:sld xmlns:a="http://schemas.openxmlformats.org/drawingml/2006/main" xmlns:r="http://schemas.openxmlformats.org/officeDocument/2006/relationships" xmlns:p="http://schemas.openxmlformats.org/presentationml/2006/main">
+  <p:cSld>
+    <p:spTree>
+      <p:nvGrpSpPr>
+        <p:cNvPr id="1" name=""/>
+        <p:cNvGrpSpPr/>
+        <p:nvPr/>
+      </p:nvGrpSpPr>
+      <p:grpSpPr>
+        <a:xfrm>
+          <a:off x="0" y="0"/>
+          <a:ext cx="0" cy="0"/>
+          <a:chOff x="0" y="0"/>
+          <a:chExt cx="0" cy="0"/>
+        </a:xfrm>
+      </p:grpSpPr>
+      <p:sp>
+        <p:nvSpPr>
+          <p:cNvPr id="3" name="한쪽 모서리가 잘린 사각형 2"/>
+          <p:cNvSpPr/>
+          <p:nvPr/>
+        </p:nvSpPr>
+        <p:spPr>
+          <a:xfrm>
+            <a:off x="107504" y="116632"/>
+            <a:ext cx="2304256" cy="2880320"/>
+          </a:xfrm>
+          <a:prstGeom prst="snip1Rect">
+            <a:avLst/>
+          </a:prstGeom>
+        </p:spPr>
+        <p:style>
+          <a:lnRef idx="2">
+            <a:schemeClr val="accent1">
+              <a:shade val="50000"/>
+            </a:schemeClr>
+          </a:lnRef>
+          <a:fillRef idx="1">
+            <a:schemeClr val="accent1"/>
+          </a:fillRef>
+          <a:effectRef idx="0">
+            <a:schemeClr val="accent1"/>
+          </a:effectRef>
+          <a:fontRef idx="minor">
+            <a:schemeClr val="lt1"/>
+          </a:fontRef>
+        </p:style>
+        <p:txBody>
+          <a:bodyPr rtlCol="0" anchor="ctr"/>
+          <a:lstStyle/>
+          <a:p>
+            <a:pPr algn="ctr"/>
+            <a:r>
+              <a:rPr lang="ko-KR" altLang="en-US" dirty="0" smtClean="0"/>
+              <a:t>로그</a:t>
+            </a:r>
+            <a:r>
+              <a:rPr lang="ko-KR" altLang="en-US" dirty="0"/>
+              <a:t>인</a:t>
+            </a:r>
+          </a:p>
+        </p:txBody>
+      </p:sp>
+      <p:pic>
+        <p:nvPicPr>
+          <p:cNvPr id="1027" name="Picture 3"/>
+          <p:cNvPicPr>
+            <a:picLocks noChangeAspect="1" noChangeArrowheads="1"/>
+          </p:cNvPicPr>
+          <p:nvPr/>
+        </p:nvPicPr>
+        <p:blipFill>
+          <a:blip r:embed="rId2">
+            <a:extLst>
+              <a:ext uri="{28A0092B-C50C-407E-A947-70E740481C1C}">
+                <a14:useLocalDpi xmlns:a14="http://schemas.microsoft.com/office/drawing/2010/main" val="0"/>
+              </a:ext>
+            </a:extLst>
+          </a:blip>
+          <a:srcRect/>
+          <a:stretch>
+            <a:fillRect/>
+          </a:stretch>
+        </p:blipFill>
+        <p:spPr bwMode="auto">
+          <a:xfrm>
+            <a:off x="395536" y="2060848"/>
+            <a:ext cx="8617310" cy="4631804"/>
+          </a:xfrm>
+          <a:prstGeom prst="rect">
+            <a:avLst/>
+          </a:prstGeom>
+          <a:noFill/>
+          <a:ln>
+            <a:noFill/>
+          </a:ln>
+          <a:extLst>
+            <a:ext uri="{909E8E84-426E-40DD-AFC4-6F175D3DCCD1}">
+              <a14:hiddenFill xmlns:a14="http://schemas.microsoft.com/office/drawing/2010/main">
+                <a:solidFill>
+                  <a:schemeClr val="accent1"/>
+                </a:solidFill>
+              </a14:hiddenFill>
+            </a:ext>
+            <a:ext uri="{91240B29-F687-4F45-9708-019B960494DF}">
+              <a14:hiddenLine xmlns:a14="http://schemas.microsoft.com/office/drawing/2010/main" w="9525">
+                <a:solidFill>
+                  <a:schemeClr val="tx1"/>
+                </a:solidFill>
+                <a:miter lim="800000"/>
+                <a:headEnd/>
+                <a:tailEnd/>
+              </a14:hiddenLine>
+            </a:ext>
+          </a:extLst>
+        </p:spPr>
+      </p:pic>
+    </p:spTree>
+    <p:extLst>
+      <p:ext uri="{BB962C8B-B14F-4D97-AF65-F5344CB8AC3E}">
+        <p14:creationId xmlns:p14="http://schemas.microsoft.com/office/powerpoint/2010/main" val="3888072048"/>
+      </p:ext>
+    </p:extLst>
+  </p:cSld>
+  <p:clrMapOvr>
+    <a:masterClrMapping/>
+  </p:clrMapOvr>
+</p:sld>
+</file>
+
+<file path=ppt/slides/slide5.xml><?xml version="1.0" encoding="utf-8"?>
+<p:sld xmlns:a="http://schemas.openxmlformats.org/drawingml/2006/main" xmlns:r="http://schemas.openxmlformats.org/officeDocument/2006/relationships" xmlns:p="http://schemas.openxmlformats.org/presentationml/2006/main">
+  <p:cSld>
+    <p:spTree>
+      <p:nvGrpSpPr>
+        <p:cNvPr id="1" name=""/>
+        <p:cNvGrpSpPr/>
+        <p:nvPr/>
+      </p:nvGrpSpPr>
+      <p:grpSpPr>
+        <a:xfrm>
+          <a:off x="0" y="0"/>
+          <a:ext cx="0" cy="0"/>
+          <a:chOff x="0" y="0"/>
+          <a:chExt cx="0" cy="0"/>
+        </a:xfrm>
+      </p:grpSpPr>
+      <p:sp>
+        <p:nvSpPr>
+          <p:cNvPr id="3" name="한쪽 모서리가 잘린 사각형 2"/>
+          <p:cNvSpPr/>
+          <p:nvPr/>
+        </p:nvSpPr>
+        <p:spPr>
+          <a:xfrm>
+            <a:off x="107504" y="116632"/>
+            <a:ext cx="2304256" cy="2880320"/>
+          </a:xfrm>
+          <a:prstGeom prst="snip1Rect">
+            <a:avLst/>
+          </a:prstGeom>
+        </p:spPr>
+        <p:style>
+          <a:lnRef idx="2">
+            <a:schemeClr val="accent1">
+              <a:shade val="50000"/>
+            </a:schemeClr>
+          </a:lnRef>
+          <a:fillRef idx="1">
+            <a:schemeClr val="accent1"/>
+          </a:fillRef>
+          <a:effectRef idx="0">
+            <a:schemeClr val="accent1"/>
+          </a:effectRef>
+          <a:fontRef idx="minor">
+            <a:schemeClr val="lt1"/>
+          </a:fontRef>
+        </p:style>
+        <p:txBody>
+          <a:bodyPr rtlCol="0" anchor="ctr"/>
+          <a:lstStyle/>
+          <a:p>
+            <a:pPr algn="ctr"/>
+            <a:r>
+              <a:rPr lang="ko-KR" altLang="en-US" dirty="0" smtClean="0"/>
+              <a:t>지출</a:t>
+            </a:r>
+            <a:endParaRPr lang="en-US" altLang="ko-KR" dirty="0" smtClean="0"/>
+          </a:p>
+          <a:p>
+            <a:pPr algn="ctr"/>
+            <a:r>
+              <a:rPr lang="ko-KR" altLang="en-US" dirty="0" smtClean="0"/>
+              <a:t>수입</a:t>
+            </a:r>
+            <a:endParaRPr lang="en-US" altLang="ko-KR" dirty="0" smtClean="0"/>
+          </a:p>
+          <a:p>
+            <a:pPr algn="ctr"/>
+            <a:r>
+              <a:rPr lang="ko-KR" altLang="en-US" dirty="0" smtClean="0"/>
+              <a:t>통</a:t>
+            </a:r>
+            <a:r>
+              <a:rPr lang="ko-KR" altLang="en-US" dirty="0"/>
+              <a:t>계</a:t>
+            </a:r>
+          </a:p>
+        </p:txBody>
+      </p:sp>
+      <p:pic>
+        <p:nvPicPr>
+          <p:cNvPr id="2050" name="Picture 2"/>
+          <p:cNvPicPr>
+            <a:picLocks noChangeAspect="1" noChangeArrowheads="1"/>
+          </p:cNvPicPr>
+          <p:nvPr/>
+        </p:nvPicPr>
+        <p:blipFill>
+          <a:blip r:embed="rId2">
+            <a:extLst>
+              <a:ext uri="{28A0092B-C50C-407E-A947-70E740481C1C}">
+                <a14:useLocalDpi xmlns:a14="http://schemas.microsoft.com/office/drawing/2010/main" val="0"/>
+              </a:ext>
+            </a:extLst>
+          </a:blip>
+          <a:srcRect/>
+          <a:stretch>
+            <a:fillRect/>
+          </a:stretch>
+        </p:blipFill>
+        <p:spPr bwMode="auto">
+          <a:xfrm>
+            <a:off x="827584" y="2348880"/>
+            <a:ext cx="8143829" cy="4377308"/>
+          </a:xfrm>
+          <a:prstGeom prst="rect">
+            <a:avLst/>
+          </a:prstGeom>
+          <a:noFill/>
+          <a:ln>
+            <a:noFill/>
+          </a:ln>
+          <a:extLst>
+            <a:ext uri="{909E8E84-426E-40DD-AFC4-6F175D3DCCD1}">
+              <a14:hiddenFill xmlns:a14="http://schemas.microsoft.com/office/drawing/2010/main">
+                <a:solidFill>
+                  <a:schemeClr val="accent1"/>
+                </a:solidFill>
+              </a14:hiddenFill>
+            </a:ext>
+            <a:ext uri="{91240B29-F687-4F45-9708-019B960494DF}">
+              <a14:hiddenLine xmlns:a14="http://schemas.microsoft.com/office/drawing/2010/main" w="9525">
+                <a:solidFill>
+                  <a:schemeClr val="tx1"/>
+                </a:solidFill>
+                <a:miter lim="800000"/>
+                <a:headEnd/>
+                <a:tailEnd/>
+              </a14:hiddenLine>
+            </a:ext>
+          </a:extLst>
+        </p:spPr>
+      </p:pic>
+    </p:spTree>
+    <p:extLst>
+      <p:ext uri="{BB962C8B-B14F-4D97-AF65-F5344CB8AC3E}">
+        <p14:creationId xmlns:p14="http://schemas.microsoft.com/office/powerpoint/2010/main" val="1799138263"/>
+      </p:ext>
+    </p:extLst>
+  </p:cSld>
+  <p:clrMapOvr>
+    <a:masterClrMapping/>
+  </p:clrMapOvr>
+</p:sld>
+</file>
+
+<file path=ppt/slides/slide6.xml><?xml version="1.0" encoding="utf-8"?>
+<p:sld xmlns:a="http://schemas.openxmlformats.org/drawingml/2006/main" xmlns:r="http://schemas.openxmlformats.org/officeDocument/2006/relationships" xmlns:p="http://schemas.openxmlformats.org/presentationml/2006/main">
+  <p:cSld>
+    <p:spTree>
+      <p:nvGrpSpPr>
+        <p:cNvPr id="1" name=""/>
+        <p:cNvGrpSpPr/>
+        <p:nvPr/>
+      </p:nvGrpSpPr>
+      <p:grpSpPr>
+        <a:xfrm>
+          <a:off x="0" y="0"/>
+          <a:ext cx="0" cy="0"/>
+          <a:chOff x="0" y="0"/>
+          <a:chExt cx="0" cy="0"/>
+        </a:xfrm>
+      </p:grpSpPr>
+      <p:sp>
+        <p:nvSpPr>
+          <p:cNvPr id="2" name="제목 1"/>
+          <p:cNvSpPr>
+            <a:spLocks noGrp="1"/>
+          </p:cNvSpPr>
+          <p:nvPr>
+            <p:ph type="title"/>
+          </p:nvPr>
+        </p:nvSpPr>
+        <p:spPr/>
+        <p:txBody>
+          <a:bodyPr>
+            <a:normAutofit/>
+          </a:bodyPr>
+          <a:lstStyle/>
+          <a:p>
+            <a:r>
+              <a:rPr lang="ko-KR" altLang="en-US" dirty="0" smtClean="0"/>
+              <a:t>지출</a:t>
+            </a:r>
+            <a:endParaRPr lang="ko-KR" altLang="en-US" dirty="0"/>
+          </a:p>
+        </p:txBody>
+      </p:sp>
+      <p:sp>
+        <p:nvSpPr>
+          <p:cNvPr id="4" name="내용 개체 틀 3"/>
+          <p:cNvSpPr>
+            <a:spLocks noGrp="1"/>
+          </p:cNvSpPr>
+          <p:nvPr>
+            <p:ph idx="1"/>
+          </p:nvPr>
+        </p:nvSpPr>
+        <p:spPr/>
+        <p:txBody>
+          <a:bodyPr/>
+          <a:lstStyle/>
+          <a:p>
+            <a:r>
+              <a:rPr lang="ko-KR" altLang="en-US" dirty="0" smtClean="0"/>
+              <a:t>조회</a:t>
+            </a:r>
+            <a:endParaRPr lang="en-US" altLang="ko-KR" dirty="0" smtClean="0"/>
+          </a:p>
+          <a:p>
+            <a:pPr lvl="1"/>
+            <a:r>
+              <a:rPr lang="ko-KR" altLang="en-US" dirty="0" err="1" smtClean="0"/>
+              <a:t>분류별</a:t>
+            </a:r>
+            <a:endParaRPr lang="en-US" altLang="ko-KR" dirty="0" smtClean="0"/>
+          </a:p>
+          <a:p>
+            <a:pPr lvl="1"/>
+            <a:r>
+              <a:rPr lang="ko-KR" altLang="en-US" dirty="0" err="1" smtClean="0"/>
+              <a:t>날짜별</a:t>
+            </a:r>
+            <a:endParaRPr lang="en-US" altLang="ko-KR" dirty="0" smtClean="0"/>
+          </a:p>
+          <a:p>
+            <a:pPr lvl="1"/>
+            <a:r>
+              <a:rPr lang="ko-KR" altLang="en-US" dirty="0" smtClean="0"/>
+              <a:t>금액별</a:t>
+            </a:r>
+            <a:endParaRPr lang="en-US" altLang="ko-KR" dirty="0" smtClean="0"/>
+          </a:p>
+          <a:p>
+            <a:r>
+              <a:rPr lang="ko-KR" altLang="en-US" dirty="0" smtClean="0"/>
+              <a:t>삽입</a:t>
+            </a:r>
+            <a:endParaRPr lang="en-US" altLang="ko-KR" dirty="0" smtClean="0"/>
+          </a:p>
+          <a:p>
+            <a:r>
+              <a:rPr lang="ko-KR" altLang="en-US" dirty="0" smtClean="0"/>
+              <a:t>삭제</a:t>
+            </a:r>
+            <a:endParaRPr lang="en-US" altLang="ko-KR" dirty="0" smtClean="0"/>
+          </a:p>
+          <a:p>
+            <a:pPr lvl="1"/>
+            <a:r>
+              <a:rPr lang="en-US" altLang="ko-KR" dirty="0" smtClean="0"/>
+              <a:t>Delete</a:t>
+            </a:r>
+          </a:p>
+          <a:p>
+            <a:pPr lvl="1"/>
+            <a:r>
+              <a:rPr lang="en-US" altLang="ko-KR" dirty="0" smtClean="0"/>
+              <a:t>DELETE table where </a:t>
+            </a:r>
+            <a:r>
+              <a:rPr lang="en-US" altLang="ko-KR" dirty="0" err="1" smtClean="0"/>
+              <a:t>seq</a:t>
+            </a:r>
+            <a:r>
+              <a:rPr lang="en-US" altLang="ko-KR" dirty="0" smtClean="0"/>
+              <a:t>=?</a:t>
+            </a:r>
+            <a:endParaRPr lang="ko-KR" altLang="en-US" dirty="0"/>
+          </a:p>
+        </p:txBody>
+      </p:sp>
+    </p:spTree>
+    <p:extLst>
+      <p:ext uri="{BB962C8B-B14F-4D97-AF65-F5344CB8AC3E}">
+        <p14:creationId xmlns:p14="http://schemas.microsoft.com/office/powerpoint/2010/main" val="854132986"/>
+      </p:ext>
+    </p:extLst>
+  </p:cSld>
+  <p:clrMapOvr>
+    <a:masterClrMapping/>
+  </p:clrMapOvr>
+</p:sld>
+</file>
+
+<file path=ppt/slides/slide7.xml><?xml version="1.0" encoding="utf-8"?>
+<p:sld xmlns:a="http://schemas.openxmlformats.org/drawingml/2006/main" xmlns:r="http://schemas.openxmlformats.org/officeDocument/2006/relationships" xmlns:p="http://schemas.openxmlformats.org/presentationml/2006/main">
+  <p:cSld>
+    <p:spTree>
+      <p:nvGrpSpPr>
+        <p:cNvPr id="1" name=""/>
+        <p:cNvGrpSpPr/>
+        <p:nvPr/>
+      </p:nvGrpSpPr>
+      <p:grpSpPr>
+        <a:xfrm>
+          <a:off x="0" y="0"/>
+          <a:ext cx="0" cy="0"/>
+          <a:chOff x="0" y="0"/>
+          <a:chExt cx="0" cy="0"/>
+        </a:xfrm>
+      </p:grpSpPr>
+      <p:sp>
+        <p:nvSpPr>
+          <p:cNvPr id="2" name="제목 1"/>
+          <p:cNvSpPr>
+            <a:spLocks noGrp="1"/>
+          </p:cNvSpPr>
+          <p:nvPr>
+            <p:ph type="title"/>
+          </p:nvPr>
+        </p:nvSpPr>
+        <p:spPr/>
+        <p:txBody>
+          <a:bodyPr/>
+          <a:lstStyle/>
+          <a:p>
+            <a:r>
+              <a:rPr lang="ko-KR" altLang="en-US" dirty="0" smtClean="0"/>
+              <a:t>수</a:t>
+            </a:r>
+            <a:r>
+              <a:rPr lang="ko-KR" altLang="en-US" dirty="0"/>
+              <a:t>입</a:t>
+            </a:r>
+          </a:p>
+        </p:txBody>
+      </p:sp>
+      <p:sp>
+        <p:nvSpPr>
+          <p:cNvPr id="3" name="내용 개체 틀 2"/>
+          <p:cNvSpPr>
+            <a:spLocks noGrp="1"/>
+          </p:cNvSpPr>
+          <p:nvPr>
+            <p:ph idx="1"/>
+          </p:nvPr>
+        </p:nvSpPr>
+        <p:spPr/>
+        <p:txBody>
+          <a:bodyPr/>
+          <a:lstStyle/>
+          <a:p>
+            <a:r>
+              <a:rPr lang="ko-KR" altLang="en-US" dirty="0" smtClean="0"/>
+              <a:t>조회</a:t>
+            </a:r>
+            <a:endParaRPr lang="en-US" altLang="ko-KR" dirty="0" smtClean="0"/>
+          </a:p>
+          <a:p>
+            <a:pPr lvl="1"/>
+            <a:r>
+              <a:rPr lang="ko-KR" altLang="en-US" dirty="0" err="1" smtClean="0"/>
+              <a:t>분류별</a:t>
+            </a:r>
+            <a:endParaRPr lang="en-US" altLang="ko-KR" dirty="0" smtClean="0"/>
+          </a:p>
+          <a:p>
+            <a:pPr lvl="1"/>
+            <a:r>
+              <a:rPr lang="ko-KR" altLang="en-US" dirty="0" err="1" smtClean="0"/>
+              <a:t>날짜별</a:t>
+            </a:r>
+            <a:endParaRPr lang="en-US" altLang="ko-KR" dirty="0" smtClean="0"/>
+          </a:p>
+          <a:p>
+            <a:pPr lvl="1"/>
+            <a:r>
+              <a:rPr lang="ko-KR" altLang="en-US" dirty="0" smtClean="0"/>
+              <a:t>금액별</a:t>
+            </a:r>
+            <a:endParaRPr lang="en-US" altLang="ko-KR" dirty="0" smtClean="0"/>
+          </a:p>
+          <a:p>
+            <a:r>
+              <a:rPr lang="ko-KR" altLang="en-US" dirty="0" smtClean="0"/>
+              <a:t>삽입</a:t>
+            </a:r>
+            <a:endParaRPr lang="en-US" altLang="ko-KR" dirty="0" smtClean="0"/>
+          </a:p>
+          <a:p>
+            <a:r>
+              <a:rPr lang="ko-KR" altLang="en-US" dirty="0" smtClean="0"/>
+              <a:t>삭</a:t>
+            </a:r>
+            <a:r>
+              <a:rPr lang="ko-KR" altLang="en-US" dirty="0"/>
+              <a:t>제</a:t>
+            </a:r>
+            <a:endParaRPr lang="en-US" altLang="ko-KR" dirty="0" smtClean="0"/>
+          </a:p>
+          <a:p>
+            <a:endParaRPr lang="ko-KR" altLang="en-US" dirty="0"/>
+          </a:p>
+        </p:txBody>
+      </p:sp>
+    </p:spTree>
+    <p:extLst>
+      <p:ext uri="{BB962C8B-B14F-4D97-AF65-F5344CB8AC3E}">
+        <p14:creationId xmlns:p14="http://schemas.microsoft.com/office/powerpoint/2010/main" val="1435420449"/>
+      </p:ext>
+    </p:extLst>
+  </p:cSld>
+  <p:clrMapOvr>
+    <a:masterClrMapping/>
+  </p:clrMapOvr>
+</p:sld>
+</file>
+
+<file path=ppt/slides/slide8.xml><?xml version="1.0" encoding="utf-8"?>
+<p:sld xmlns:a="http://schemas.openxmlformats.org/drawingml/2006/main" xmlns:r="http://schemas.openxmlformats.org/officeDocument/2006/relationships" xmlns:p="http://schemas.openxmlformats.org/presentationml/2006/main">
+  <p:cSld>
+    <p:spTree>
+      <p:nvGrpSpPr>
+        <p:cNvPr id="1" name=""/>
+        <p:cNvGrpSpPr/>
+        <p:nvPr/>
+      </p:nvGrpSpPr>
+      <p:grpSpPr>
+        <a:xfrm>
+          <a:off x="0" y="0"/>
+          <a:ext cx="0" cy="0"/>
+          <a:chOff x="0" y="0"/>
+          <a:chExt cx="0" cy="0"/>
+        </a:xfrm>
+      </p:grpSpPr>
+      <p:sp>
+        <p:nvSpPr>
+          <p:cNvPr id="2" name="제목 1"/>
+          <p:cNvSpPr>
+            <a:spLocks noGrp="1"/>
+          </p:cNvSpPr>
+          <p:nvPr>
+            <p:ph type="title"/>
+          </p:nvPr>
+        </p:nvSpPr>
+        <p:spPr/>
+        <p:txBody>
+          <a:bodyPr/>
+          <a:lstStyle/>
+          <a:p>
+            <a:r>
+              <a:rPr lang="ko-KR" altLang="en-US" dirty="0" smtClean="0"/>
+              <a:t>통계</a:t>
+            </a:r>
+            <a:r>
+              <a:rPr lang="en-US" altLang="ko-KR" dirty="0" smtClean="0"/>
+              <a:t>(</a:t>
+            </a:r>
+            <a:r>
+              <a:rPr lang="ko-KR" altLang="en-US" dirty="0" smtClean="0"/>
+              <a:t>지출</a:t>
+            </a:r>
+            <a:r>
+              <a:rPr lang="en-US" altLang="ko-KR" dirty="0" smtClean="0"/>
+              <a:t>, </a:t>
+            </a:r>
+            <a:r>
+              <a:rPr lang="ko-KR" altLang="en-US" dirty="0" smtClean="0"/>
+              <a:t>수입</a:t>
+            </a:r>
+            <a:r>
+              <a:rPr lang="en-US" altLang="ko-KR" dirty="0" smtClean="0"/>
+              <a:t>)</a:t>
+            </a:r>
+            <a:endParaRPr lang="ko-KR" altLang="en-US" dirty="0"/>
+          </a:p>
+        </p:txBody>
+      </p:sp>
+      <p:sp>
+        <p:nvSpPr>
+          <p:cNvPr id="3" name="내용 개체 틀 2"/>
+          <p:cNvSpPr>
+            <a:spLocks noGrp="1"/>
+          </p:cNvSpPr>
+          <p:nvPr>
+            <p:ph idx="1"/>
+          </p:nvPr>
+        </p:nvSpPr>
+        <p:spPr/>
+        <p:txBody>
+          <a:bodyPr/>
+          <a:lstStyle/>
+          <a:p>
+            <a:r>
+              <a:rPr lang="ko-KR" altLang="en-US" dirty="0" err="1" smtClean="0"/>
+              <a:t>분류별</a:t>
+            </a:r>
+            <a:r>
+              <a:rPr lang="ko-KR" altLang="en-US" dirty="0" smtClean="0"/>
+              <a:t> 통계</a:t>
+            </a:r>
+            <a:endParaRPr lang="en-US" altLang="ko-KR" dirty="0" smtClean="0"/>
+          </a:p>
+          <a:p>
+            <a:r>
+              <a:rPr lang="ko-KR" altLang="en-US" dirty="0" smtClean="0"/>
+              <a:t>금액별 통계</a:t>
+            </a:r>
+            <a:endParaRPr lang="en-US" altLang="ko-KR" dirty="0" smtClean="0"/>
+          </a:p>
+          <a:p>
+            <a:r>
+              <a:rPr lang="ko-KR" altLang="en-US" dirty="0" err="1" smtClean="0"/>
+              <a:t>날짜별</a:t>
+            </a:r>
+            <a:r>
+              <a:rPr lang="ko-KR" altLang="en-US" dirty="0" smtClean="0"/>
+              <a:t> 통계</a:t>
+            </a:r>
+            <a:r>
+              <a:rPr lang="en-US" altLang="ko-KR" dirty="0" smtClean="0"/>
+              <a:t>(?)</a:t>
+            </a:r>
+          </a:p>
+          <a:p>
+            <a:endParaRPr lang="ko-KR" altLang="en-US" dirty="0"/>
+          </a:p>
+        </p:txBody>
+      </p:sp>
+    </p:spTree>
+    <p:extLst>
+      <p:ext uri="{BB962C8B-B14F-4D97-AF65-F5344CB8AC3E}">
+        <p14:creationId xmlns:p14="http://schemas.microsoft.com/office/powerpoint/2010/main" val="115575443"/>
+      </p:ext>
+    </p:extLst>
+  </p:cSld>
+  <p:clrMapOvr>
+    <a:masterClrMapping/>
+  </p:clrMapOvr>
+</p:sld>
+</file>
+
+<file path=ppt/slides/slide9.xml><?xml version="1.0" encoding="utf-8"?>
+<p:sld xmlns:a="http://schemas.openxmlformats.org/drawingml/2006/main" xmlns:r="http://schemas.openxmlformats.org/officeDocument/2006/relationships" xmlns:p="http://schemas.openxmlformats.org/presentationml/2006/main">
+  <p:cSld>
+    <p:spTree>
+      <p:nvGrpSpPr>
+        <p:cNvPr id="1" name=""/>
+        <p:cNvGrpSpPr/>
+        <p:nvPr/>
+      </p:nvGrpSpPr>
+      <p:grpSpPr>
+        <a:xfrm>
+          <a:off x="0" y="0"/>
+          <a:ext cx="0" cy="0"/>
+          <a:chOff x="0" y="0"/>
+          <a:chExt cx="0" cy="0"/>
+        </a:xfrm>
+      </p:grpSpPr>
+      <p:sp>
+        <p:nvSpPr>
+          <p:cNvPr id="2" name="제목 1"/>
+          <p:cNvSpPr>
+            <a:spLocks noGrp="1"/>
+          </p:cNvSpPr>
+          <p:nvPr>
+            <p:ph type="title"/>
+          </p:nvPr>
+        </p:nvSpPr>
+        <p:spPr/>
+        <p:txBody>
+          <a:bodyPr/>
+          <a:lstStyle/>
+          <a:p>
+            <a:r>
+              <a:rPr lang="ko-KR" altLang="en-US" dirty="0" smtClean="0"/>
+              <a:t>매니저 화면</a:t>
+            </a:r>
+            <a:endParaRPr lang="ko-KR" altLang="en-US" dirty="0"/>
+          </a:p>
+        </p:txBody>
+      </p:sp>
+      <p:pic>
+        <p:nvPicPr>
+          <p:cNvPr id="4" name="Picture 2" descr="ResponsiveDashboard Bootstrap Template"/>
+          <p:cNvPicPr>
+            <a:picLocks noGrp="1" noChangeAspect="1" noChangeArrowheads="1"/>
+          </p:cNvPicPr>
+          <p:nvPr>
+            <p:ph idx="1"/>
+          </p:nvPr>
+        </p:nvPicPr>
+        <p:blipFill>
+          <a:blip r:embed="rId2">
+            <a:extLst>
+              <a:ext uri="{28A0092B-C50C-407E-A947-70E740481C1C}">
+                <a14:useLocalDpi xmlns:a14="http://schemas.microsoft.com/office/drawing/2010/main" val="0"/>
+              </a:ext>
+            </a:extLst>
+          </a:blip>
+          <a:srcRect/>
+          <a:stretch>
+            <a:fillRect/>
+          </a:stretch>
+        </p:blipFill>
+        <p:spPr bwMode="auto">
+          <a:xfrm>
+            <a:off x="467544" y="1412775"/>
+            <a:ext cx="8136904" cy="5085565"/>
+          </a:xfrm>
+          <a:prstGeom prst="rect">
+            <a:avLst/>
+          </a:prstGeom>
+          <a:noFill/>
+          <a:extLst>
+            <a:ext uri="{909E8E84-426E-40DD-AFC4-6F175D3DCCD1}">
+              <a14:hiddenFill xmlns:a14="http://schemas.microsoft.com/office/drawing/2010/main">
+                <a:solidFill>
+                  <a:srgbClr val="FFFFFF"/>
+                </a:solidFill>
+              </a14:hiddenFill>
+            </a:ext>
+          </a:extLst>
+        </p:spPr>
+      </p:pic>
+    </p:spTree>
+    <p:extLst>
+      <p:ext uri="{BB962C8B-B14F-4D97-AF65-F5344CB8AC3E}">
+        <p14:creationId xmlns:p14="http://schemas.microsoft.com/office/powerpoint/2010/main" val="742516005"/>
       </p:ext>
     </p:extLst>
   </p:cSld>

--- a/SecondProject/SecondProject.pptx
+++ b/SecondProject/SecondProject.pptx
@@ -4,6 +4,9 @@
   <p:sldMasterIdLst>
     <p:sldMasterId id="2147483648" r:id="rId1"/>
   </p:sldMasterIdLst>
+  <p:notesMasterIdLst>
+    <p:notesMasterId r:id="rId18"/>
+  </p:notesMasterIdLst>
   <p:sldIdLst>
     <p:sldId id="256" r:id="rId2"/>
     <p:sldId id="258" r:id="rId3"/>
@@ -15,11 +18,12 @@
     <p:sldId id="266" r:id="rId9"/>
     <p:sldId id="267" r:id="rId10"/>
     <p:sldId id="264" r:id="rId11"/>
-    <p:sldId id="268" r:id="rId12"/>
-    <p:sldId id="270" r:id="rId13"/>
-    <p:sldId id="269" r:id="rId14"/>
-    <p:sldId id="272" r:id="rId15"/>
-    <p:sldId id="271" r:id="rId16"/>
+    <p:sldId id="273" r:id="rId12"/>
+    <p:sldId id="268" r:id="rId13"/>
+    <p:sldId id="270" r:id="rId14"/>
+    <p:sldId id="269" r:id="rId15"/>
+    <p:sldId id="272" r:id="rId16"/>
+    <p:sldId id="271" r:id="rId17"/>
   </p:sldIdLst>
   <p:sldSz cx="9144000" cy="6858000" type="screen4x3"/>
   <p:notesSz cx="6858000" cy="9144000"/>
@@ -119,6 +123,438 @@
     </a:lvl9pPr>
   </p:defaultTextStyle>
 </p:presentation>
+</file>
+
+<file path=ppt/notesMasters/notesMaster1.xml><?xml version="1.0" encoding="utf-8"?>
+<p:notesMaster xmlns:a="http://schemas.openxmlformats.org/drawingml/2006/main" xmlns:r="http://schemas.openxmlformats.org/officeDocument/2006/relationships" xmlns:p="http://schemas.openxmlformats.org/presentationml/2006/main">
+  <p:cSld>
+    <p:bg>
+      <p:bgRef idx="1001">
+        <a:schemeClr val="bg1"/>
+      </p:bgRef>
+    </p:bg>
+    <p:spTree>
+      <p:nvGrpSpPr>
+        <p:cNvPr id="1" name=""/>
+        <p:cNvGrpSpPr/>
+        <p:nvPr/>
+      </p:nvGrpSpPr>
+      <p:grpSpPr>
+        <a:xfrm>
+          <a:off x="0" y="0"/>
+          <a:ext cx="0" cy="0"/>
+          <a:chOff x="0" y="0"/>
+          <a:chExt cx="0" cy="0"/>
+        </a:xfrm>
+      </p:grpSpPr>
+      <p:sp>
+        <p:nvSpPr>
+          <p:cNvPr id="2" name="머리글 개체 틀 1"/>
+          <p:cNvSpPr>
+            <a:spLocks noGrp="1"/>
+          </p:cNvSpPr>
+          <p:nvPr>
+            <p:ph type="hdr" sz="quarter"/>
+          </p:nvPr>
+        </p:nvSpPr>
+        <p:spPr>
+          <a:xfrm>
+            <a:off x="0" y="0"/>
+            <a:ext cx="2971800" cy="457200"/>
+          </a:xfrm>
+          <a:prstGeom prst="rect">
+            <a:avLst/>
+          </a:prstGeom>
+        </p:spPr>
+        <p:txBody>
+          <a:bodyPr vert="horz" lIns="91440" tIns="45720" rIns="91440" bIns="45720" rtlCol="0"/>
+          <a:lstStyle>
+            <a:lvl1pPr algn="l">
+              <a:defRPr sz="1200"/>
+            </a:lvl1pPr>
+          </a:lstStyle>
+          <a:p>
+            <a:endParaRPr lang="ko-KR" altLang="en-US"/>
+          </a:p>
+        </p:txBody>
+      </p:sp>
+      <p:sp>
+        <p:nvSpPr>
+          <p:cNvPr id="3" name="날짜 개체 틀 2"/>
+          <p:cNvSpPr>
+            <a:spLocks noGrp="1"/>
+          </p:cNvSpPr>
+          <p:nvPr>
+            <p:ph type="dt" idx="1"/>
+          </p:nvPr>
+        </p:nvSpPr>
+        <p:spPr>
+          <a:xfrm>
+            <a:off x="3884613" y="0"/>
+            <a:ext cx="2971800" cy="457200"/>
+          </a:xfrm>
+          <a:prstGeom prst="rect">
+            <a:avLst/>
+          </a:prstGeom>
+        </p:spPr>
+        <p:txBody>
+          <a:bodyPr vert="horz" lIns="91440" tIns="45720" rIns="91440" bIns="45720" rtlCol="0"/>
+          <a:lstStyle>
+            <a:lvl1pPr algn="r">
+              <a:defRPr sz="1200"/>
+            </a:lvl1pPr>
+          </a:lstStyle>
+          <a:p>
+            <a:fld id="{35B43370-2245-4562-AF47-45BB02698F82}" type="datetimeFigureOut">
+              <a:rPr lang="ko-KR" altLang="en-US" smtClean="0"/>
+              <a:t>2015-01-18</a:t>
+            </a:fld>
+            <a:endParaRPr lang="ko-KR" altLang="en-US"/>
+          </a:p>
+        </p:txBody>
+      </p:sp>
+      <p:sp>
+        <p:nvSpPr>
+          <p:cNvPr id="4" name="슬라이드 이미지 개체 틀 3"/>
+          <p:cNvSpPr>
+            <a:spLocks noGrp="1" noRot="1" noChangeAspect="1"/>
+          </p:cNvSpPr>
+          <p:nvPr>
+            <p:ph type="sldImg" idx="2"/>
+          </p:nvPr>
+        </p:nvSpPr>
+        <p:spPr>
+          <a:xfrm>
+            <a:off x="1143000" y="685800"/>
+            <a:ext cx="4572000" cy="3429000"/>
+          </a:xfrm>
+          <a:prstGeom prst="rect">
+            <a:avLst/>
+          </a:prstGeom>
+          <a:noFill/>
+          <a:ln w="12700">
+            <a:solidFill>
+              <a:prstClr val="black"/>
+            </a:solidFill>
+          </a:ln>
+        </p:spPr>
+        <p:txBody>
+          <a:bodyPr vert="horz" lIns="91440" tIns="45720" rIns="91440" bIns="45720" rtlCol="0" anchor="ctr"/>
+          <a:lstStyle/>
+          <a:p>
+            <a:endParaRPr lang="ko-KR" altLang="en-US"/>
+          </a:p>
+        </p:txBody>
+      </p:sp>
+      <p:sp>
+        <p:nvSpPr>
+          <p:cNvPr id="5" name="슬라이드 노트 개체 틀 4"/>
+          <p:cNvSpPr>
+            <a:spLocks noGrp="1"/>
+          </p:cNvSpPr>
+          <p:nvPr>
+            <p:ph type="body" sz="quarter" idx="3"/>
+          </p:nvPr>
+        </p:nvSpPr>
+        <p:spPr>
+          <a:xfrm>
+            <a:off x="685800" y="4343400"/>
+            <a:ext cx="5486400" cy="4114800"/>
+          </a:xfrm>
+          <a:prstGeom prst="rect">
+            <a:avLst/>
+          </a:prstGeom>
+        </p:spPr>
+        <p:txBody>
+          <a:bodyPr vert="horz" lIns="91440" tIns="45720" rIns="91440" bIns="45720" rtlCol="0"/>
+          <a:lstStyle/>
+          <a:p>
+            <a:pPr lvl="0"/>
+            <a:r>
+              <a:rPr lang="ko-KR" altLang="en-US" smtClean="0"/>
+              <a:t>마스터 텍스트 스타일을 편집합니다</a:t>
+            </a:r>
+          </a:p>
+          <a:p>
+            <a:pPr lvl="1"/>
+            <a:r>
+              <a:rPr lang="ko-KR" altLang="en-US" smtClean="0"/>
+              <a:t>둘째 수준</a:t>
+            </a:r>
+          </a:p>
+          <a:p>
+            <a:pPr lvl="2"/>
+            <a:r>
+              <a:rPr lang="ko-KR" altLang="en-US" smtClean="0"/>
+              <a:t>셋째 수준</a:t>
+            </a:r>
+          </a:p>
+          <a:p>
+            <a:pPr lvl="3"/>
+            <a:r>
+              <a:rPr lang="ko-KR" altLang="en-US" smtClean="0"/>
+              <a:t>넷째 수준</a:t>
+            </a:r>
+          </a:p>
+          <a:p>
+            <a:pPr lvl="4"/>
+            <a:r>
+              <a:rPr lang="ko-KR" altLang="en-US" smtClean="0"/>
+              <a:t>다섯째 수준</a:t>
+            </a:r>
+            <a:endParaRPr lang="ko-KR" altLang="en-US"/>
+          </a:p>
+        </p:txBody>
+      </p:sp>
+      <p:sp>
+        <p:nvSpPr>
+          <p:cNvPr id="6" name="바닥글 개체 틀 5"/>
+          <p:cNvSpPr>
+            <a:spLocks noGrp="1"/>
+          </p:cNvSpPr>
+          <p:nvPr>
+            <p:ph type="ftr" sz="quarter" idx="4"/>
+          </p:nvPr>
+        </p:nvSpPr>
+        <p:spPr>
+          <a:xfrm>
+            <a:off x="0" y="8685213"/>
+            <a:ext cx="2971800" cy="457200"/>
+          </a:xfrm>
+          <a:prstGeom prst="rect">
+            <a:avLst/>
+          </a:prstGeom>
+        </p:spPr>
+        <p:txBody>
+          <a:bodyPr vert="horz" lIns="91440" tIns="45720" rIns="91440" bIns="45720" rtlCol="0" anchor="b"/>
+          <a:lstStyle>
+            <a:lvl1pPr algn="l">
+              <a:defRPr sz="1200"/>
+            </a:lvl1pPr>
+          </a:lstStyle>
+          <a:p>
+            <a:endParaRPr lang="ko-KR" altLang="en-US"/>
+          </a:p>
+        </p:txBody>
+      </p:sp>
+      <p:sp>
+        <p:nvSpPr>
+          <p:cNvPr id="7" name="슬라이드 번호 개체 틀 6"/>
+          <p:cNvSpPr>
+            <a:spLocks noGrp="1"/>
+          </p:cNvSpPr>
+          <p:nvPr>
+            <p:ph type="sldNum" sz="quarter" idx="5"/>
+          </p:nvPr>
+        </p:nvSpPr>
+        <p:spPr>
+          <a:xfrm>
+            <a:off x="3884613" y="8685213"/>
+            <a:ext cx="2971800" cy="457200"/>
+          </a:xfrm>
+          <a:prstGeom prst="rect">
+            <a:avLst/>
+          </a:prstGeom>
+        </p:spPr>
+        <p:txBody>
+          <a:bodyPr vert="horz" lIns="91440" tIns="45720" rIns="91440" bIns="45720" rtlCol="0" anchor="b"/>
+          <a:lstStyle>
+            <a:lvl1pPr algn="r">
+              <a:defRPr sz="1200"/>
+            </a:lvl1pPr>
+          </a:lstStyle>
+          <a:p>
+            <a:fld id="{36865071-E891-4EB6-A7A6-E8BEF0574230}" type="slidenum">
+              <a:rPr lang="ko-KR" altLang="en-US" smtClean="0"/>
+              <a:t>‹#›</a:t>
+            </a:fld>
+            <a:endParaRPr lang="ko-KR" altLang="en-US"/>
+          </a:p>
+        </p:txBody>
+      </p:sp>
+    </p:spTree>
+    <p:extLst>
+      <p:ext uri="{BB962C8B-B14F-4D97-AF65-F5344CB8AC3E}">
+        <p14:creationId xmlns:p14="http://schemas.microsoft.com/office/powerpoint/2010/main" val="3294667391"/>
+      </p:ext>
+    </p:extLst>
+  </p:cSld>
+  <p:clrMap bg1="lt1" tx1="dk1" bg2="lt2" tx2="dk2" accent1="accent1" accent2="accent2" accent3="accent3" accent4="accent4" accent5="accent5" accent6="accent6" hlink="hlink" folHlink="folHlink"/>
+  <p:notesStyle>
+    <a:lvl1pPr marL="0" algn="l" defTabSz="914400" rtl="0" eaLnBrk="1" latinLnBrk="1" hangingPunct="1">
+      <a:defRPr sz="1200" kern="1200">
+        <a:solidFill>
+          <a:schemeClr val="tx1"/>
+        </a:solidFill>
+        <a:latin typeface="+mn-lt"/>
+        <a:ea typeface="+mn-ea"/>
+        <a:cs typeface="+mn-cs"/>
+      </a:defRPr>
+    </a:lvl1pPr>
+    <a:lvl2pPr marL="457200" algn="l" defTabSz="914400" rtl="0" eaLnBrk="1" latinLnBrk="1" hangingPunct="1">
+      <a:defRPr sz="1200" kern="1200">
+        <a:solidFill>
+          <a:schemeClr val="tx1"/>
+        </a:solidFill>
+        <a:latin typeface="+mn-lt"/>
+        <a:ea typeface="+mn-ea"/>
+        <a:cs typeface="+mn-cs"/>
+      </a:defRPr>
+    </a:lvl2pPr>
+    <a:lvl3pPr marL="914400" algn="l" defTabSz="914400" rtl="0" eaLnBrk="1" latinLnBrk="1" hangingPunct="1">
+      <a:defRPr sz="1200" kern="1200">
+        <a:solidFill>
+          <a:schemeClr val="tx1"/>
+        </a:solidFill>
+        <a:latin typeface="+mn-lt"/>
+        <a:ea typeface="+mn-ea"/>
+        <a:cs typeface="+mn-cs"/>
+      </a:defRPr>
+    </a:lvl3pPr>
+    <a:lvl4pPr marL="1371600" algn="l" defTabSz="914400" rtl="0" eaLnBrk="1" latinLnBrk="1" hangingPunct="1">
+      <a:defRPr sz="1200" kern="1200">
+        <a:solidFill>
+          <a:schemeClr val="tx1"/>
+        </a:solidFill>
+        <a:latin typeface="+mn-lt"/>
+        <a:ea typeface="+mn-ea"/>
+        <a:cs typeface="+mn-cs"/>
+      </a:defRPr>
+    </a:lvl4pPr>
+    <a:lvl5pPr marL="1828800" algn="l" defTabSz="914400" rtl="0" eaLnBrk="1" latinLnBrk="1" hangingPunct="1">
+      <a:defRPr sz="1200" kern="1200">
+        <a:solidFill>
+          <a:schemeClr val="tx1"/>
+        </a:solidFill>
+        <a:latin typeface="+mn-lt"/>
+        <a:ea typeface="+mn-ea"/>
+        <a:cs typeface="+mn-cs"/>
+      </a:defRPr>
+    </a:lvl5pPr>
+    <a:lvl6pPr marL="2286000" algn="l" defTabSz="914400" rtl="0" eaLnBrk="1" latinLnBrk="1" hangingPunct="1">
+      <a:defRPr sz="1200" kern="1200">
+        <a:solidFill>
+          <a:schemeClr val="tx1"/>
+        </a:solidFill>
+        <a:latin typeface="+mn-lt"/>
+        <a:ea typeface="+mn-ea"/>
+        <a:cs typeface="+mn-cs"/>
+      </a:defRPr>
+    </a:lvl6pPr>
+    <a:lvl7pPr marL="2743200" algn="l" defTabSz="914400" rtl="0" eaLnBrk="1" latinLnBrk="1" hangingPunct="1">
+      <a:defRPr sz="1200" kern="1200">
+        <a:solidFill>
+          <a:schemeClr val="tx1"/>
+        </a:solidFill>
+        <a:latin typeface="+mn-lt"/>
+        <a:ea typeface="+mn-ea"/>
+        <a:cs typeface="+mn-cs"/>
+      </a:defRPr>
+    </a:lvl7pPr>
+    <a:lvl8pPr marL="3200400" algn="l" defTabSz="914400" rtl="0" eaLnBrk="1" latinLnBrk="1" hangingPunct="1">
+      <a:defRPr sz="1200" kern="1200">
+        <a:solidFill>
+          <a:schemeClr val="tx1"/>
+        </a:solidFill>
+        <a:latin typeface="+mn-lt"/>
+        <a:ea typeface="+mn-ea"/>
+        <a:cs typeface="+mn-cs"/>
+      </a:defRPr>
+    </a:lvl8pPr>
+    <a:lvl9pPr marL="3657600" algn="l" defTabSz="914400" rtl="0" eaLnBrk="1" latinLnBrk="1" hangingPunct="1">
+      <a:defRPr sz="1200" kern="1200">
+        <a:solidFill>
+          <a:schemeClr val="tx1"/>
+        </a:solidFill>
+        <a:latin typeface="+mn-lt"/>
+        <a:ea typeface="+mn-ea"/>
+        <a:cs typeface="+mn-cs"/>
+      </a:defRPr>
+    </a:lvl9pPr>
+  </p:notesStyle>
+</p:notesMaster>
+</file>
+
+<file path=ppt/notesSlides/notesSlide1.xml><?xml version="1.0" encoding="utf-8"?>
+<p:notes xmlns:a="http://schemas.openxmlformats.org/drawingml/2006/main" xmlns:r="http://schemas.openxmlformats.org/officeDocument/2006/relationships" xmlns:p="http://schemas.openxmlformats.org/presentationml/2006/main">
+  <p:cSld>
+    <p:spTree>
+      <p:nvGrpSpPr>
+        <p:cNvPr id="1" name=""/>
+        <p:cNvGrpSpPr/>
+        <p:nvPr/>
+      </p:nvGrpSpPr>
+      <p:grpSpPr>
+        <a:xfrm>
+          <a:off x="0" y="0"/>
+          <a:ext cx="0" cy="0"/>
+          <a:chOff x="0" y="0"/>
+          <a:chExt cx="0" cy="0"/>
+        </a:xfrm>
+      </p:grpSpPr>
+      <p:sp>
+        <p:nvSpPr>
+          <p:cNvPr id="2" name="슬라이드 이미지 개체 틀 1"/>
+          <p:cNvSpPr>
+            <a:spLocks noGrp="1" noRot="1" noChangeAspect="1"/>
+          </p:cNvSpPr>
+          <p:nvPr>
+            <p:ph type="sldImg"/>
+          </p:nvPr>
+        </p:nvSpPr>
+        <p:spPr/>
+      </p:sp>
+      <p:sp>
+        <p:nvSpPr>
+          <p:cNvPr id="3" name="슬라이드 노트 개체 틀 2"/>
+          <p:cNvSpPr>
+            <a:spLocks noGrp="1"/>
+          </p:cNvSpPr>
+          <p:nvPr>
+            <p:ph type="body" idx="1"/>
+          </p:nvPr>
+        </p:nvSpPr>
+        <p:spPr/>
+        <p:txBody>
+          <a:bodyPr>
+            <a:normAutofit/>
+          </a:bodyPr>
+          <a:lstStyle/>
+          <a:p>
+            <a:endParaRPr lang="ko-KR" altLang="en-US" dirty="0"/>
+          </a:p>
+        </p:txBody>
+      </p:sp>
+      <p:sp>
+        <p:nvSpPr>
+          <p:cNvPr id="4" name="슬라이드 번호 개체 틀 3"/>
+          <p:cNvSpPr>
+            <a:spLocks noGrp="1"/>
+          </p:cNvSpPr>
+          <p:nvPr>
+            <p:ph type="sldNum" sz="quarter" idx="10"/>
+          </p:nvPr>
+        </p:nvSpPr>
+        <p:spPr/>
+        <p:txBody>
+          <a:bodyPr/>
+          <a:lstStyle/>
+          <a:p>
+            <a:fld id="{EECBB78E-0F75-44C9-9F4C-E10C54DA467E}" type="slidenum">
+              <a:rPr lang="ko-KR" altLang="en-US" smtClean="0"/>
+              <a:pPr/>
+              <a:t>11</a:t>
+            </a:fld>
+            <a:endParaRPr lang="ko-KR" altLang="en-US"/>
+          </a:p>
+        </p:txBody>
+      </p:sp>
+    </p:spTree>
+  </p:cSld>
+  <p:clrMapOvr>
+    <a:masterClrMapping/>
+  </p:clrMapOvr>
+</p:notes>
 </file>
 
 <file path=ppt/slideLayouts/slideLayout1.xml><?xml version="1.0" encoding="utf-8"?>
@@ -3672,6 +4108,3498 @@
           <a:chExt cx="0" cy="0"/>
         </a:xfrm>
       </p:grpSpPr>
+      <p:graphicFrame>
+        <p:nvGraphicFramePr>
+          <p:cNvPr id="4" name="표 3"/>
+          <p:cNvGraphicFramePr>
+            <a:graphicFrameLocks noGrp="1"/>
+          </p:cNvGraphicFramePr>
+          <p:nvPr>
+            <p:extLst>
+              <p:ext uri="{D42A27DB-BD31-4B8C-83A1-F6EECF244321}">
+                <p14:modId xmlns:p14="http://schemas.microsoft.com/office/powerpoint/2010/main" val="2904185851"/>
+              </p:ext>
+            </p:extLst>
+          </p:nvPr>
+        </p:nvGraphicFramePr>
+        <p:xfrm>
+          <a:off x="3000364" y="71414"/>
+          <a:ext cx="2571768" cy="2773680"/>
+        </p:xfrm>
+        <a:graphic>
+          <a:graphicData uri="http://schemas.openxmlformats.org/drawingml/2006/table">
+            <a:tbl>
+              <a:tblPr firstRow="1" bandRow="1">
+                <a:tableStyleId>{5C22544A-7EE6-4342-B048-85BDC9FD1C3A}</a:tableStyleId>
+              </a:tblPr>
+              <a:tblGrid>
+                <a:gridCol w="857256"/>
+                <a:gridCol w="935188"/>
+                <a:gridCol w="779324"/>
+              </a:tblGrid>
+              <a:tr h="285752">
+                <a:tc gridSpan="3">
+                  <a:txBody>
+                    <a:bodyPr/>
+                    <a:lstStyle/>
+                    <a:p>
+                      <a:pPr algn="ctr" latinLnBrk="1"/>
+                      <a:r>
+                        <a:rPr lang="ko-KR" altLang="en-US" sz="1400" dirty="0" smtClean="0">
+                          <a:solidFill>
+                            <a:schemeClr val="bg1"/>
+                          </a:solidFill>
+                        </a:rPr>
+                        <a:t>회원</a:t>
+                      </a:r>
+                      <a:r>
+                        <a:rPr lang="en-US" altLang="ko-KR" sz="1400" dirty="0" smtClean="0">
+                          <a:solidFill>
+                            <a:schemeClr val="bg1"/>
+                          </a:solidFill>
+                        </a:rPr>
+                        <a:t>[Member]</a:t>
+                      </a:r>
+                      <a:endParaRPr lang="ko-KR" altLang="en-US" sz="1400" dirty="0">
+                        <a:solidFill>
+                          <a:schemeClr val="bg1"/>
+                        </a:solidFill>
+                      </a:endParaRPr>
+                    </a:p>
+                  </a:txBody>
+                  <a:tcPr anchor="ctr"/>
+                </a:tc>
+                <a:tc hMerge="1">
+                  <a:txBody>
+                    <a:bodyPr/>
+                    <a:lstStyle/>
+                    <a:p>
+                      <a:pPr latinLnBrk="1"/>
+                      <a:endParaRPr lang="ko-KR" altLang="en-US" dirty="0"/>
+                    </a:p>
+                  </a:txBody>
+                  <a:tcPr/>
+                </a:tc>
+                <a:tc hMerge="1">
+                  <a:txBody>
+                    <a:bodyPr/>
+                    <a:lstStyle/>
+                    <a:p>
+                      <a:pPr algn="ctr" latinLnBrk="1"/>
+                      <a:endParaRPr lang="ko-KR" altLang="en-US" sz="1400" dirty="0"/>
+                    </a:p>
+                  </a:txBody>
+                  <a:tcPr anchor="ctr"/>
+                </a:tc>
+              </a:tr>
+              <a:tr h="266704">
+                <a:tc>
+                  <a:txBody>
+                    <a:bodyPr/>
+                    <a:lstStyle/>
+                    <a:p>
+                      <a:pPr algn="ctr" latinLnBrk="1"/>
+                      <a:r>
+                        <a:rPr lang="ko-KR" altLang="en-US" sz="1000" b="0" dirty="0" smtClean="0">
+                          <a:solidFill>
+                            <a:srgbClr val="FF0000"/>
+                          </a:solidFill>
+                        </a:rPr>
+                        <a:t>회원</a:t>
+                      </a:r>
+                      <a:r>
+                        <a:rPr lang="en-US" altLang="ko-KR" sz="1000" b="0" dirty="0" smtClean="0">
+                          <a:solidFill>
+                            <a:srgbClr val="FF0000"/>
+                          </a:solidFill>
+                        </a:rPr>
+                        <a:t>ID</a:t>
+                      </a:r>
+                      <a:endParaRPr lang="ko-KR" altLang="en-US" sz="1000" b="0" dirty="0">
+                        <a:solidFill>
+                          <a:srgbClr val="FF0000"/>
+                        </a:solidFill>
+                      </a:endParaRPr>
+                    </a:p>
+                  </a:txBody>
+                  <a:tcPr anchor="ctr"/>
+                </a:tc>
+                <a:tc>
+                  <a:txBody>
+                    <a:bodyPr/>
+                    <a:lstStyle/>
+                    <a:p>
+                      <a:pPr algn="ctr" latinLnBrk="1"/>
+                      <a:r>
+                        <a:rPr lang="en-US" altLang="ko-KR" sz="1000" b="0" dirty="0" smtClean="0">
+                          <a:solidFill>
+                            <a:srgbClr val="FF0000"/>
+                          </a:solidFill>
+                        </a:rPr>
+                        <a:t>varchar2(10)</a:t>
+                      </a:r>
+                      <a:endParaRPr lang="ko-KR" altLang="en-US" sz="1000" b="0" dirty="0">
+                        <a:solidFill>
+                          <a:srgbClr val="FF0000"/>
+                        </a:solidFill>
+                      </a:endParaRPr>
+                    </a:p>
+                  </a:txBody>
+                  <a:tcPr anchor="ctr"/>
+                </a:tc>
+                <a:tc>
+                  <a:txBody>
+                    <a:bodyPr/>
+                    <a:lstStyle/>
+                    <a:p>
+                      <a:pPr algn="ctr" latinLnBrk="1"/>
+                      <a:r>
+                        <a:rPr lang="en-US" altLang="ko-KR" sz="1050" b="0" dirty="0" err="1" smtClean="0">
+                          <a:solidFill>
+                            <a:srgbClr val="FF0000"/>
+                          </a:solidFill>
+                        </a:rPr>
+                        <a:t>member_id</a:t>
+                      </a:r>
+                      <a:endParaRPr lang="ko-KR" altLang="en-US" sz="1050" b="0" dirty="0">
+                        <a:solidFill>
+                          <a:srgbClr val="FF0000"/>
+                        </a:solidFill>
+                      </a:endParaRPr>
+                    </a:p>
+                  </a:txBody>
+                  <a:tcPr anchor="ctr"/>
+                </a:tc>
+              </a:tr>
+              <a:tr h="238127">
+                <a:tc>
+                  <a:txBody>
+                    <a:bodyPr/>
+                    <a:lstStyle/>
+                    <a:p>
+                      <a:pPr algn="ctr" latinLnBrk="1"/>
+                      <a:r>
+                        <a:rPr lang="ko-KR" altLang="en-US" sz="1050" b="0" dirty="0" smtClean="0">
+                          <a:solidFill>
+                            <a:schemeClr val="tx1"/>
+                          </a:solidFill>
+                        </a:rPr>
+                        <a:t>이름</a:t>
+                      </a:r>
+                      <a:endParaRPr lang="ko-KR" altLang="en-US" sz="1050" b="0" dirty="0">
+                        <a:solidFill>
+                          <a:schemeClr val="tx1"/>
+                        </a:solidFill>
+                      </a:endParaRPr>
+                    </a:p>
+                  </a:txBody>
+                  <a:tcPr anchor="ctr"/>
+                </a:tc>
+                <a:tc>
+                  <a:txBody>
+                    <a:bodyPr/>
+                    <a:lstStyle/>
+                    <a:p>
+                      <a:pPr algn="ctr" latinLnBrk="1"/>
+                      <a:r>
+                        <a:rPr lang="en-US" altLang="ko-KR" sz="1050" b="0" dirty="0" smtClean="0">
+                          <a:solidFill>
+                            <a:schemeClr val="tx1"/>
+                          </a:solidFill>
+                        </a:rPr>
+                        <a:t>Varchar2</a:t>
+                      </a:r>
+                      <a:endParaRPr lang="ko-KR" altLang="en-US" sz="1050" b="0" dirty="0">
+                        <a:solidFill>
+                          <a:schemeClr val="tx1"/>
+                        </a:solidFill>
+                      </a:endParaRPr>
+                    </a:p>
+                  </a:txBody>
+                  <a:tcPr anchor="ctr"/>
+                </a:tc>
+                <a:tc>
+                  <a:txBody>
+                    <a:bodyPr/>
+                    <a:lstStyle/>
+                    <a:p>
+                      <a:pPr algn="ctr" latinLnBrk="1"/>
+                      <a:r>
+                        <a:rPr lang="en-US" altLang="ko-KR" sz="1050" b="0" dirty="0" err="1" smtClean="0">
+                          <a:solidFill>
+                            <a:schemeClr val="tx1"/>
+                          </a:solidFill>
+                        </a:rPr>
+                        <a:t>member_name</a:t>
+                      </a:r>
+                      <a:endParaRPr lang="ko-KR" altLang="en-US" sz="1050" b="0" dirty="0">
+                        <a:solidFill>
+                          <a:schemeClr val="tx1"/>
+                        </a:solidFill>
+                      </a:endParaRPr>
+                    </a:p>
+                  </a:txBody>
+                  <a:tcPr anchor="ctr"/>
+                </a:tc>
+              </a:tr>
+              <a:tr h="238127">
+                <a:tc>
+                  <a:txBody>
+                    <a:bodyPr/>
+                    <a:lstStyle/>
+                    <a:p>
+                      <a:pPr algn="ctr" latinLnBrk="1"/>
+                      <a:r>
+                        <a:rPr lang="ko-KR" altLang="en-US" sz="1050" b="0" dirty="0" smtClean="0">
+                          <a:solidFill>
+                            <a:schemeClr val="tx1"/>
+                          </a:solidFill>
+                        </a:rPr>
+                        <a:t>성별</a:t>
+                      </a:r>
+                      <a:endParaRPr lang="ko-KR" altLang="en-US" sz="1050" b="0" dirty="0">
+                        <a:solidFill>
+                          <a:schemeClr val="tx1"/>
+                        </a:solidFill>
+                      </a:endParaRPr>
+                    </a:p>
+                  </a:txBody>
+                  <a:tcPr anchor="ctr"/>
+                </a:tc>
+                <a:tc>
+                  <a:txBody>
+                    <a:bodyPr/>
+                    <a:lstStyle/>
+                    <a:p>
+                      <a:pPr algn="ctr" latinLnBrk="1"/>
+                      <a:r>
+                        <a:rPr lang="en-US" altLang="ko-KR" sz="1050" b="0" dirty="0" smtClean="0">
+                          <a:solidFill>
+                            <a:schemeClr val="tx1"/>
+                          </a:solidFill>
+                        </a:rPr>
+                        <a:t>Char</a:t>
+                      </a:r>
+                      <a:endParaRPr lang="ko-KR" altLang="en-US" sz="1050" b="0" dirty="0">
+                        <a:solidFill>
+                          <a:schemeClr val="tx1"/>
+                        </a:solidFill>
+                      </a:endParaRPr>
+                    </a:p>
+                  </a:txBody>
+                  <a:tcPr anchor="ctr"/>
+                </a:tc>
+                <a:tc>
+                  <a:txBody>
+                    <a:bodyPr/>
+                    <a:lstStyle/>
+                    <a:p>
+                      <a:pPr algn="ctr" latinLnBrk="1"/>
+                      <a:r>
+                        <a:rPr lang="en-US" altLang="ko-KR" sz="1050" b="0" dirty="0" err="1" smtClean="0">
+                          <a:solidFill>
+                            <a:schemeClr val="tx1"/>
+                          </a:solidFill>
+                        </a:rPr>
+                        <a:t>member_sex</a:t>
+                      </a:r>
+                      <a:endParaRPr lang="ko-KR" altLang="en-US" sz="1050" b="0" dirty="0">
+                        <a:solidFill>
+                          <a:schemeClr val="tx1"/>
+                        </a:solidFill>
+                      </a:endParaRPr>
+                    </a:p>
+                  </a:txBody>
+                  <a:tcPr anchor="ctr"/>
+                </a:tc>
+              </a:tr>
+              <a:tr h="211460">
+                <a:tc>
+                  <a:txBody>
+                    <a:bodyPr/>
+                    <a:lstStyle/>
+                    <a:p>
+                      <a:pPr algn="ctr" latinLnBrk="1"/>
+                      <a:r>
+                        <a:rPr lang="ko-KR" altLang="en-US" sz="1050" b="0" dirty="0" smtClean="0">
+                          <a:solidFill>
+                            <a:schemeClr val="tx1"/>
+                          </a:solidFill>
+                        </a:rPr>
+                        <a:t>생년월일</a:t>
+                      </a:r>
+                      <a:endParaRPr lang="ko-KR" altLang="en-US" sz="1050" b="0" dirty="0">
+                        <a:solidFill>
+                          <a:schemeClr val="tx1"/>
+                        </a:solidFill>
+                      </a:endParaRPr>
+                    </a:p>
+                  </a:txBody>
+                  <a:tcPr anchor="ctr"/>
+                </a:tc>
+                <a:tc>
+                  <a:txBody>
+                    <a:bodyPr/>
+                    <a:lstStyle/>
+                    <a:p>
+                      <a:pPr algn="ctr" latinLnBrk="1"/>
+                      <a:r>
+                        <a:rPr lang="en-US" altLang="ko-KR" sz="1050" b="0" dirty="0" smtClean="0">
+                          <a:solidFill>
+                            <a:schemeClr val="tx1"/>
+                          </a:solidFill>
+                        </a:rPr>
+                        <a:t>Data</a:t>
+                      </a:r>
+                      <a:endParaRPr lang="ko-KR" altLang="en-US" sz="1050" b="0" dirty="0">
+                        <a:solidFill>
+                          <a:schemeClr val="tx1"/>
+                        </a:solidFill>
+                      </a:endParaRPr>
+                    </a:p>
+                  </a:txBody>
+                  <a:tcPr anchor="ctr"/>
+                </a:tc>
+                <a:tc>
+                  <a:txBody>
+                    <a:bodyPr/>
+                    <a:lstStyle/>
+                    <a:p>
+                      <a:pPr algn="ctr" latinLnBrk="1"/>
+                      <a:r>
+                        <a:rPr lang="en-US" altLang="ko-KR" sz="1050" b="0" dirty="0" err="1" smtClean="0">
+                          <a:solidFill>
+                            <a:schemeClr val="tx1"/>
+                          </a:solidFill>
+                        </a:rPr>
+                        <a:t>Member_brithday</a:t>
+                      </a:r>
+                      <a:endParaRPr lang="ko-KR" altLang="en-US" sz="1050" b="0" dirty="0">
+                        <a:solidFill>
+                          <a:schemeClr val="tx1"/>
+                        </a:solidFill>
+                      </a:endParaRPr>
+                    </a:p>
+                  </a:txBody>
+                  <a:tcPr anchor="ctr"/>
+                </a:tc>
+              </a:tr>
+              <a:tr h="245752">
+                <a:tc>
+                  <a:txBody>
+                    <a:bodyPr/>
+                    <a:lstStyle/>
+                    <a:p>
+                      <a:pPr algn="ctr" latinLnBrk="1"/>
+                      <a:r>
+                        <a:rPr lang="ko-KR" altLang="en-US" sz="1050" b="0" dirty="0" smtClean="0">
+                          <a:solidFill>
+                            <a:schemeClr val="tx1"/>
+                          </a:solidFill>
+                        </a:rPr>
+                        <a:t>등급번호</a:t>
+                      </a:r>
+                      <a:endParaRPr lang="ko-KR" altLang="en-US" sz="1050" b="0" dirty="0">
+                        <a:solidFill>
+                          <a:schemeClr val="tx1"/>
+                        </a:solidFill>
+                      </a:endParaRPr>
+                    </a:p>
+                  </a:txBody>
+                  <a:tcPr anchor="ctr"/>
+                </a:tc>
+                <a:tc>
+                  <a:txBody>
+                    <a:bodyPr/>
+                    <a:lstStyle/>
+                    <a:p>
+                      <a:pPr algn="ctr" latinLnBrk="1"/>
+                      <a:r>
+                        <a:rPr lang="en-US" altLang="ko-KR" sz="1050" b="0" dirty="0" smtClean="0">
+                          <a:solidFill>
+                            <a:schemeClr val="tx1"/>
+                          </a:solidFill>
+                        </a:rPr>
+                        <a:t>Number(5)</a:t>
+                      </a:r>
+                      <a:endParaRPr lang="ko-KR" altLang="en-US" sz="1050" b="0" dirty="0">
+                        <a:solidFill>
+                          <a:schemeClr val="tx1"/>
+                        </a:solidFill>
+                      </a:endParaRPr>
+                    </a:p>
+                  </a:txBody>
+                  <a:tcPr anchor="ctr"/>
+                </a:tc>
+                <a:tc>
+                  <a:txBody>
+                    <a:bodyPr/>
+                    <a:lstStyle/>
+                    <a:p>
+                      <a:pPr algn="ctr" latinLnBrk="1"/>
+                      <a:r>
+                        <a:rPr lang="en-US" altLang="ko-KR" sz="1050" b="0" dirty="0" err="1" smtClean="0">
+                          <a:solidFill>
+                            <a:schemeClr val="tx1"/>
+                          </a:solidFill>
+                        </a:rPr>
+                        <a:t>grade_num</a:t>
+                      </a:r>
+                      <a:endParaRPr lang="ko-KR" altLang="en-US" sz="1050" b="0" dirty="0">
+                        <a:solidFill>
+                          <a:schemeClr val="tx1"/>
+                        </a:solidFill>
+                      </a:endParaRPr>
+                    </a:p>
+                  </a:txBody>
+                  <a:tcPr anchor="ctr"/>
+                </a:tc>
+              </a:tr>
+              <a:tr h="238127">
+                <a:tc>
+                  <a:txBody>
+                    <a:bodyPr/>
+                    <a:lstStyle/>
+                    <a:p>
+                      <a:pPr algn="ctr" latinLnBrk="1"/>
+                      <a:r>
+                        <a:rPr lang="en-US" altLang="ko-KR" sz="1050" b="0" dirty="0" smtClean="0">
+                          <a:solidFill>
+                            <a:schemeClr val="tx1"/>
+                          </a:solidFill>
+                        </a:rPr>
+                        <a:t>PW</a:t>
+                      </a:r>
+                      <a:endParaRPr lang="ko-KR" altLang="en-US" sz="1050" b="0" dirty="0">
+                        <a:solidFill>
+                          <a:schemeClr val="tx1"/>
+                        </a:solidFill>
+                      </a:endParaRPr>
+                    </a:p>
+                  </a:txBody>
+                  <a:tcPr anchor="ctr"/>
+                </a:tc>
+                <a:tc>
+                  <a:txBody>
+                    <a:bodyPr/>
+                    <a:lstStyle/>
+                    <a:p>
+                      <a:pPr algn="ctr" latinLnBrk="1"/>
+                      <a:r>
+                        <a:rPr lang="en-US" altLang="ko-KR" sz="1050" b="0" dirty="0" smtClean="0">
+                          <a:solidFill>
+                            <a:schemeClr val="tx1"/>
+                          </a:solidFill>
+                        </a:rPr>
+                        <a:t>Varchar2(10)</a:t>
+                      </a:r>
+                      <a:endParaRPr lang="ko-KR" altLang="en-US" sz="1050" b="0" dirty="0">
+                        <a:solidFill>
+                          <a:schemeClr val="tx1"/>
+                        </a:solidFill>
+                      </a:endParaRPr>
+                    </a:p>
+                  </a:txBody>
+                  <a:tcPr anchor="ctr"/>
+                </a:tc>
+                <a:tc>
+                  <a:txBody>
+                    <a:bodyPr/>
+                    <a:lstStyle/>
+                    <a:p>
+                      <a:pPr algn="ctr" latinLnBrk="1"/>
+                      <a:r>
+                        <a:rPr lang="en-US" altLang="ko-KR" sz="1050" b="0" dirty="0" err="1" smtClean="0">
+                          <a:solidFill>
+                            <a:schemeClr val="tx1"/>
+                          </a:solidFill>
+                        </a:rPr>
+                        <a:t>member_pw</a:t>
+                      </a:r>
+                      <a:endParaRPr lang="ko-KR" altLang="en-US" sz="1050" b="0" dirty="0">
+                        <a:solidFill>
+                          <a:schemeClr val="tx1"/>
+                        </a:solidFill>
+                      </a:endParaRPr>
+                    </a:p>
+                  </a:txBody>
+                  <a:tcPr anchor="ctr"/>
+                </a:tc>
+              </a:tr>
+            </a:tbl>
+          </a:graphicData>
+        </a:graphic>
+      </p:graphicFrame>
+      <p:graphicFrame>
+        <p:nvGraphicFramePr>
+          <p:cNvPr id="5" name="표 4"/>
+          <p:cNvGraphicFramePr>
+            <a:graphicFrameLocks noGrp="1"/>
+          </p:cNvGraphicFramePr>
+          <p:nvPr/>
+        </p:nvGraphicFramePr>
+        <p:xfrm>
+          <a:off x="357158" y="2928934"/>
+          <a:ext cx="2500330" cy="967744"/>
+        </p:xfrm>
+        <a:graphic>
+          <a:graphicData uri="http://schemas.openxmlformats.org/drawingml/2006/table">
+            <a:tbl>
+              <a:tblPr firstRow="1" bandRow="1">
+                <a:tableStyleId>{5C22544A-7EE6-4342-B048-85BDC9FD1C3A}</a:tableStyleId>
+              </a:tblPr>
+              <a:tblGrid>
+                <a:gridCol w="714380"/>
+                <a:gridCol w="928694"/>
+                <a:gridCol w="857256"/>
+              </a:tblGrid>
+              <a:tr h="250033">
+                <a:tc gridSpan="3">
+                  <a:txBody>
+                    <a:bodyPr/>
+                    <a:lstStyle/>
+                    <a:p>
+                      <a:pPr algn="ctr" latinLnBrk="1"/>
+                      <a:r>
+                        <a:rPr lang="ko-KR" altLang="en-US" sz="1000" dirty="0" smtClean="0"/>
+                        <a:t>등급</a:t>
+                      </a:r>
+                      <a:r>
+                        <a:rPr lang="en-US" altLang="ko-KR" sz="1000" dirty="0" smtClean="0"/>
+                        <a:t>[Grade]</a:t>
+                      </a:r>
+                      <a:endParaRPr lang="ko-KR" altLang="en-US" sz="1000" dirty="0"/>
+                    </a:p>
+                  </a:txBody>
+                  <a:tcPr anchor="ctr"/>
+                </a:tc>
+                <a:tc hMerge="1">
+                  <a:txBody>
+                    <a:bodyPr/>
+                    <a:lstStyle/>
+                    <a:p>
+                      <a:pPr latinLnBrk="1"/>
+                      <a:endParaRPr lang="ko-KR" altLang="en-US" dirty="0"/>
+                    </a:p>
+                  </a:txBody>
+                  <a:tcPr/>
+                </a:tc>
+                <a:tc hMerge="1">
+                  <a:txBody>
+                    <a:bodyPr/>
+                    <a:lstStyle/>
+                    <a:p>
+                      <a:pPr latinLnBrk="1"/>
+                      <a:endParaRPr lang="ko-KR" altLang="en-US"/>
+                    </a:p>
+                  </a:txBody>
+                  <a:tcPr/>
+                </a:tc>
+              </a:tr>
+              <a:tr h="321471">
+                <a:tc>
+                  <a:txBody>
+                    <a:bodyPr/>
+                    <a:lstStyle/>
+                    <a:p>
+                      <a:pPr algn="ctr" latinLnBrk="1"/>
+                      <a:r>
+                        <a:rPr lang="ko-KR" altLang="en-US" sz="1000" b="0" dirty="0" smtClean="0">
+                          <a:solidFill>
+                            <a:srgbClr val="FF0000"/>
+                          </a:solidFill>
+                        </a:rPr>
+                        <a:t>등급번호</a:t>
+                      </a:r>
+                      <a:endParaRPr lang="ko-KR" altLang="en-US" sz="1000" b="0" dirty="0">
+                        <a:solidFill>
+                          <a:srgbClr val="FF0000"/>
+                        </a:solidFill>
+                      </a:endParaRPr>
+                    </a:p>
+                  </a:txBody>
+                  <a:tcPr anchor="ctr"/>
+                </a:tc>
+                <a:tc>
+                  <a:txBody>
+                    <a:bodyPr/>
+                    <a:lstStyle/>
+                    <a:p>
+                      <a:pPr algn="ctr" latinLnBrk="1"/>
+                      <a:r>
+                        <a:rPr lang="en-US" altLang="ko-KR" sz="1000" b="0" dirty="0" smtClean="0">
+                          <a:solidFill>
+                            <a:srgbClr val="FF0000"/>
+                          </a:solidFill>
+                        </a:rPr>
+                        <a:t>Number(2)</a:t>
+                      </a:r>
+                      <a:endParaRPr lang="ko-KR" altLang="en-US" sz="1000" b="0" dirty="0">
+                        <a:solidFill>
+                          <a:srgbClr val="FF0000"/>
+                        </a:solidFill>
+                      </a:endParaRPr>
+                    </a:p>
+                  </a:txBody>
+                  <a:tcPr anchor="ctr"/>
+                </a:tc>
+                <a:tc>
+                  <a:txBody>
+                    <a:bodyPr/>
+                    <a:lstStyle/>
+                    <a:p>
+                      <a:pPr algn="ctr" latinLnBrk="1"/>
+                      <a:r>
+                        <a:rPr lang="en-US" altLang="ko-KR" sz="1000" b="0" dirty="0" err="1" smtClean="0">
+                          <a:solidFill>
+                            <a:srgbClr val="FF0000"/>
+                          </a:solidFill>
+                        </a:rPr>
+                        <a:t>grade_num</a:t>
+                      </a:r>
+                      <a:endParaRPr lang="ko-KR" altLang="en-US" sz="1000" b="0" dirty="0">
+                        <a:solidFill>
+                          <a:srgbClr val="FF0000"/>
+                        </a:solidFill>
+                      </a:endParaRPr>
+                    </a:p>
+                  </a:txBody>
+                  <a:tcPr anchor="ctr"/>
+                </a:tc>
+              </a:tr>
+              <a:tr h="321471">
+                <a:tc>
+                  <a:txBody>
+                    <a:bodyPr/>
+                    <a:lstStyle/>
+                    <a:p>
+                      <a:r>
+                        <a:rPr lang="ko-KR" altLang="en-US" sz="1000" b="0" dirty="0" smtClean="0">
+                          <a:solidFill>
+                            <a:schemeClr val="tx1"/>
+                          </a:solidFill>
+                        </a:rPr>
+                        <a:t>등급종류</a:t>
+                      </a:r>
+                      <a:endParaRPr lang="ko-KR" altLang="en-US" sz="1000" b="0" dirty="0">
+                        <a:solidFill>
+                          <a:schemeClr val="tx1"/>
+                        </a:solidFill>
+                      </a:endParaRPr>
+                    </a:p>
+                  </a:txBody>
+                  <a:tcPr anchor="ctr"/>
+                </a:tc>
+                <a:tc>
+                  <a:txBody>
+                    <a:bodyPr/>
+                    <a:lstStyle/>
+                    <a:p>
+                      <a:r>
+                        <a:rPr lang="en-US" altLang="ko-KR" sz="1000" b="0" dirty="0" smtClean="0">
+                          <a:solidFill>
+                            <a:schemeClr val="tx1"/>
+                          </a:solidFill>
+                        </a:rPr>
+                        <a:t>Varchar2(10)</a:t>
+                      </a:r>
+                      <a:endParaRPr lang="ko-KR" altLang="en-US" sz="1000" b="0" dirty="0">
+                        <a:solidFill>
+                          <a:schemeClr val="tx1"/>
+                        </a:solidFill>
+                      </a:endParaRPr>
+                    </a:p>
+                  </a:txBody>
+                  <a:tcPr anchor="ctr"/>
+                </a:tc>
+                <a:tc>
+                  <a:txBody>
+                    <a:bodyPr/>
+                    <a:lstStyle/>
+                    <a:p>
+                      <a:pPr algn="ctr" latinLnBrk="1"/>
+                      <a:r>
+                        <a:rPr lang="en-US" altLang="ko-KR" sz="1000" b="0" dirty="0" err="1" smtClean="0">
+                          <a:solidFill>
+                            <a:schemeClr val="tx1"/>
+                          </a:solidFill>
+                        </a:rPr>
+                        <a:t>Grade_name</a:t>
+                      </a:r>
+                      <a:endParaRPr lang="ko-KR" altLang="en-US" sz="1000" b="0" dirty="0">
+                        <a:solidFill>
+                          <a:schemeClr val="tx1"/>
+                        </a:solidFill>
+                      </a:endParaRPr>
+                    </a:p>
+                  </a:txBody>
+                  <a:tcPr anchor="ctr"/>
+                </a:tc>
+              </a:tr>
+            </a:tbl>
+          </a:graphicData>
+        </a:graphic>
+      </p:graphicFrame>
+      <p:cxnSp>
+        <p:nvCxnSpPr>
+          <p:cNvPr id="39" name="직선 연결선 38"/>
+          <p:cNvCxnSpPr/>
+          <p:nvPr/>
+        </p:nvCxnSpPr>
+        <p:spPr>
+          <a:xfrm rot="16200000" flipH="1">
+            <a:off x="6897841" y="1674662"/>
+            <a:ext cx="929488" cy="9007"/>
+          </a:xfrm>
+          <a:prstGeom prst="line">
+            <a:avLst/>
+          </a:prstGeom>
+        </p:spPr>
+        <p:style>
+          <a:lnRef idx="1">
+            <a:schemeClr val="accent1"/>
+          </a:lnRef>
+          <a:fillRef idx="0">
+            <a:schemeClr val="accent1"/>
+          </a:fillRef>
+          <a:effectRef idx="0">
+            <a:schemeClr val="accent1"/>
+          </a:effectRef>
+          <a:fontRef idx="minor">
+            <a:schemeClr val="tx1"/>
+          </a:fontRef>
+        </p:style>
+      </p:cxnSp>
+      <p:graphicFrame>
+        <p:nvGraphicFramePr>
+          <p:cNvPr id="41" name="표 40"/>
+          <p:cNvGraphicFramePr>
+            <a:graphicFrameLocks noGrp="1"/>
+          </p:cNvGraphicFramePr>
+          <p:nvPr/>
+        </p:nvGraphicFramePr>
+        <p:xfrm>
+          <a:off x="5786447" y="-24"/>
+          <a:ext cx="3143271" cy="1540671"/>
+        </p:xfrm>
+        <a:graphic>
+          <a:graphicData uri="http://schemas.openxmlformats.org/drawingml/2006/table">
+            <a:tbl>
+              <a:tblPr firstRow="1" bandRow="1">
+                <a:tableStyleId>{5C22544A-7EE6-4342-B048-85BDC9FD1C3A}</a:tableStyleId>
+              </a:tblPr>
+              <a:tblGrid>
+                <a:gridCol w="1143007"/>
+                <a:gridCol w="1071570"/>
+                <a:gridCol w="928694"/>
+              </a:tblGrid>
+              <a:tr h="321471">
+                <a:tc gridSpan="3">
+                  <a:txBody>
+                    <a:bodyPr/>
+                    <a:lstStyle/>
+                    <a:p>
+                      <a:pPr algn="ctr" latinLnBrk="1"/>
+                      <a:r>
+                        <a:rPr lang="en-US" altLang="ko-KR" sz="1000" dirty="0" err="1" smtClean="0"/>
+                        <a:t>ment</a:t>
+                      </a:r>
+                      <a:r>
+                        <a:rPr lang="en-US" altLang="ko-KR" sz="1000" dirty="0" smtClean="0"/>
+                        <a:t>[</a:t>
+                      </a:r>
+                      <a:r>
+                        <a:rPr lang="en-US" altLang="ko-KR" sz="1000" dirty="0" err="1" smtClean="0"/>
+                        <a:t>ment</a:t>
+                      </a:r>
+                      <a:r>
+                        <a:rPr lang="en-US" altLang="ko-KR" sz="1000" dirty="0" smtClean="0"/>
+                        <a:t>]</a:t>
+                      </a:r>
+                      <a:endParaRPr lang="ko-KR" altLang="en-US" sz="1000" dirty="0"/>
+                    </a:p>
+                  </a:txBody>
+                  <a:tcPr anchor="ctr"/>
+                </a:tc>
+                <a:tc hMerge="1">
+                  <a:txBody>
+                    <a:bodyPr/>
+                    <a:lstStyle/>
+                    <a:p>
+                      <a:pPr latinLnBrk="1"/>
+                      <a:endParaRPr lang="ko-KR" altLang="en-US" dirty="0"/>
+                    </a:p>
+                  </a:txBody>
+                  <a:tcPr/>
+                </a:tc>
+                <a:tc hMerge="1">
+                  <a:txBody>
+                    <a:bodyPr/>
+                    <a:lstStyle/>
+                    <a:p>
+                      <a:pPr latinLnBrk="1"/>
+                      <a:endParaRPr lang="ko-KR" altLang="en-US"/>
+                    </a:p>
+                  </a:txBody>
+                  <a:tcPr/>
+                </a:tc>
+              </a:tr>
+              <a:tr h="0">
+                <a:tc>
+                  <a:txBody>
+                    <a:bodyPr/>
+                    <a:lstStyle/>
+                    <a:p>
+                      <a:pPr algn="ctr" latinLnBrk="1"/>
+                      <a:r>
+                        <a:rPr lang="ko-KR" altLang="en-US" sz="1000" b="0" dirty="0" smtClean="0">
+                          <a:solidFill>
+                            <a:schemeClr val="tx1"/>
+                          </a:solidFill>
+                        </a:rPr>
+                        <a:t>회원</a:t>
+                      </a:r>
+                      <a:r>
+                        <a:rPr lang="en-US" altLang="ko-KR" sz="1000" b="0" dirty="0" smtClean="0">
+                          <a:solidFill>
+                            <a:schemeClr val="tx1"/>
+                          </a:solidFill>
+                        </a:rPr>
+                        <a:t>ID</a:t>
+                      </a:r>
+                      <a:endParaRPr lang="ko-KR" altLang="en-US" sz="1000" b="0" dirty="0">
+                        <a:solidFill>
+                          <a:schemeClr val="tx1"/>
+                        </a:solidFill>
+                      </a:endParaRPr>
+                    </a:p>
+                  </a:txBody>
+                  <a:tcPr anchor="ctr"/>
+                </a:tc>
+                <a:tc>
+                  <a:txBody>
+                    <a:bodyPr/>
+                    <a:lstStyle/>
+                    <a:p>
+                      <a:pPr algn="ctr" latinLnBrk="1"/>
+                      <a:r>
+                        <a:rPr lang="en-US" altLang="ko-KR" sz="1000" b="0" dirty="0" smtClean="0">
+                          <a:solidFill>
+                            <a:schemeClr val="tx1"/>
+                          </a:solidFill>
+                        </a:rPr>
+                        <a:t>Varchar2(10)</a:t>
+                      </a:r>
+                      <a:endParaRPr lang="ko-KR" altLang="en-US" sz="1000" b="0" dirty="0">
+                        <a:solidFill>
+                          <a:schemeClr val="tx1"/>
+                        </a:solidFill>
+                      </a:endParaRPr>
+                    </a:p>
+                  </a:txBody>
+                  <a:tcPr anchor="ctr"/>
+                </a:tc>
+                <a:tc>
+                  <a:txBody>
+                    <a:bodyPr/>
+                    <a:lstStyle/>
+                    <a:p>
+                      <a:pPr algn="ctr" latinLnBrk="1"/>
+                      <a:r>
+                        <a:rPr lang="en-US" altLang="ko-KR" sz="1000" b="0" dirty="0" err="1" smtClean="0">
+                          <a:solidFill>
+                            <a:schemeClr val="tx1"/>
+                          </a:solidFill>
+                        </a:rPr>
+                        <a:t>member_id</a:t>
+                      </a:r>
+                      <a:endParaRPr lang="ko-KR" altLang="en-US" sz="1000" b="0" dirty="0">
+                        <a:solidFill>
+                          <a:schemeClr val="tx1"/>
+                        </a:solidFill>
+                      </a:endParaRPr>
+                    </a:p>
+                  </a:txBody>
+                  <a:tcPr anchor="ctr"/>
+                </a:tc>
+              </a:tr>
+              <a:tr h="197643">
+                <a:tc>
+                  <a:txBody>
+                    <a:bodyPr/>
+                    <a:lstStyle/>
+                    <a:p>
+                      <a:pPr algn="ctr" latinLnBrk="1"/>
+                      <a:r>
+                        <a:rPr lang="ko-KR" altLang="en-US" sz="1000" b="0" dirty="0" err="1" smtClean="0">
+                          <a:solidFill>
+                            <a:srgbClr val="FF0000"/>
+                          </a:solidFill>
+                        </a:rPr>
+                        <a:t>멘트번호</a:t>
+                      </a:r>
+                      <a:endParaRPr lang="ko-KR" altLang="en-US" sz="1000" b="0" dirty="0">
+                        <a:solidFill>
+                          <a:srgbClr val="FF0000"/>
+                        </a:solidFill>
+                      </a:endParaRPr>
+                    </a:p>
+                  </a:txBody>
+                  <a:tcPr anchor="ctr"/>
+                </a:tc>
+                <a:tc>
+                  <a:txBody>
+                    <a:bodyPr/>
+                    <a:lstStyle/>
+                    <a:p>
+                      <a:pPr algn="ctr" latinLnBrk="1"/>
+                      <a:r>
+                        <a:rPr lang="en-US" altLang="ko-KR" sz="1000" b="0" dirty="0" smtClean="0">
+                          <a:solidFill>
+                            <a:srgbClr val="FF0000"/>
+                          </a:solidFill>
+                        </a:rPr>
+                        <a:t>Number(5)</a:t>
+                      </a:r>
+                      <a:endParaRPr lang="ko-KR" altLang="en-US" sz="1000" b="0" dirty="0">
+                        <a:solidFill>
+                          <a:srgbClr val="FF0000"/>
+                        </a:solidFill>
+                      </a:endParaRPr>
+                    </a:p>
+                  </a:txBody>
+                  <a:tcPr anchor="ctr"/>
+                </a:tc>
+                <a:tc>
+                  <a:txBody>
+                    <a:bodyPr/>
+                    <a:lstStyle/>
+                    <a:p>
+                      <a:pPr algn="ctr" latinLnBrk="1"/>
+                      <a:r>
+                        <a:rPr lang="en-US" altLang="ko-KR" sz="1000" b="0" dirty="0" err="1" smtClean="0">
+                          <a:solidFill>
+                            <a:srgbClr val="FF0000"/>
+                          </a:solidFill>
+                        </a:rPr>
+                        <a:t>ment_num</a:t>
+                      </a:r>
+                      <a:endParaRPr lang="ko-KR" altLang="en-US" sz="1000" b="0" dirty="0">
+                        <a:solidFill>
+                          <a:srgbClr val="FF0000"/>
+                        </a:solidFill>
+                      </a:endParaRPr>
+                    </a:p>
+                  </a:txBody>
+                  <a:tcPr anchor="ctr"/>
+                </a:tc>
+              </a:tr>
+              <a:tr h="0">
+                <a:tc>
+                  <a:txBody>
+                    <a:bodyPr/>
+                    <a:lstStyle/>
+                    <a:p>
+                      <a:pPr algn="ctr" latinLnBrk="1"/>
+                      <a:r>
+                        <a:rPr lang="ko-KR" altLang="en-US" sz="1000" b="0" dirty="0" smtClean="0">
+                          <a:solidFill>
+                            <a:schemeClr val="tx1"/>
+                          </a:solidFill>
+                        </a:rPr>
+                        <a:t>매니저</a:t>
+                      </a:r>
+                      <a:r>
+                        <a:rPr lang="en-US" altLang="ko-KR" sz="1000" b="0" dirty="0" smtClean="0">
+                          <a:solidFill>
+                            <a:schemeClr val="tx1"/>
+                          </a:solidFill>
+                        </a:rPr>
+                        <a:t>ID</a:t>
+                      </a:r>
+                      <a:endParaRPr lang="ko-KR" altLang="en-US" sz="1000" b="0" dirty="0">
+                        <a:solidFill>
+                          <a:schemeClr val="tx1"/>
+                        </a:solidFill>
+                      </a:endParaRPr>
+                    </a:p>
+                  </a:txBody>
+                  <a:tcPr anchor="ctr"/>
+                </a:tc>
+                <a:tc>
+                  <a:txBody>
+                    <a:bodyPr/>
+                    <a:lstStyle/>
+                    <a:p>
+                      <a:pPr algn="ctr" latinLnBrk="1"/>
+                      <a:r>
+                        <a:rPr lang="en-US" altLang="ko-KR" sz="1000" b="0" dirty="0" smtClean="0">
+                          <a:solidFill>
+                            <a:schemeClr val="tx1"/>
+                          </a:solidFill>
+                        </a:rPr>
+                        <a:t>Number(5)</a:t>
+                      </a:r>
+                      <a:endParaRPr lang="ko-KR" altLang="en-US" sz="1000" b="0" dirty="0">
+                        <a:solidFill>
+                          <a:schemeClr val="tx1"/>
+                        </a:solidFill>
+                      </a:endParaRPr>
+                    </a:p>
+                  </a:txBody>
+                  <a:tcPr anchor="ctr"/>
+                </a:tc>
+                <a:tc>
+                  <a:txBody>
+                    <a:bodyPr/>
+                    <a:lstStyle/>
+                    <a:p>
+                      <a:pPr algn="ctr" latinLnBrk="1"/>
+                      <a:r>
+                        <a:rPr lang="en-US" altLang="ko-KR" sz="1000" b="0" dirty="0" err="1" smtClean="0">
+                          <a:solidFill>
+                            <a:schemeClr val="tx1"/>
+                          </a:solidFill>
+                        </a:rPr>
+                        <a:t>Manager_id</a:t>
+                      </a:r>
+                      <a:endParaRPr lang="ko-KR" altLang="en-US" sz="1000" b="0" dirty="0">
+                        <a:solidFill>
+                          <a:schemeClr val="tx1"/>
+                        </a:solidFill>
+                      </a:endParaRPr>
+                    </a:p>
+                  </a:txBody>
+                  <a:tcPr anchor="ctr"/>
+                </a:tc>
+              </a:tr>
+              <a:tr h="0">
+                <a:tc>
+                  <a:txBody>
+                    <a:bodyPr/>
+                    <a:lstStyle/>
+                    <a:p>
+                      <a:pPr algn="ctr" latinLnBrk="1"/>
+                      <a:r>
+                        <a:rPr lang="ko-KR" altLang="en-US" sz="1000" b="0" dirty="0" smtClean="0">
+                          <a:solidFill>
+                            <a:schemeClr val="tx1"/>
+                          </a:solidFill>
+                        </a:rPr>
+                        <a:t>입력날짜</a:t>
+                      </a:r>
+                      <a:endParaRPr lang="ko-KR" altLang="en-US" sz="1000" b="0" dirty="0">
+                        <a:solidFill>
+                          <a:schemeClr val="tx1"/>
+                        </a:solidFill>
+                      </a:endParaRPr>
+                    </a:p>
+                  </a:txBody>
+                  <a:tcPr anchor="ctr"/>
+                </a:tc>
+                <a:tc>
+                  <a:txBody>
+                    <a:bodyPr/>
+                    <a:lstStyle/>
+                    <a:p>
+                      <a:pPr algn="ctr" latinLnBrk="1"/>
+                      <a:r>
+                        <a:rPr lang="en-US" altLang="ko-KR" sz="1000" b="0" dirty="0" smtClean="0">
+                          <a:solidFill>
+                            <a:schemeClr val="tx1"/>
+                          </a:solidFill>
+                        </a:rPr>
+                        <a:t>Date</a:t>
+                      </a:r>
+                      <a:endParaRPr lang="ko-KR" altLang="en-US" sz="1000" b="0" dirty="0">
+                        <a:solidFill>
+                          <a:schemeClr val="tx1"/>
+                        </a:solidFill>
+                      </a:endParaRPr>
+                    </a:p>
+                  </a:txBody>
+                  <a:tcPr anchor="ctr"/>
+                </a:tc>
+                <a:tc>
+                  <a:txBody>
+                    <a:bodyPr/>
+                    <a:lstStyle/>
+                    <a:p>
+                      <a:pPr algn="ctr" latinLnBrk="1"/>
+                      <a:r>
+                        <a:rPr lang="en-US" altLang="ko-KR" sz="1000" b="0" dirty="0" err="1" smtClean="0">
+                          <a:solidFill>
+                            <a:schemeClr val="tx1"/>
+                          </a:solidFill>
+                        </a:rPr>
+                        <a:t>ment_date</a:t>
+                      </a:r>
+                      <a:endParaRPr lang="ko-KR" altLang="en-US" sz="1000" b="0" dirty="0">
+                        <a:solidFill>
+                          <a:schemeClr val="tx1"/>
+                        </a:solidFill>
+                      </a:endParaRPr>
+                    </a:p>
+                  </a:txBody>
+                  <a:tcPr anchor="ctr"/>
+                </a:tc>
+              </a:tr>
+              <a:tr h="197643">
+                <a:tc>
+                  <a:txBody>
+                    <a:bodyPr/>
+                    <a:lstStyle/>
+                    <a:p>
+                      <a:pPr algn="ctr" latinLnBrk="1"/>
+                      <a:r>
+                        <a:rPr lang="ko-KR" altLang="en-US" sz="1000" b="0" dirty="0" smtClean="0">
+                          <a:solidFill>
+                            <a:schemeClr val="tx1"/>
+                          </a:solidFill>
+                        </a:rPr>
+                        <a:t>코멘트</a:t>
+                      </a:r>
+                      <a:endParaRPr lang="ko-KR" altLang="en-US" sz="1000" b="0" dirty="0">
+                        <a:solidFill>
+                          <a:schemeClr val="tx1"/>
+                        </a:solidFill>
+                      </a:endParaRPr>
+                    </a:p>
+                  </a:txBody>
+                  <a:tcPr anchor="ctr"/>
+                </a:tc>
+                <a:tc>
+                  <a:txBody>
+                    <a:bodyPr/>
+                    <a:lstStyle/>
+                    <a:p>
+                      <a:pPr algn="ctr" latinLnBrk="1"/>
+                      <a:r>
+                        <a:rPr lang="en-US" altLang="ko-KR" sz="1000" b="0" dirty="0" smtClean="0">
+                          <a:solidFill>
+                            <a:schemeClr val="tx1"/>
+                          </a:solidFill>
+                        </a:rPr>
+                        <a:t>Varchar2(100)</a:t>
+                      </a:r>
+                      <a:endParaRPr lang="ko-KR" altLang="en-US" sz="1000" b="0" dirty="0">
+                        <a:solidFill>
+                          <a:schemeClr val="tx1"/>
+                        </a:solidFill>
+                      </a:endParaRPr>
+                    </a:p>
+                  </a:txBody>
+                  <a:tcPr anchor="ctr"/>
+                </a:tc>
+                <a:tc>
+                  <a:txBody>
+                    <a:bodyPr/>
+                    <a:lstStyle/>
+                    <a:p>
+                      <a:pPr algn="ctr" latinLnBrk="1"/>
+                      <a:r>
+                        <a:rPr lang="en-US" altLang="ko-KR" sz="1000" b="0" dirty="0" err="1" smtClean="0">
+                          <a:solidFill>
+                            <a:schemeClr val="tx1"/>
+                          </a:solidFill>
+                        </a:rPr>
+                        <a:t>ment</a:t>
+                      </a:r>
+                      <a:endParaRPr lang="ko-KR" altLang="en-US" sz="1000" b="0" dirty="0">
+                        <a:solidFill>
+                          <a:schemeClr val="tx1"/>
+                        </a:solidFill>
+                      </a:endParaRPr>
+                    </a:p>
+                  </a:txBody>
+                  <a:tcPr anchor="ctr"/>
+                </a:tc>
+              </a:tr>
+            </a:tbl>
+          </a:graphicData>
+        </a:graphic>
+      </p:graphicFrame>
+      <p:graphicFrame>
+        <p:nvGraphicFramePr>
+          <p:cNvPr id="19" name="표 18"/>
+          <p:cNvGraphicFramePr>
+            <a:graphicFrameLocks noGrp="1"/>
+          </p:cNvGraphicFramePr>
+          <p:nvPr>
+            <p:extLst>
+              <p:ext uri="{D42A27DB-BD31-4B8C-83A1-F6EECF244321}">
+                <p14:modId xmlns:p14="http://schemas.microsoft.com/office/powerpoint/2010/main" val="773133896"/>
+              </p:ext>
+            </p:extLst>
+          </p:nvPr>
+        </p:nvGraphicFramePr>
+        <p:xfrm>
+          <a:off x="3071802" y="3268176"/>
+          <a:ext cx="2500330" cy="3185160"/>
+        </p:xfrm>
+        <a:graphic>
+          <a:graphicData uri="http://schemas.openxmlformats.org/drawingml/2006/table">
+            <a:tbl>
+              <a:tblPr firstRow="1" bandRow="1">
+                <a:tableStyleId>{5C22544A-7EE6-4342-B048-85BDC9FD1C3A}</a:tableStyleId>
+              </a:tblPr>
+              <a:tblGrid>
+                <a:gridCol w="785818"/>
+                <a:gridCol w="1000132"/>
+                <a:gridCol w="714380"/>
+              </a:tblGrid>
+              <a:tr h="238127">
+                <a:tc gridSpan="3">
+                  <a:txBody>
+                    <a:bodyPr/>
+                    <a:lstStyle/>
+                    <a:p>
+                      <a:pPr algn="ctr" latinLnBrk="1"/>
+                      <a:r>
+                        <a:rPr lang="ko-KR" altLang="en-US" sz="1400" dirty="0" smtClean="0"/>
+                        <a:t>지출목록</a:t>
+                      </a:r>
+                      <a:r>
+                        <a:rPr lang="en-US" altLang="ko-KR" sz="1400" dirty="0" smtClean="0"/>
+                        <a:t>[spend]</a:t>
+                      </a:r>
+                      <a:endParaRPr lang="ko-KR" altLang="en-US" sz="1400" dirty="0"/>
+                    </a:p>
+                  </a:txBody>
+                  <a:tcPr anchor="ctr"/>
+                </a:tc>
+                <a:tc hMerge="1">
+                  <a:txBody>
+                    <a:bodyPr/>
+                    <a:lstStyle/>
+                    <a:p>
+                      <a:pPr latinLnBrk="1"/>
+                      <a:endParaRPr lang="ko-KR" altLang="en-US" dirty="0"/>
+                    </a:p>
+                  </a:txBody>
+                  <a:tcPr/>
+                </a:tc>
+                <a:tc hMerge="1">
+                  <a:txBody>
+                    <a:bodyPr/>
+                    <a:lstStyle/>
+                    <a:p>
+                      <a:pPr algn="ctr" latinLnBrk="1"/>
+                      <a:endParaRPr lang="ko-KR" altLang="en-US" sz="1400" dirty="0"/>
+                    </a:p>
+                  </a:txBody>
+                  <a:tcPr anchor="ctr"/>
+                </a:tc>
+              </a:tr>
+              <a:tr h="266704">
+                <a:tc>
+                  <a:txBody>
+                    <a:bodyPr/>
+                    <a:lstStyle/>
+                    <a:p>
+                      <a:pPr algn="ctr" latinLnBrk="1"/>
+                      <a:r>
+                        <a:rPr lang="ko-KR" altLang="en-US" sz="1000" b="0" dirty="0" smtClean="0">
+                          <a:solidFill>
+                            <a:srgbClr val="FF0000"/>
+                          </a:solidFill>
+                        </a:rPr>
+                        <a:t>지출번호</a:t>
+                      </a:r>
+                      <a:endParaRPr lang="ko-KR" altLang="en-US" sz="1000" b="0" dirty="0">
+                        <a:solidFill>
+                          <a:srgbClr val="FF0000"/>
+                        </a:solidFill>
+                      </a:endParaRPr>
+                    </a:p>
+                  </a:txBody>
+                  <a:tcPr anchor="ctr"/>
+                </a:tc>
+                <a:tc>
+                  <a:txBody>
+                    <a:bodyPr/>
+                    <a:lstStyle/>
+                    <a:p>
+                      <a:pPr algn="ctr" latinLnBrk="1"/>
+                      <a:r>
+                        <a:rPr lang="en-US" altLang="ko-KR" sz="1000" b="0" dirty="0" smtClean="0">
+                          <a:solidFill>
+                            <a:srgbClr val="FF0000"/>
+                          </a:solidFill>
+                        </a:rPr>
+                        <a:t>Number(5)</a:t>
+                      </a:r>
+                      <a:endParaRPr lang="ko-KR" altLang="en-US" sz="1000" b="0" dirty="0">
+                        <a:solidFill>
+                          <a:srgbClr val="FF0000"/>
+                        </a:solidFill>
+                      </a:endParaRPr>
+                    </a:p>
+                  </a:txBody>
+                  <a:tcPr anchor="ctr"/>
+                </a:tc>
+                <a:tc>
+                  <a:txBody>
+                    <a:bodyPr/>
+                    <a:lstStyle/>
+                    <a:p>
+                      <a:pPr algn="ctr" latinLnBrk="1"/>
+                      <a:r>
+                        <a:rPr lang="en-US" altLang="ko-KR" sz="1050" b="0" dirty="0" err="1" smtClean="0">
+                          <a:solidFill>
+                            <a:srgbClr val="FF0000"/>
+                          </a:solidFill>
+                        </a:rPr>
+                        <a:t>spend_num</a:t>
+                      </a:r>
+                      <a:endParaRPr lang="ko-KR" altLang="en-US" sz="1050" b="0" dirty="0">
+                        <a:solidFill>
+                          <a:srgbClr val="FF0000"/>
+                        </a:solidFill>
+                      </a:endParaRPr>
+                    </a:p>
+                  </a:txBody>
+                  <a:tcPr anchor="ctr"/>
+                </a:tc>
+              </a:tr>
+              <a:tr h="238127">
+                <a:tc>
+                  <a:txBody>
+                    <a:bodyPr/>
+                    <a:lstStyle/>
+                    <a:p>
+                      <a:pPr algn="ctr" latinLnBrk="1"/>
+                      <a:r>
+                        <a:rPr lang="ko-KR" altLang="en-US" sz="1050" b="0" dirty="0" smtClean="0">
+                          <a:solidFill>
+                            <a:schemeClr val="tx1"/>
+                          </a:solidFill>
+                        </a:rPr>
+                        <a:t>지출항목번호</a:t>
+                      </a:r>
+                      <a:endParaRPr lang="ko-KR" altLang="en-US" sz="1050" b="0" dirty="0">
+                        <a:solidFill>
+                          <a:schemeClr val="tx1"/>
+                        </a:solidFill>
+                      </a:endParaRPr>
+                    </a:p>
+                  </a:txBody>
+                  <a:tcPr anchor="ctr"/>
+                </a:tc>
+                <a:tc>
+                  <a:txBody>
+                    <a:bodyPr/>
+                    <a:lstStyle/>
+                    <a:p>
+                      <a:pPr algn="ctr" latinLnBrk="1"/>
+                      <a:r>
+                        <a:rPr lang="en-US" altLang="ko-KR" sz="1050" b="0" dirty="0" smtClean="0">
+                          <a:solidFill>
+                            <a:schemeClr val="tx1"/>
+                          </a:solidFill>
+                        </a:rPr>
+                        <a:t>number(5)</a:t>
+                      </a:r>
+                      <a:endParaRPr lang="ko-KR" altLang="en-US" sz="1050" b="0" dirty="0">
+                        <a:solidFill>
+                          <a:schemeClr val="tx1"/>
+                        </a:solidFill>
+                      </a:endParaRPr>
+                    </a:p>
+                  </a:txBody>
+                  <a:tcPr anchor="ctr"/>
+                </a:tc>
+                <a:tc>
+                  <a:txBody>
+                    <a:bodyPr/>
+                    <a:lstStyle/>
+                    <a:p>
+                      <a:pPr algn="ctr" latinLnBrk="1"/>
+                      <a:r>
+                        <a:rPr lang="en-US" altLang="ko-KR" sz="1050" b="0" dirty="0" err="1" smtClean="0">
+                          <a:solidFill>
+                            <a:schemeClr val="tx1"/>
+                          </a:solidFill>
+                        </a:rPr>
+                        <a:t>spendList_num</a:t>
+                      </a:r>
+                      <a:endParaRPr lang="ko-KR" altLang="en-US" sz="1050" b="0" dirty="0">
+                        <a:solidFill>
+                          <a:schemeClr val="tx1"/>
+                        </a:solidFill>
+                      </a:endParaRPr>
+                    </a:p>
+                  </a:txBody>
+                  <a:tcPr anchor="ctr"/>
+                </a:tc>
+              </a:tr>
+              <a:tr h="238127">
+                <a:tc>
+                  <a:txBody>
+                    <a:bodyPr/>
+                    <a:lstStyle/>
+                    <a:p>
+                      <a:pPr algn="ctr" latinLnBrk="1"/>
+                      <a:r>
+                        <a:rPr lang="ko-KR" altLang="en-US" sz="1050" b="0" dirty="0" smtClean="0">
+                          <a:solidFill>
+                            <a:schemeClr val="tx1"/>
+                          </a:solidFill>
+                        </a:rPr>
+                        <a:t>회원</a:t>
+                      </a:r>
+                      <a:r>
+                        <a:rPr lang="en-US" altLang="ko-KR" sz="1050" b="0" dirty="0" smtClean="0">
+                          <a:solidFill>
+                            <a:schemeClr val="tx1"/>
+                          </a:solidFill>
+                        </a:rPr>
+                        <a:t>ID</a:t>
+                      </a:r>
+                      <a:endParaRPr lang="ko-KR" altLang="en-US" sz="1050" b="0" dirty="0">
+                        <a:solidFill>
+                          <a:schemeClr val="tx1"/>
+                        </a:solidFill>
+                      </a:endParaRPr>
+                    </a:p>
+                  </a:txBody>
+                  <a:tcPr anchor="ctr"/>
+                </a:tc>
+                <a:tc>
+                  <a:txBody>
+                    <a:bodyPr/>
+                    <a:lstStyle/>
+                    <a:p>
+                      <a:pPr algn="ctr" latinLnBrk="1"/>
+                      <a:r>
+                        <a:rPr lang="en-US" altLang="ko-KR" sz="1050" b="0" dirty="0" smtClean="0">
+                          <a:solidFill>
+                            <a:schemeClr val="tx1"/>
+                          </a:solidFill>
+                        </a:rPr>
+                        <a:t>Varchar2(10)</a:t>
+                      </a:r>
+                      <a:endParaRPr lang="ko-KR" altLang="en-US" sz="1050" b="0" dirty="0">
+                        <a:solidFill>
+                          <a:schemeClr val="tx1"/>
+                        </a:solidFill>
+                      </a:endParaRPr>
+                    </a:p>
+                  </a:txBody>
+                  <a:tcPr anchor="ctr"/>
+                </a:tc>
+                <a:tc>
+                  <a:txBody>
+                    <a:bodyPr/>
+                    <a:lstStyle/>
+                    <a:p>
+                      <a:pPr algn="ctr" latinLnBrk="1"/>
+                      <a:r>
+                        <a:rPr lang="en-US" altLang="ko-KR" sz="1050" b="0" dirty="0" err="1" smtClean="0">
+                          <a:solidFill>
+                            <a:schemeClr val="tx1"/>
+                          </a:solidFill>
+                        </a:rPr>
+                        <a:t>member_id</a:t>
+                      </a:r>
+                      <a:endParaRPr lang="ko-KR" altLang="en-US" sz="1050" b="0" dirty="0">
+                        <a:solidFill>
+                          <a:schemeClr val="tx1"/>
+                        </a:solidFill>
+                      </a:endParaRPr>
+                    </a:p>
+                  </a:txBody>
+                  <a:tcPr anchor="ctr"/>
+                </a:tc>
+              </a:tr>
+              <a:tr h="211460">
+                <a:tc>
+                  <a:txBody>
+                    <a:bodyPr/>
+                    <a:lstStyle/>
+                    <a:p>
+                      <a:pPr algn="ctr" latinLnBrk="1"/>
+                      <a:r>
+                        <a:rPr lang="ko-KR" altLang="en-US" sz="1050" b="0" dirty="0" smtClean="0">
+                          <a:solidFill>
+                            <a:schemeClr val="tx1"/>
+                          </a:solidFill>
+                        </a:rPr>
+                        <a:t>지출장소</a:t>
+                      </a:r>
+                      <a:endParaRPr lang="ko-KR" altLang="en-US" sz="1050" b="0" dirty="0">
+                        <a:solidFill>
+                          <a:schemeClr val="tx1"/>
+                        </a:solidFill>
+                      </a:endParaRPr>
+                    </a:p>
+                  </a:txBody>
+                  <a:tcPr anchor="ctr"/>
+                </a:tc>
+                <a:tc>
+                  <a:txBody>
+                    <a:bodyPr/>
+                    <a:lstStyle/>
+                    <a:p>
+                      <a:pPr algn="ctr" latinLnBrk="1"/>
+                      <a:r>
+                        <a:rPr lang="en-US" altLang="ko-KR" sz="1050" b="0" dirty="0" smtClean="0">
+                          <a:solidFill>
+                            <a:schemeClr val="tx1"/>
+                          </a:solidFill>
+                        </a:rPr>
+                        <a:t>Varchar2(10)</a:t>
+                      </a:r>
+                      <a:endParaRPr lang="ko-KR" altLang="en-US" sz="1050" b="0" dirty="0">
+                        <a:solidFill>
+                          <a:schemeClr val="tx1"/>
+                        </a:solidFill>
+                      </a:endParaRPr>
+                    </a:p>
+                  </a:txBody>
+                  <a:tcPr anchor="ctr"/>
+                </a:tc>
+                <a:tc>
+                  <a:txBody>
+                    <a:bodyPr/>
+                    <a:lstStyle/>
+                    <a:p>
+                      <a:pPr algn="ctr" latinLnBrk="1"/>
+                      <a:r>
+                        <a:rPr lang="en-US" altLang="ko-KR" sz="1050" b="0" dirty="0" err="1" smtClean="0">
+                          <a:solidFill>
+                            <a:schemeClr val="tx1"/>
+                          </a:solidFill>
+                        </a:rPr>
+                        <a:t>spend_location</a:t>
+                      </a:r>
+                      <a:endParaRPr lang="ko-KR" altLang="en-US" sz="1050" b="0" dirty="0">
+                        <a:solidFill>
+                          <a:schemeClr val="tx1"/>
+                        </a:solidFill>
+                      </a:endParaRPr>
+                    </a:p>
+                  </a:txBody>
+                  <a:tcPr anchor="ctr"/>
+                </a:tc>
+              </a:tr>
+              <a:tr h="245752">
+                <a:tc>
+                  <a:txBody>
+                    <a:bodyPr/>
+                    <a:lstStyle/>
+                    <a:p>
+                      <a:pPr algn="ctr" latinLnBrk="1"/>
+                      <a:r>
+                        <a:rPr lang="ko-KR" altLang="en-US" sz="1050" b="0" dirty="0" smtClean="0">
+                          <a:solidFill>
+                            <a:schemeClr val="tx1"/>
+                          </a:solidFill>
+                        </a:rPr>
+                        <a:t>지출비용</a:t>
+                      </a:r>
+                      <a:endParaRPr lang="ko-KR" altLang="en-US" sz="1050" b="0" dirty="0">
+                        <a:solidFill>
+                          <a:schemeClr val="tx1"/>
+                        </a:solidFill>
+                      </a:endParaRPr>
+                    </a:p>
+                  </a:txBody>
+                  <a:tcPr anchor="ctr"/>
+                </a:tc>
+                <a:tc>
+                  <a:txBody>
+                    <a:bodyPr/>
+                    <a:lstStyle/>
+                    <a:p>
+                      <a:pPr algn="ctr" latinLnBrk="1"/>
+                      <a:r>
+                        <a:rPr lang="en-US" altLang="ko-KR" sz="1050" b="0" dirty="0" smtClean="0">
+                          <a:solidFill>
+                            <a:schemeClr val="tx1"/>
+                          </a:solidFill>
+                        </a:rPr>
+                        <a:t>Number(10)</a:t>
+                      </a:r>
+                      <a:endParaRPr lang="ko-KR" altLang="en-US" sz="1050" b="0" dirty="0">
+                        <a:solidFill>
+                          <a:schemeClr val="tx1"/>
+                        </a:solidFill>
+                      </a:endParaRPr>
+                    </a:p>
+                  </a:txBody>
+                  <a:tcPr anchor="ctr"/>
+                </a:tc>
+                <a:tc>
+                  <a:txBody>
+                    <a:bodyPr/>
+                    <a:lstStyle/>
+                    <a:p>
+                      <a:pPr algn="ctr" latinLnBrk="1"/>
+                      <a:r>
+                        <a:rPr lang="en-US" altLang="ko-KR" sz="1050" b="0" dirty="0" err="1" smtClean="0">
+                          <a:solidFill>
+                            <a:schemeClr val="tx1"/>
+                          </a:solidFill>
+                        </a:rPr>
+                        <a:t>Spend_expense</a:t>
+                      </a:r>
+                      <a:endParaRPr lang="ko-KR" altLang="en-US" sz="1050" b="0" dirty="0">
+                        <a:solidFill>
+                          <a:schemeClr val="tx1"/>
+                        </a:solidFill>
+                      </a:endParaRPr>
+                    </a:p>
+                  </a:txBody>
+                  <a:tcPr anchor="ctr"/>
+                </a:tc>
+              </a:tr>
+              <a:tr h="238127">
+                <a:tc>
+                  <a:txBody>
+                    <a:bodyPr/>
+                    <a:lstStyle/>
+                    <a:p>
+                      <a:pPr algn="ctr" latinLnBrk="1"/>
+                      <a:r>
+                        <a:rPr lang="ko-KR" altLang="en-US" sz="1050" b="0" dirty="0" smtClean="0">
+                          <a:solidFill>
+                            <a:schemeClr val="tx1"/>
+                          </a:solidFill>
+                        </a:rPr>
+                        <a:t>지출날짜</a:t>
+                      </a:r>
+                      <a:endParaRPr lang="ko-KR" altLang="en-US" sz="1050" b="0" dirty="0">
+                        <a:solidFill>
+                          <a:schemeClr val="tx1"/>
+                        </a:solidFill>
+                      </a:endParaRPr>
+                    </a:p>
+                  </a:txBody>
+                  <a:tcPr anchor="ctr"/>
+                </a:tc>
+                <a:tc>
+                  <a:txBody>
+                    <a:bodyPr/>
+                    <a:lstStyle/>
+                    <a:p>
+                      <a:pPr algn="ctr" latinLnBrk="1"/>
+                      <a:r>
+                        <a:rPr lang="en-US" altLang="ko-KR" sz="1050" b="0" dirty="0" smtClean="0">
+                          <a:solidFill>
+                            <a:schemeClr val="tx1"/>
+                          </a:solidFill>
+                        </a:rPr>
+                        <a:t>Date</a:t>
+                      </a:r>
+                      <a:endParaRPr lang="ko-KR" altLang="en-US" sz="1050" b="0" dirty="0">
+                        <a:solidFill>
+                          <a:schemeClr val="tx1"/>
+                        </a:solidFill>
+                      </a:endParaRPr>
+                    </a:p>
+                  </a:txBody>
+                  <a:tcPr anchor="ctr"/>
+                </a:tc>
+                <a:tc>
+                  <a:txBody>
+                    <a:bodyPr/>
+                    <a:lstStyle/>
+                    <a:p>
+                      <a:pPr algn="ctr" latinLnBrk="1"/>
+                      <a:r>
+                        <a:rPr lang="en-US" altLang="ko-KR" sz="1050" b="0" dirty="0" err="1" smtClean="0">
+                          <a:solidFill>
+                            <a:schemeClr val="tx1"/>
+                          </a:solidFill>
+                        </a:rPr>
+                        <a:t>spend_date</a:t>
+                      </a:r>
+                      <a:endParaRPr lang="ko-KR" altLang="en-US" sz="1050" b="0" dirty="0">
+                        <a:solidFill>
+                          <a:schemeClr val="tx1"/>
+                        </a:solidFill>
+                      </a:endParaRPr>
+                    </a:p>
+                  </a:txBody>
+                  <a:tcPr anchor="ctr"/>
+                </a:tc>
+              </a:tr>
+              <a:tr h="238127">
+                <a:tc>
+                  <a:txBody>
+                    <a:bodyPr/>
+                    <a:lstStyle/>
+                    <a:p>
+                      <a:pPr algn="ctr" latinLnBrk="1"/>
+                      <a:r>
+                        <a:rPr lang="ko-KR" altLang="en-US" sz="1050" b="0" dirty="0" smtClean="0">
+                          <a:solidFill>
+                            <a:schemeClr val="tx1"/>
+                          </a:solidFill>
+                        </a:rPr>
+                        <a:t>지출메모</a:t>
+                      </a:r>
+                      <a:endParaRPr lang="ko-KR" altLang="en-US" sz="1050" b="0" dirty="0">
+                        <a:solidFill>
+                          <a:schemeClr val="tx1"/>
+                        </a:solidFill>
+                      </a:endParaRPr>
+                    </a:p>
+                  </a:txBody>
+                  <a:tcPr anchor="ctr"/>
+                </a:tc>
+                <a:tc>
+                  <a:txBody>
+                    <a:bodyPr/>
+                    <a:lstStyle/>
+                    <a:p>
+                      <a:pPr algn="ctr" latinLnBrk="1"/>
+                      <a:r>
+                        <a:rPr lang="en-US" altLang="ko-KR" sz="1050" b="0" dirty="0" smtClean="0">
+                          <a:solidFill>
+                            <a:schemeClr val="tx1"/>
+                          </a:solidFill>
+                        </a:rPr>
+                        <a:t>Varchar2(100)</a:t>
+                      </a:r>
+                      <a:endParaRPr lang="ko-KR" altLang="en-US" sz="1050" b="0" dirty="0">
+                        <a:solidFill>
+                          <a:schemeClr val="tx1"/>
+                        </a:solidFill>
+                      </a:endParaRPr>
+                    </a:p>
+                  </a:txBody>
+                  <a:tcPr anchor="ctr"/>
+                </a:tc>
+                <a:tc>
+                  <a:txBody>
+                    <a:bodyPr/>
+                    <a:lstStyle/>
+                    <a:p>
+                      <a:pPr algn="ctr" latinLnBrk="1"/>
+                      <a:r>
+                        <a:rPr lang="en-US" altLang="ko-KR" sz="1050" b="0" dirty="0" err="1" smtClean="0">
+                          <a:solidFill>
+                            <a:schemeClr val="tx1"/>
+                          </a:solidFill>
+                        </a:rPr>
+                        <a:t>spend_memo</a:t>
+                      </a:r>
+                      <a:endParaRPr lang="ko-KR" altLang="en-US" sz="1050" b="0" dirty="0">
+                        <a:solidFill>
+                          <a:schemeClr val="tx1"/>
+                        </a:solidFill>
+                      </a:endParaRPr>
+                    </a:p>
+                  </a:txBody>
+                  <a:tcPr anchor="ctr"/>
+                </a:tc>
+              </a:tr>
+            </a:tbl>
+          </a:graphicData>
+        </a:graphic>
+      </p:graphicFrame>
+      <p:graphicFrame>
+        <p:nvGraphicFramePr>
+          <p:cNvPr id="21" name="표 20"/>
+          <p:cNvGraphicFramePr>
+            <a:graphicFrameLocks noGrp="1"/>
+          </p:cNvGraphicFramePr>
+          <p:nvPr/>
+        </p:nvGraphicFramePr>
+        <p:xfrm>
+          <a:off x="357158" y="12378"/>
+          <a:ext cx="2500330" cy="2773680"/>
+        </p:xfrm>
+        <a:graphic>
+          <a:graphicData uri="http://schemas.openxmlformats.org/drawingml/2006/table">
+            <a:tbl>
+              <a:tblPr firstRow="1" bandRow="1">
+                <a:tableStyleId>{5C22544A-7EE6-4342-B048-85BDC9FD1C3A}</a:tableStyleId>
+              </a:tblPr>
+              <a:tblGrid>
+                <a:gridCol w="785818"/>
+                <a:gridCol w="1000132"/>
+                <a:gridCol w="714380"/>
+              </a:tblGrid>
+              <a:tr h="0">
+                <a:tc gridSpan="3">
+                  <a:txBody>
+                    <a:bodyPr/>
+                    <a:lstStyle/>
+                    <a:p>
+                      <a:pPr algn="ctr" latinLnBrk="1"/>
+                      <a:r>
+                        <a:rPr lang="ko-KR" altLang="en-US" sz="1400" dirty="0" smtClean="0"/>
+                        <a:t>수입목록</a:t>
+                      </a:r>
+                      <a:r>
+                        <a:rPr lang="en-US" altLang="ko-KR" sz="1400" dirty="0" smtClean="0"/>
+                        <a:t>[income]</a:t>
+                      </a:r>
+                      <a:endParaRPr lang="ko-KR" altLang="en-US" sz="1400" dirty="0"/>
+                    </a:p>
+                  </a:txBody>
+                  <a:tcPr anchor="ctr"/>
+                </a:tc>
+                <a:tc hMerge="1">
+                  <a:txBody>
+                    <a:bodyPr/>
+                    <a:lstStyle/>
+                    <a:p>
+                      <a:pPr latinLnBrk="1"/>
+                      <a:endParaRPr lang="ko-KR" altLang="en-US" dirty="0"/>
+                    </a:p>
+                  </a:txBody>
+                  <a:tcPr/>
+                </a:tc>
+                <a:tc hMerge="1">
+                  <a:txBody>
+                    <a:bodyPr/>
+                    <a:lstStyle/>
+                    <a:p>
+                      <a:pPr algn="ctr" latinLnBrk="1"/>
+                      <a:endParaRPr lang="ko-KR" altLang="en-US" sz="1400" dirty="0"/>
+                    </a:p>
+                  </a:txBody>
+                  <a:tcPr anchor="ctr"/>
+                </a:tc>
+              </a:tr>
+              <a:tr h="266704">
+                <a:tc>
+                  <a:txBody>
+                    <a:bodyPr/>
+                    <a:lstStyle/>
+                    <a:p>
+                      <a:pPr algn="ctr" latinLnBrk="1"/>
+                      <a:r>
+                        <a:rPr lang="ko-KR" altLang="en-US" sz="1000" b="0" dirty="0" smtClean="0">
+                          <a:solidFill>
+                            <a:srgbClr val="FF0000"/>
+                          </a:solidFill>
+                        </a:rPr>
+                        <a:t>수입번호</a:t>
+                      </a:r>
+                      <a:endParaRPr lang="ko-KR" altLang="en-US" sz="1000" b="0" dirty="0">
+                        <a:solidFill>
+                          <a:srgbClr val="FF0000"/>
+                        </a:solidFill>
+                      </a:endParaRPr>
+                    </a:p>
+                  </a:txBody>
+                  <a:tcPr anchor="ctr"/>
+                </a:tc>
+                <a:tc>
+                  <a:txBody>
+                    <a:bodyPr/>
+                    <a:lstStyle/>
+                    <a:p>
+                      <a:pPr algn="ctr" latinLnBrk="1"/>
+                      <a:r>
+                        <a:rPr lang="en-US" altLang="ko-KR" sz="1000" b="0" dirty="0" smtClean="0">
+                          <a:solidFill>
+                            <a:srgbClr val="FF0000"/>
+                          </a:solidFill>
+                        </a:rPr>
+                        <a:t>Number(5)</a:t>
+                      </a:r>
+                      <a:endParaRPr lang="ko-KR" altLang="en-US" sz="1000" b="0" dirty="0">
+                        <a:solidFill>
+                          <a:srgbClr val="FF0000"/>
+                        </a:solidFill>
+                      </a:endParaRPr>
+                    </a:p>
+                  </a:txBody>
+                  <a:tcPr anchor="ctr"/>
+                </a:tc>
+                <a:tc>
+                  <a:txBody>
+                    <a:bodyPr/>
+                    <a:lstStyle/>
+                    <a:p>
+                      <a:pPr algn="ctr" latinLnBrk="1"/>
+                      <a:r>
+                        <a:rPr lang="en-US" altLang="ko-KR" sz="1050" b="0" dirty="0" err="1" smtClean="0">
+                          <a:solidFill>
+                            <a:srgbClr val="FF0000"/>
+                          </a:solidFill>
+                        </a:rPr>
+                        <a:t>income_num</a:t>
+                      </a:r>
+                      <a:endParaRPr lang="ko-KR" altLang="en-US" sz="1050" b="0" dirty="0">
+                        <a:solidFill>
+                          <a:srgbClr val="FF0000"/>
+                        </a:solidFill>
+                      </a:endParaRPr>
+                    </a:p>
+                  </a:txBody>
+                  <a:tcPr anchor="ctr"/>
+                </a:tc>
+              </a:tr>
+              <a:tr h="238127">
+                <a:tc>
+                  <a:txBody>
+                    <a:bodyPr/>
+                    <a:lstStyle/>
+                    <a:p>
+                      <a:pPr algn="ctr" latinLnBrk="1"/>
+                      <a:r>
+                        <a:rPr lang="ko-KR" altLang="en-US" sz="1050" b="0" dirty="0" smtClean="0">
+                          <a:solidFill>
+                            <a:schemeClr val="tx1"/>
+                          </a:solidFill>
+                        </a:rPr>
+                        <a:t>수입항목번호</a:t>
+                      </a:r>
+                      <a:endParaRPr lang="ko-KR" altLang="en-US" sz="1050" b="0" dirty="0">
+                        <a:solidFill>
+                          <a:schemeClr val="tx1"/>
+                        </a:solidFill>
+                      </a:endParaRPr>
+                    </a:p>
+                  </a:txBody>
+                  <a:tcPr anchor="ctr"/>
+                </a:tc>
+                <a:tc>
+                  <a:txBody>
+                    <a:bodyPr/>
+                    <a:lstStyle/>
+                    <a:p>
+                      <a:pPr algn="ctr" latinLnBrk="1"/>
+                      <a:r>
+                        <a:rPr lang="en-US" altLang="ko-KR" sz="1050" b="0" dirty="0" smtClean="0">
+                          <a:solidFill>
+                            <a:schemeClr val="tx1"/>
+                          </a:solidFill>
+                        </a:rPr>
+                        <a:t>Number(5)</a:t>
+                      </a:r>
+                      <a:endParaRPr lang="ko-KR" altLang="en-US" sz="1050" b="0" dirty="0">
+                        <a:solidFill>
+                          <a:schemeClr val="tx1"/>
+                        </a:solidFill>
+                      </a:endParaRPr>
+                    </a:p>
+                  </a:txBody>
+                  <a:tcPr anchor="ctr"/>
+                </a:tc>
+                <a:tc>
+                  <a:txBody>
+                    <a:bodyPr/>
+                    <a:lstStyle/>
+                    <a:p>
+                      <a:pPr algn="ctr" latinLnBrk="1"/>
+                      <a:r>
+                        <a:rPr lang="en-US" altLang="ko-KR" sz="1050" b="0" dirty="0" err="1" smtClean="0">
+                          <a:solidFill>
+                            <a:schemeClr val="tx1"/>
+                          </a:solidFill>
+                        </a:rPr>
+                        <a:t>incomeList_num</a:t>
+                      </a:r>
+                      <a:endParaRPr lang="ko-KR" altLang="en-US" sz="1050" b="0" dirty="0">
+                        <a:solidFill>
+                          <a:schemeClr val="tx1"/>
+                        </a:solidFill>
+                      </a:endParaRPr>
+                    </a:p>
+                  </a:txBody>
+                  <a:tcPr anchor="ctr"/>
+                </a:tc>
+              </a:tr>
+              <a:tr h="238127">
+                <a:tc>
+                  <a:txBody>
+                    <a:bodyPr/>
+                    <a:lstStyle/>
+                    <a:p>
+                      <a:pPr algn="ctr" latinLnBrk="1"/>
+                      <a:r>
+                        <a:rPr lang="ko-KR" altLang="en-US" sz="1050" b="0" dirty="0" smtClean="0">
+                          <a:solidFill>
+                            <a:schemeClr val="tx1"/>
+                          </a:solidFill>
+                        </a:rPr>
+                        <a:t>회원</a:t>
+                      </a:r>
+                      <a:r>
+                        <a:rPr lang="en-US" altLang="ko-KR" sz="1050" b="0" dirty="0" smtClean="0">
+                          <a:solidFill>
+                            <a:schemeClr val="tx1"/>
+                          </a:solidFill>
+                        </a:rPr>
+                        <a:t>ID</a:t>
+                      </a:r>
+                      <a:endParaRPr lang="ko-KR" altLang="en-US" sz="1050" b="0" dirty="0">
+                        <a:solidFill>
+                          <a:schemeClr val="tx1"/>
+                        </a:solidFill>
+                      </a:endParaRPr>
+                    </a:p>
+                  </a:txBody>
+                  <a:tcPr anchor="ctr"/>
+                </a:tc>
+                <a:tc>
+                  <a:txBody>
+                    <a:bodyPr/>
+                    <a:lstStyle/>
+                    <a:p>
+                      <a:pPr algn="ctr" latinLnBrk="1"/>
+                      <a:r>
+                        <a:rPr lang="en-US" altLang="ko-KR" sz="1050" b="0" dirty="0" smtClean="0">
+                          <a:solidFill>
+                            <a:schemeClr val="tx1"/>
+                          </a:solidFill>
+                        </a:rPr>
+                        <a:t>Varchar2(10)</a:t>
+                      </a:r>
+                      <a:endParaRPr lang="ko-KR" altLang="en-US" sz="1050" b="0" dirty="0">
+                        <a:solidFill>
+                          <a:schemeClr val="tx1"/>
+                        </a:solidFill>
+                      </a:endParaRPr>
+                    </a:p>
+                  </a:txBody>
+                  <a:tcPr anchor="ctr"/>
+                </a:tc>
+                <a:tc>
+                  <a:txBody>
+                    <a:bodyPr/>
+                    <a:lstStyle/>
+                    <a:p>
+                      <a:pPr algn="ctr" latinLnBrk="1"/>
+                      <a:r>
+                        <a:rPr lang="en-US" altLang="ko-KR" sz="1050" b="0" dirty="0" err="1" smtClean="0">
+                          <a:solidFill>
+                            <a:schemeClr val="tx1"/>
+                          </a:solidFill>
+                        </a:rPr>
+                        <a:t>member_id</a:t>
+                      </a:r>
+                      <a:endParaRPr lang="ko-KR" altLang="en-US" sz="1050" b="0" dirty="0">
+                        <a:solidFill>
+                          <a:schemeClr val="tx1"/>
+                        </a:solidFill>
+                      </a:endParaRPr>
+                    </a:p>
+                  </a:txBody>
+                  <a:tcPr anchor="ctr"/>
+                </a:tc>
+              </a:tr>
+              <a:tr h="245752">
+                <a:tc>
+                  <a:txBody>
+                    <a:bodyPr/>
+                    <a:lstStyle/>
+                    <a:p>
+                      <a:pPr algn="ctr" latinLnBrk="1"/>
+                      <a:r>
+                        <a:rPr lang="ko-KR" altLang="en-US" sz="1050" b="0" dirty="0" smtClean="0">
+                          <a:solidFill>
+                            <a:schemeClr val="tx1"/>
+                          </a:solidFill>
+                        </a:rPr>
+                        <a:t>수입비용</a:t>
+                      </a:r>
+                      <a:endParaRPr lang="ko-KR" altLang="en-US" sz="1050" b="0" dirty="0">
+                        <a:solidFill>
+                          <a:schemeClr val="tx1"/>
+                        </a:solidFill>
+                      </a:endParaRPr>
+                    </a:p>
+                  </a:txBody>
+                  <a:tcPr anchor="ctr"/>
+                </a:tc>
+                <a:tc>
+                  <a:txBody>
+                    <a:bodyPr/>
+                    <a:lstStyle/>
+                    <a:p>
+                      <a:pPr algn="ctr" latinLnBrk="1"/>
+                      <a:r>
+                        <a:rPr lang="en-US" altLang="ko-KR" sz="1050" b="0" dirty="0" smtClean="0">
+                          <a:solidFill>
+                            <a:schemeClr val="tx1"/>
+                          </a:solidFill>
+                        </a:rPr>
+                        <a:t>Number(10)</a:t>
+                      </a:r>
+                      <a:endParaRPr lang="ko-KR" altLang="en-US" sz="1050" b="0" dirty="0">
+                        <a:solidFill>
+                          <a:schemeClr val="tx1"/>
+                        </a:solidFill>
+                      </a:endParaRPr>
+                    </a:p>
+                  </a:txBody>
+                  <a:tcPr anchor="ctr"/>
+                </a:tc>
+                <a:tc>
+                  <a:txBody>
+                    <a:bodyPr/>
+                    <a:lstStyle/>
+                    <a:p>
+                      <a:pPr algn="ctr" latinLnBrk="1"/>
+                      <a:r>
+                        <a:rPr lang="en-US" altLang="ko-KR" sz="1050" b="0" dirty="0" err="1" smtClean="0">
+                          <a:solidFill>
+                            <a:schemeClr val="tx1"/>
+                          </a:solidFill>
+                        </a:rPr>
+                        <a:t>income_expense</a:t>
+                      </a:r>
+                      <a:endParaRPr lang="ko-KR" altLang="en-US" sz="1050" b="0" dirty="0">
+                        <a:solidFill>
+                          <a:schemeClr val="tx1"/>
+                        </a:solidFill>
+                      </a:endParaRPr>
+                    </a:p>
+                  </a:txBody>
+                  <a:tcPr anchor="ctr"/>
+                </a:tc>
+              </a:tr>
+              <a:tr h="238127">
+                <a:tc>
+                  <a:txBody>
+                    <a:bodyPr/>
+                    <a:lstStyle/>
+                    <a:p>
+                      <a:pPr algn="ctr" latinLnBrk="1"/>
+                      <a:r>
+                        <a:rPr lang="ko-KR" altLang="en-US" sz="1050" b="0" dirty="0" smtClean="0">
+                          <a:solidFill>
+                            <a:schemeClr val="tx1"/>
+                          </a:solidFill>
+                        </a:rPr>
+                        <a:t>수입날짜</a:t>
+                      </a:r>
+                      <a:endParaRPr lang="ko-KR" altLang="en-US" sz="1050" b="0" dirty="0">
+                        <a:solidFill>
+                          <a:schemeClr val="tx1"/>
+                        </a:solidFill>
+                      </a:endParaRPr>
+                    </a:p>
+                  </a:txBody>
+                  <a:tcPr anchor="ctr"/>
+                </a:tc>
+                <a:tc>
+                  <a:txBody>
+                    <a:bodyPr/>
+                    <a:lstStyle/>
+                    <a:p>
+                      <a:pPr algn="ctr" latinLnBrk="1"/>
+                      <a:r>
+                        <a:rPr lang="en-US" altLang="ko-KR" sz="1050" b="0" dirty="0" smtClean="0">
+                          <a:solidFill>
+                            <a:schemeClr val="tx1"/>
+                          </a:solidFill>
+                        </a:rPr>
+                        <a:t>Date</a:t>
+                      </a:r>
+                      <a:endParaRPr lang="ko-KR" altLang="en-US" sz="1050" b="0" dirty="0">
+                        <a:solidFill>
+                          <a:schemeClr val="tx1"/>
+                        </a:solidFill>
+                      </a:endParaRPr>
+                    </a:p>
+                  </a:txBody>
+                  <a:tcPr anchor="ctr"/>
+                </a:tc>
+                <a:tc>
+                  <a:txBody>
+                    <a:bodyPr/>
+                    <a:lstStyle/>
+                    <a:p>
+                      <a:pPr algn="ctr" latinLnBrk="1"/>
+                      <a:r>
+                        <a:rPr lang="en-US" altLang="ko-KR" sz="1050" b="0" dirty="0" err="1" smtClean="0">
+                          <a:solidFill>
+                            <a:schemeClr val="tx1"/>
+                          </a:solidFill>
+                        </a:rPr>
+                        <a:t>income_date</a:t>
+                      </a:r>
+                      <a:endParaRPr lang="ko-KR" altLang="en-US" sz="1050" b="0" dirty="0">
+                        <a:solidFill>
+                          <a:schemeClr val="tx1"/>
+                        </a:solidFill>
+                      </a:endParaRPr>
+                    </a:p>
+                  </a:txBody>
+                  <a:tcPr anchor="ctr"/>
+                </a:tc>
+              </a:tr>
+              <a:tr h="238127">
+                <a:tc>
+                  <a:txBody>
+                    <a:bodyPr/>
+                    <a:lstStyle/>
+                    <a:p>
+                      <a:pPr algn="ctr" latinLnBrk="1"/>
+                      <a:r>
+                        <a:rPr lang="ko-KR" altLang="en-US" sz="1050" b="0" dirty="0" smtClean="0">
+                          <a:solidFill>
+                            <a:schemeClr val="tx1"/>
+                          </a:solidFill>
+                        </a:rPr>
+                        <a:t>수입메모</a:t>
+                      </a:r>
+                      <a:endParaRPr lang="ko-KR" altLang="en-US" sz="1050" b="0" dirty="0">
+                        <a:solidFill>
+                          <a:schemeClr val="tx1"/>
+                        </a:solidFill>
+                      </a:endParaRPr>
+                    </a:p>
+                  </a:txBody>
+                  <a:tcPr anchor="ctr"/>
+                </a:tc>
+                <a:tc>
+                  <a:txBody>
+                    <a:bodyPr/>
+                    <a:lstStyle/>
+                    <a:p>
+                      <a:pPr algn="ctr" latinLnBrk="1"/>
+                      <a:r>
+                        <a:rPr lang="en-US" altLang="ko-KR" sz="1050" b="0" dirty="0" smtClean="0">
+                          <a:solidFill>
+                            <a:schemeClr val="tx1"/>
+                          </a:solidFill>
+                        </a:rPr>
+                        <a:t>Varchar2(100)</a:t>
+                      </a:r>
+                      <a:endParaRPr lang="ko-KR" altLang="en-US" sz="1050" b="0" dirty="0">
+                        <a:solidFill>
+                          <a:schemeClr val="tx1"/>
+                        </a:solidFill>
+                      </a:endParaRPr>
+                    </a:p>
+                  </a:txBody>
+                  <a:tcPr anchor="ctr"/>
+                </a:tc>
+                <a:tc>
+                  <a:txBody>
+                    <a:bodyPr/>
+                    <a:lstStyle/>
+                    <a:p>
+                      <a:pPr algn="ctr" latinLnBrk="1"/>
+                      <a:r>
+                        <a:rPr lang="en-US" altLang="ko-KR" sz="1050" b="0" dirty="0" err="1" smtClean="0">
+                          <a:solidFill>
+                            <a:schemeClr val="tx1"/>
+                          </a:solidFill>
+                        </a:rPr>
+                        <a:t>income_memo</a:t>
+                      </a:r>
+                      <a:endParaRPr lang="ko-KR" altLang="en-US" sz="1050" b="0" dirty="0">
+                        <a:solidFill>
+                          <a:schemeClr val="tx1"/>
+                        </a:solidFill>
+                      </a:endParaRPr>
+                    </a:p>
+                  </a:txBody>
+                  <a:tcPr anchor="ctr"/>
+                </a:tc>
+              </a:tr>
+            </a:tbl>
+          </a:graphicData>
+        </a:graphic>
+      </p:graphicFrame>
+      <p:graphicFrame>
+        <p:nvGraphicFramePr>
+          <p:cNvPr id="22" name="표 21"/>
+          <p:cNvGraphicFramePr>
+            <a:graphicFrameLocks noGrp="1"/>
+          </p:cNvGraphicFramePr>
+          <p:nvPr/>
+        </p:nvGraphicFramePr>
+        <p:xfrm>
+          <a:off x="5715008" y="3929066"/>
+          <a:ext cx="2357454" cy="1036320"/>
+        </p:xfrm>
+        <a:graphic>
+          <a:graphicData uri="http://schemas.openxmlformats.org/drawingml/2006/table">
+            <a:tbl>
+              <a:tblPr firstRow="1" bandRow="1">
+                <a:tableStyleId>{5C22544A-7EE6-4342-B048-85BDC9FD1C3A}</a:tableStyleId>
+              </a:tblPr>
+              <a:tblGrid>
+                <a:gridCol w="714380"/>
+                <a:gridCol w="928694"/>
+                <a:gridCol w="714380"/>
+              </a:tblGrid>
+              <a:tr h="243840">
+                <a:tc gridSpan="3">
+                  <a:txBody>
+                    <a:bodyPr/>
+                    <a:lstStyle/>
+                    <a:p>
+                      <a:pPr algn="ctr" latinLnBrk="1"/>
+                      <a:r>
+                        <a:rPr lang="ko-KR" altLang="en-US" sz="1000" dirty="0" smtClean="0"/>
+                        <a:t>지출분류</a:t>
+                      </a:r>
+                      <a:r>
+                        <a:rPr lang="en-US" altLang="ko-KR" sz="1000" dirty="0" smtClean="0"/>
+                        <a:t>[</a:t>
+                      </a:r>
+                      <a:r>
+                        <a:rPr lang="en-US" altLang="ko-KR" sz="1000" dirty="0" err="1" smtClean="0"/>
+                        <a:t>spendlist</a:t>
+                      </a:r>
+                      <a:r>
+                        <a:rPr lang="en-US" altLang="ko-KR" sz="1000" dirty="0" smtClean="0"/>
+                        <a:t>]</a:t>
+                      </a:r>
+                      <a:endParaRPr lang="ko-KR" altLang="en-US" sz="1000" dirty="0"/>
+                    </a:p>
+                  </a:txBody>
+                  <a:tcPr anchor="ctr"/>
+                </a:tc>
+                <a:tc hMerge="1">
+                  <a:txBody>
+                    <a:bodyPr/>
+                    <a:lstStyle/>
+                    <a:p>
+                      <a:pPr latinLnBrk="1"/>
+                      <a:endParaRPr lang="ko-KR" altLang="en-US" dirty="0"/>
+                    </a:p>
+                  </a:txBody>
+                  <a:tcPr/>
+                </a:tc>
+                <a:tc hMerge="1">
+                  <a:txBody>
+                    <a:bodyPr/>
+                    <a:lstStyle/>
+                    <a:p>
+                      <a:pPr latinLnBrk="1"/>
+                      <a:endParaRPr lang="ko-KR" altLang="en-US"/>
+                    </a:p>
+                  </a:txBody>
+                  <a:tcPr/>
+                </a:tc>
+              </a:tr>
+              <a:tr h="321471">
+                <a:tc>
+                  <a:txBody>
+                    <a:bodyPr/>
+                    <a:lstStyle/>
+                    <a:p>
+                      <a:pPr algn="ctr" latinLnBrk="1"/>
+                      <a:r>
+                        <a:rPr lang="ko-KR" altLang="en-US" sz="1000" b="0" i="0" dirty="0" smtClean="0">
+                          <a:solidFill>
+                            <a:srgbClr val="FF0000"/>
+                          </a:solidFill>
+                        </a:rPr>
+                        <a:t>지출항목번호</a:t>
+                      </a:r>
+                      <a:endParaRPr lang="ko-KR" altLang="en-US" sz="1000" b="0" i="0" dirty="0">
+                        <a:solidFill>
+                          <a:srgbClr val="FF0000"/>
+                        </a:solidFill>
+                      </a:endParaRPr>
+                    </a:p>
+                  </a:txBody>
+                  <a:tcPr anchor="ctr"/>
+                </a:tc>
+                <a:tc>
+                  <a:txBody>
+                    <a:bodyPr/>
+                    <a:lstStyle/>
+                    <a:p>
+                      <a:pPr algn="ctr" latinLnBrk="1"/>
+                      <a:r>
+                        <a:rPr lang="en-US" altLang="ko-KR" sz="1000" b="0" i="0" dirty="0" smtClean="0">
+                          <a:solidFill>
+                            <a:srgbClr val="FF0000"/>
+                          </a:solidFill>
+                        </a:rPr>
+                        <a:t>Number(5)</a:t>
+                      </a:r>
+                      <a:endParaRPr lang="ko-KR" altLang="en-US" sz="1000" b="0" i="0" dirty="0">
+                        <a:solidFill>
+                          <a:srgbClr val="FF0000"/>
+                        </a:solidFill>
+                      </a:endParaRPr>
+                    </a:p>
+                  </a:txBody>
+                  <a:tcPr anchor="ctr"/>
+                </a:tc>
+                <a:tc>
+                  <a:txBody>
+                    <a:bodyPr/>
+                    <a:lstStyle/>
+                    <a:p>
+                      <a:pPr algn="ctr" latinLnBrk="1"/>
+                      <a:r>
+                        <a:rPr lang="en-US" altLang="ko-KR" sz="1000" b="0" i="0" dirty="0" err="1" smtClean="0">
+                          <a:solidFill>
+                            <a:srgbClr val="FF0000"/>
+                          </a:solidFill>
+                        </a:rPr>
+                        <a:t>spend_num</a:t>
+                      </a:r>
+                      <a:endParaRPr lang="ko-KR" altLang="en-US" sz="1000" b="0" i="0" dirty="0">
+                        <a:solidFill>
+                          <a:srgbClr val="FF0000"/>
+                        </a:solidFill>
+                      </a:endParaRPr>
+                    </a:p>
+                  </a:txBody>
+                  <a:tcPr anchor="ctr"/>
+                </a:tc>
+              </a:tr>
+              <a:tr h="357190">
+                <a:tc>
+                  <a:txBody>
+                    <a:bodyPr/>
+                    <a:lstStyle/>
+                    <a:p>
+                      <a:r>
+                        <a:rPr lang="ko-KR" altLang="en-US" sz="1000" b="0" i="0" dirty="0" smtClean="0">
+                          <a:solidFill>
+                            <a:schemeClr val="tx1"/>
+                          </a:solidFill>
+                        </a:rPr>
+                        <a:t>지출분류</a:t>
+                      </a:r>
+                      <a:endParaRPr lang="ko-KR" altLang="en-US" sz="1000" b="0" i="0" dirty="0">
+                        <a:solidFill>
+                          <a:schemeClr val="tx1"/>
+                        </a:solidFill>
+                      </a:endParaRPr>
+                    </a:p>
+                  </a:txBody>
+                  <a:tcPr anchor="ctr"/>
+                </a:tc>
+                <a:tc>
+                  <a:txBody>
+                    <a:bodyPr/>
+                    <a:lstStyle/>
+                    <a:p>
+                      <a:r>
+                        <a:rPr lang="en-US" altLang="ko-KR" sz="1000" b="0" i="0" dirty="0" smtClean="0">
+                          <a:solidFill>
+                            <a:schemeClr val="tx1"/>
+                          </a:solidFill>
+                        </a:rPr>
+                        <a:t>Varchar2(10)</a:t>
+                      </a:r>
+                      <a:endParaRPr lang="ko-KR" altLang="en-US" sz="1000" b="0" i="0" dirty="0">
+                        <a:solidFill>
+                          <a:schemeClr val="tx1"/>
+                        </a:solidFill>
+                      </a:endParaRPr>
+                    </a:p>
+                  </a:txBody>
+                  <a:tcPr anchor="ctr"/>
+                </a:tc>
+                <a:tc>
+                  <a:txBody>
+                    <a:bodyPr/>
+                    <a:lstStyle/>
+                    <a:p>
+                      <a:pPr algn="ctr" latinLnBrk="1"/>
+                      <a:r>
+                        <a:rPr lang="en-US" altLang="ko-KR" sz="1000" b="0" i="0" dirty="0" err="1" smtClean="0">
+                          <a:solidFill>
+                            <a:schemeClr val="tx1"/>
+                          </a:solidFill>
+                        </a:rPr>
+                        <a:t>spend_name</a:t>
+                      </a:r>
+                      <a:endParaRPr lang="ko-KR" altLang="en-US" sz="1000" b="0" i="0" dirty="0">
+                        <a:solidFill>
+                          <a:schemeClr val="tx1"/>
+                        </a:solidFill>
+                      </a:endParaRPr>
+                    </a:p>
+                  </a:txBody>
+                  <a:tcPr anchor="ctr"/>
+                </a:tc>
+              </a:tr>
+            </a:tbl>
+          </a:graphicData>
+        </a:graphic>
+      </p:graphicFrame>
+      <p:graphicFrame>
+        <p:nvGraphicFramePr>
+          <p:cNvPr id="23" name="표 22"/>
+          <p:cNvGraphicFramePr>
+            <a:graphicFrameLocks noGrp="1"/>
+          </p:cNvGraphicFramePr>
+          <p:nvPr/>
+        </p:nvGraphicFramePr>
+        <p:xfrm>
+          <a:off x="357158" y="4071942"/>
+          <a:ext cx="2571769" cy="1036320"/>
+        </p:xfrm>
+        <a:graphic>
+          <a:graphicData uri="http://schemas.openxmlformats.org/drawingml/2006/table">
+            <a:tbl>
+              <a:tblPr firstRow="1" bandRow="1">
+                <a:tableStyleId>{5C22544A-7EE6-4342-B048-85BDC9FD1C3A}</a:tableStyleId>
+              </a:tblPr>
+              <a:tblGrid>
+                <a:gridCol w="779324"/>
+                <a:gridCol w="1013121"/>
+                <a:gridCol w="779324"/>
+              </a:tblGrid>
+              <a:tr h="0">
+                <a:tc gridSpan="3">
+                  <a:txBody>
+                    <a:bodyPr/>
+                    <a:lstStyle/>
+                    <a:p>
+                      <a:pPr algn="ctr" latinLnBrk="1"/>
+                      <a:r>
+                        <a:rPr lang="ko-KR" altLang="en-US" sz="1000" dirty="0" smtClean="0"/>
+                        <a:t>수입분류</a:t>
+                      </a:r>
+                      <a:r>
+                        <a:rPr lang="en-US" altLang="ko-KR" sz="1000" dirty="0" smtClean="0"/>
+                        <a:t>[</a:t>
+                      </a:r>
+                      <a:r>
+                        <a:rPr lang="en-US" altLang="ko-KR" sz="1000" dirty="0" err="1" smtClean="0"/>
+                        <a:t>incomelist</a:t>
+                      </a:r>
+                      <a:r>
+                        <a:rPr lang="en-US" altLang="ko-KR" sz="1000" dirty="0" smtClean="0"/>
+                        <a:t>]</a:t>
+                      </a:r>
+                      <a:endParaRPr lang="ko-KR" altLang="en-US" sz="1000" dirty="0"/>
+                    </a:p>
+                  </a:txBody>
+                  <a:tcPr anchor="ctr"/>
+                </a:tc>
+                <a:tc hMerge="1">
+                  <a:txBody>
+                    <a:bodyPr/>
+                    <a:lstStyle/>
+                    <a:p>
+                      <a:pPr latinLnBrk="1"/>
+                      <a:endParaRPr lang="ko-KR" altLang="en-US" dirty="0"/>
+                    </a:p>
+                  </a:txBody>
+                  <a:tcPr/>
+                </a:tc>
+                <a:tc hMerge="1">
+                  <a:txBody>
+                    <a:bodyPr/>
+                    <a:lstStyle/>
+                    <a:p>
+                      <a:pPr latinLnBrk="1"/>
+                      <a:endParaRPr lang="ko-KR" altLang="en-US"/>
+                    </a:p>
+                  </a:txBody>
+                  <a:tcPr/>
+                </a:tc>
+              </a:tr>
+              <a:tr h="204219">
+                <a:tc>
+                  <a:txBody>
+                    <a:bodyPr/>
+                    <a:lstStyle/>
+                    <a:p>
+                      <a:pPr algn="ctr" latinLnBrk="1"/>
+                      <a:r>
+                        <a:rPr lang="ko-KR" altLang="en-US" sz="1000" b="0" dirty="0" smtClean="0">
+                          <a:solidFill>
+                            <a:srgbClr val="FF0000"/>
+                          </a:solidFill>
+                        </a:rPr>
+                        <a:t>수입항목번호</a:t>
+                      </a:r>
+                      <a:endParaRPr lang="ko-KR" altLang="en-US" sz="1000" b="0" dirty="0">
+                        <a:solidFill>
+                          <a:srgbClr val="FF0000"/>
+                        </a:solidFill>
+                      </a:endParaRPr>
+                    </a:p>
+                  </a:txBody>
+                  <a:tcPr anchor="ctr"/>
+                </a:tc>
+                <a:tc>
+                  <a:txBody>
+                    <a:bodyPr/>
+                    <a:lstStyle/>
+                    <a:p>
+                      <a:pPr algn="ctr" latinLnBrk="1"/>
+                      <a:r>
+                        <a:rPr lang="en-US" altLang="ko-KR" sz="1000" b="0" dirty="0" smtClean="0">
+                          <a:solidFill>
+                            <a:srgbClr val="FF0000"/>
+                          </a:solidFill>
+                        </a:rPr>
+                        <a:t>Number(5)</a:t>
+                      </a:r>
+                      <a:endParaRPr lang="ko-KR" altLang="en-US" sz="1000" b="0" dirty="0">
+                        <a:solidFill>
+                          <a:srgbClr val="FF0000"/>
+                        </a:solidFill>
+                      </a:endParaRPr>
+                    </a:p>
+                  </a:txBody>
+                  <a:tcPr anchor="ctr"/>
+                </a:tc>
+                <a:tc>
+                  <a:txBody>
+                    <a:bodyPr/>
+                    <a:lstStyle/>
+                    <a:p>
+                      <a:pPr algn="ctr" latinLnBrk="1"/>
+                      <a:r>
+                        <a:rPr lang="en-US" altLang="ko-KR" sz="1000" b="0" dirty="0" err="1" smtClean="0">
+                          <a:solidFill>
+                            <a:srgbClr val="FF0000"/>
+                          </a:solidFill>
+                        </a:rPr>
+                        <a:t>incomelist_num</a:t>
+                      </a:r>
+                      <a:endParaRPr lang="ko-KR" altLang="en-US" sz="1000" b="0" dirty="0">
+                        <a:solidFill>
+                          <a:srgbClr val="FF0000"/>
+                        </a:solidFill>
+                      </a:endParaRPr>
+                    </a:p>
+                  </a:txBody>
+                  <a:tcPr anchor="ctr"/>
+                </a:tc>
+              </a:tr>
+              <a:tr h="226700">
+                <a:tc>
+                  <a:txBody>
+                    <a:bodyPr/>
+                    <a:lstStyle/>
+                    <a:p>
+                      <a:r>
+                        <a:rPr lang="ko-KR" altLang="en-US" sz="1000" b="0" dirty="0" smtClean="0">
+                          <a:solidFill>
+                            <a:schemeClr val="tx1"/>
+                          </a:solidFill>
+                        </a:rPr>
+                        <a:t>수입분류</a:t>
+                      </a:r>
+                      <a:endParaRPr lang="ko-KR" altLang="en-US" sz="1000" b="0" dirty="0">
+                        <a:solidFill>
+                          <a:schemeClr val="tx1"/>
+                        </a:solidFill>
+                      </a:endParaRPr>
+                    </a:p>
+                  </a:txBody>
+                  <a:tcPr anchor="ctr"/>
+                </a:tc>
+                <a:tc>
+                  <a:txBody>
+                    <a:bodyPr/>
+                    <a:lstStyle/>
+                    <a:p>
+                      <a:r>
+                        <a:rPr lang="en-US" altLang="ko-KR" sz="1000" b="0" dirty="0" smtClean="0">
+                          <a:solidFill>
+                            <a:schemeClr val="tx1"/>
+                          </a:solidFill>
+                        </a:rPr>
+                        <a:t> Varchar2(10)</a:t>
+                      </a:r>
+                      <a:endParaRPr lang="ko-KR" altLang="en-US" sz="1000" b="0" dirty="0">
+                        <a:solidFill>
+                          <a:schemeClr val="tx1"/>
+                        </a:solidFill>
+                      </a:endParaRPr>
+                    </a:p>
+                  </a:txBody>
+                  <a:tcPr anchor="ctr"/>
+                </a:tc>
+                <a:tc>
+                  <a:txBody>
+                    <a:bodyPr/>
+                    <a:lstStyle/>
+                    <a:p>
+                      <a:pPr algn="ctr" latinLnBrk="1"/>
+                      <a:r>
+                        <a:rPr lang="en-US" altLang="ko-KR" sz="1000" b="0" dirty="0" err="1" smtClean="0">
+                          <a:solidFill>
+                            <a:schemeClr val="tx1"/>
+                          </a:solidFill>
+                        </a:rPr>
+                        <a:t>incomelist_name</a:t>
+                      </a:r>
+                      <a:endParaRPr lang="ko-KR" altLang="en-US" sz="1000" b="0" dirty="0">
+                        <a:solidFill>
+                          <a:schemeClr val="tx1"/>
+                        </a:solidFill>
+                      </a:endParaRPr>
+                    </a:p>
+                  </a:txBody>
+                  <a:tcPr anchor="ctr"/>
+                </a:tc>
+              </a:tr>
+            </a:tbl>
+          </a:graphicData>
+        </a:graphic>
+      </p:graphicFrame>
+      <p:graphicFrame>
+        <p:nvGraphicFramePr>
+          <p:cNvPr id="26" name="표 25"/>
+          <p:cNvGraphicFramePr>
+            <a:graphicFrameLocks noGrp="1"/>
+          </p:cNvGraphicFramePr>
+          <p:nvPr/>
+        </p:nvGraphicFramePr>
+        <p:xfrm>
+          <a:off x="5715008" y="1714488"/>
+          <a:ext cx="3286148" cy="2042160"/>
+        </p:xfrm>
+        <a:graphic>
+          <a:graphicData uri="http://schemas.openxmlformats.org/drawingml/2006/table">
+            <a:tbl>
+              <a:tblPr firstRow="1" bandRow="1">
+                <a:tableStyleId>{5C22544A-7EE6-4342-B048-85BDC9FD1C3A}</a:tableStyleId>
+              </a:tblPr>
+              <a:tblGrid>
+                <a:gridCol w="1143008"/>
+                <a:gridCol w="1071570"/>
+                <a:gridCol w="1071570"/>
+              </a:tblGrid>
+              <a:tr h="238127">
+                <a:tc gridSpan="3">
+                  <a:txBody>
+                    <a:bodyPr/>
+                    <a:lstStyle/>
+                    <a:p>
+                      <a:pPr algn="ctr" latinLnBrk="1"/>
+                      <a:r>
+                        <a:rPr lang="ko-KR" altLang="en-US" sz="1400" dirty="0" smtClean="0"/>
+                        <a:t>매니저정보</a:t>
+                      </a:r>
+                      <a:r>
+                        <a:rPr lang="en-US" altLang="ko-KR" sz="1400" dirty="0" smtClean="0"/>
+                        <a:t>[</a:t>
+                      </a:r>
+                      <a:r>
+                        <a:rPr lang="en-US" altLang="ko-KR" sz="1400" dirty="0" err="1" smtClean="0"/>
+                        <a:t>manager</a:t>
+                      </a:r>
+                      <a:r>
+                        <a:rPr lang="en-US" altLang="ko-KR" sz="1400" baseline="0" dirty="0" err="1" smtClean="0"/>
+                        <a:t>_info</a:t>
+                      </a:r>
+                      <a:r>
+                        <a:rPr lang="en-US" altLang="ko-KR" sz="1400" baseline="0" dirty="0" smtClean="0"/>
+                        <a:t>]</a:t>
+                      </a:r>
+                      <a:endParaRPr lang="ko-KR" altLang="en-US" sz="1400" dirty="0"/>
+                    </a:p>
+                  </a:txBody>
+                  <a:tcPr anchor="ctr"/>
+                </a:tc>
+                <a:tc hMerge="1">
+                  <a:txBody>
+                    <a:bodyPr/>
+                    <a:lstStyle/>
+                    <a:p>
+                      <a:pPr latinLnBrk="1"/>
+                      <a:endParaRPr lang="ko-KR" altLang="en-US" dirty="0"/>
+                    </a:p>
+                  </a:txBody>
+                  <a:tcPr/>
+                </a:tc>
+                <a:tc hMerge="1">
+                  <a:txBody>
+                    <a:bodyPr/>
+                    <a:lstStyle/>
+                    <a:p>
+                      <a:pPr algn="ctr" latinLnBrk="1"/>
+                      <a:endParaRPr lang="ko-KR" altLang="en-US" sz="1400" dirty="0"/>
+                    </a:p>
+                  </a:txBody>
+                  <a:tcPr anchor="ctr"/>
+                </a:tc>
+              </a:tr>
+              <a:tr h="266704">
+                <a:tc>
+                  <a:txBody>
+                    <a:bodyPr/>
+                    <a:lstStyle/>
+                    <a:p>
+                      <a:pPr algn="ctr" latinLnBrk="1"/>
+                      <a:r>
+                        <a:rPr lang="ko-KR" altLang="en-US" sz="1000" b="0" dirty="0" err="1" smtClean="0">
+                          <a:solidFill>
+                            <a:srgbClr val="FF0000"/>
+                          </a:solidFill>
+                        </a:rPr>
+                        <a:t>메니저정보번호</a:t>
+                      </a:r>
+                      <a:endParaRPr lang="ko-KR" altLang="en-US" sz="1000" b="0" dirty="0">
+                        <a:solidFill>
+                          <a:srgbClr val="FF0000"/>
+                        </a:solidFill>
+                      </a:endParaRPr>
+                    </a:p>
+                  </a:txBody>
+                  <a:tcPr anchor="ctr"/>
+                </a:tc>
+                <a:tc>
+                  <a:txBody>
+                    <a:bodyPr/>
+                    <a:lstStyle/>
+                    <a:p>
+                      <a:pPr algn="ctr" latinLnBrk="1"/>
+                      <a:r>
+                        <a:rPr lang="en-US" altLang="ko-KR" sz="1000" b="0" dirty="0" smtClean="0">
+                          <a:solidFill>
+                            <a:srgbClr val="FF0000"/>
+                          </a:solidFill>
+                        </a:rPr>
+                        <a:t>Number(5)</a:t>
+                      </a:r>
+                      <a:endParaRPr lang="ko-KR" altLang="en-US" sz="1000" b="0" dirty="0">
+                        <a:solidFill>
+                          <a:srgbClr val="FF0000"/>
+                        </a:solidFill>
+                      </a:endParaRPr>
+                    </a:p>
+                  </a:txBody>
+                  <a:tcPr anchor="ctr"/>
+                </a:tc>
+                <a:tc>
+                  <a:txBody>
+                    <a:bodyPr/>
+                    <a:lstStyle/>
+                    <a:p>
+                      <a:pPr algn="ctr" latinLnBrk="1"/>
+                      <a:r>
+                        <a:rPr lang="en-US" altLang="ko-KR" sz="1050" b="0" dirty="0" err="1" smtClean="0">
+                          <a:solidFill>
+                            <a:srgbClr val="FF0000"/>
+                          </a:solidFill>
+                        </a:rPr>
+                        <a:t>Manager_Info_num</a:t>
+                      </a:r>
+                      <a:endParaRPr lang="ko-KR" altLang="en-US" sz="1050" b="0" dirty="0">
+                        <a:solidFill>
+                          <a:srgbClr val="FF0000"/>
+                        </a:solidFill>
+                      </a:endParaRPr>
+                    </a:p>
+                  </a:txBody>
+                  <a:tcPr anchor="ctr"/>
+                </a:tc>
+              </a:tr>
+              <a:tr h="238127">
+                <a:tc>
+                  <a:txBody>
+                    <a:bodyPr/>
+                    <a:lstStyle/>
+                    <a:p>
+                      <a:pPr algn="ctr" latinLnBrk="1"/>
+                      <a:r>
+                        <a:rPr lang="ko-KR" altLang="en-US" sz="1050" b="0" dirty="0" smtClean="0">
+                          <a:solidFill>
+                            <a:schemeClr val="tx1"/>
+                          </a:solidFill>
+                        </a:rPr>
+                        <a:t>회원</a:t>
+                      </a:r>
+                      <a:r>
+                        <a:rPr lang="en-US" altLang="ko-KR" sz="1050" b="0" dirty="0" smtClean="0">
+                          <a:solidFill>
+                            <a:schemeClr val="tx1"/>
+                          </a:solidFill>
+                        </a:rPr>
+                        <a:t>ID</a:t>
+                      </a:r>
+                      <a:endParaRPr lang="ko-KR" altLang="en-US" sz="1050" b="0" dirty="0">
+                        <a:solidFill>
+                          <a:schemeClr val="tx1"/>
+                        </a:solidFill>
+                      </a:endParaRPr>
+                    </a:p>
+                  </a:txBody>
+                  <a:tcPr anchor="ctr"/>
+                </a:tc>
+                <a:tc>
+                  <a:txBody>
+                    <a:bodyPr/>
+                    <a:lstStyle/>
+                    <a:p>
+                      <a:pPr algn="ctr" latinLnBrk="1"/>
+                      <a:r>
+                        <a:rPr lang="en-US" altLang="ko-KR" sz="1050" b="0" dirty="0" smtClean="0">
+                          <a:solidFill>
+                            <a:schemeClr val="tx1"/>
+                          </a:solidFill>
+                        </a:rPr>
+                        <a:t>Varchar2(10)</a:t>
+                      </a:r>
+                      <a:endParaRPr lang="ko-KR" altLang="en-US" sz="1050" b="0" dirty="0">
+                        <a:solidFill>
+                          <a:schemeClr val="tx1"/>
+                        </a:solidFill>
+                      </a:endParaRPr>
+                    </a:p>
+                  </a:txBody>
+                  <a:tcPr anchor="ctr"/>
+                </a:tc>
+                <a:tc>
+                  <a:txBody>
+                    <a:bodyPr/>
+                    <a:lstStyle/>
+                    <a:p>
+                      <a:pPr algn="ctr" latinLnBrk="1"/>
+                      <a:r>
+                        <a:rPr lang="en-US" altLang="ko-KR" sz="1050" b="0" dirty="0" err="1" smtClean="0">
+                          <a:solidFill>
+                            <a:schemeClr val="tx1"/>
+                          </a:solidFill>
+                        </a:rPr>
+                        <a:t>Member_id</a:t>
+                      </a:r>
+                      <a:endParaRPr lang="ko-KR" altLang="en-US" sz="1050" b="0" dirty="0">
+                        <a:solidFill>
+                          <a:schemeClr val="tx1"/>
+                        </a:solidFill>
+                      </a:endParaRPr>
+                    </a:p>
+                  </a:txBody>
+                  <a:tcPr anchor="ctr"/>
+                </a:tc>
+              </a:tr>
+              <a:tr h="238127">
+                <a:tc>
+                  <a:txBody>
+                    <a:bodyPr/>
+                    <a:lstStyle/>
+                    <a:p>
+                      <a:pPr algn="ctr" latinLnBrk="1"/>
+                      <a:r>
+                        <a:rPr lang="ko-KR" altLang="en-US" sz="1050" b="0" dirty="0" smtClean="0">
+                          <a:solidFill>
+                            <a:schemeClr val="tx1"/>
+                          </a:solidFill>
+                        </a:rPr>
+                        <a:t>자격증</a:t>
+                      </a:r>
+                      <a:endParaRPr lang="ko-KR" altLang="en-US" sz="1050" b="0" dirty="0">
+                        <a:solidFill>
+                          <a:schemeClr val="tx1"/>
+                        </a:solidFill>
+                      </a:endParaRPr>
+                    </a:p>
+                  </a:txBody>
+                  <a:tcPr anchor="ctr"/>
+                </a:tc>
+                <a:tc>
+                  <a:txBody>
+                    <a:bodyPr/>
+                    <a:lstStyle/>
+                    <a:p>
+                      <a:pPr algn="ctr" latinLnBrk="1"/>
+                      <a:r>
+                        <a:rPr lang="en-US" altLang="ko-KR" sz="1050" b="0" dirty="0" smtClean="0">
+                          <a:solidFill>
+                            <a:schemeClr val="tx1"/>
+                          </a:solidFill>
+                        </a:rPr>
+                        <a:t>Varchar2(10)</a:t>
+                      </a:r>
+                      <a:endParaRPr lang="ko-KR" altLang="en-US" sz="1050" b="0" dirty="0">
+                        <a:solidFill>
+                          <a:schemeClr val="tx1"/>
+                        </a:solidFill>
+                      </a:endParaRPr>
+                    </a:p>
+                  </a:txBody>
+                  <a:tcPr anchor="ctr"/>
+                </a:tc>
+                <a:tc>
+                  <a:txBody>
+                    <a:bodyPr/>
+                    <a:lstStyle/>
+                    <a:p>
+                      <a:pPr algn="ctr" latinLnBrk="1"/>
+                      <a:r>
+                        <a:rPr lang="en-US" altLang="ko-KR" sz="1050" b="0" dirty="0" err="1" smtClean="0">
+                          <a:solidFill>
+                            <a:schemeClr val="tx1"/>
+                          </a:solidFill>
+                        </a:rPr>
+                        <a:t>manager_license</a:t>
+                      </a:r>
+                      <a:endParaRPr lang="ko-KR" altLang="en-US" sz="1050" b="0" dirty="0">
+                        <a:solidFill>
+                          <a:schemeClr val="tx1"/>
+                        </a:solidFill>
+                      </a:endParaRPr>
+                    </a:p>
+                  </a:txBody>
+                  <a:tcPr anchor="ctr"/>
+                </a:tc>
+              </a:tr>
+              <a:tr h="245752">
+                <a:tc>
+                  <a:txBody>
+                    <a:bodyPr/>
+                    <a:lstStyle/>
+                    <a:p>
+                      <a:pPr algn="ctr" latinLnBrk="1"/>
+                      <a:r>
+                        <a:rPr lang="ko-KR" altLang="en-US" sz="1050" b="0" dirty="0" err="1" smtClean="0">
+                          <a:solidFill>
+                            <a:schemeClr val="tx1"/>
+                          </a:solidFill>
+                        </a:rPr>
+                        <a:t>관리회원수</a:t>
+                      </a:r>
+                      <a:endParaRPr lang="ko-KR" altLang="en-US" sz="1050" b="0" dirty="0">
+                        <a:solidFill>
+                          <a:schemeClr val="tx1"/>
+                        </a:solidFill>
+                      </a:endParaRPr>
+                    </a:p>
+                  </a:txBody>
+                  <a:tcPr anchor="ctr"/>
+                </a:tc>
+                <a:tc>
+                  <a:txBody>
+                    <a:bodyPr/>
+                    <a:lstStyle/>
+                    <a:p>
+                      <a:pPr algn="ctr" latinLnBrk="1"/>
+                      <a:r>
+                        <a:rPr lang="en-US" altLang="ko-KR" sz="1050" b="0" dirty="0" smtClean="0">
+                          <a:solidFill>
+                            <a:schemeClr val="tx1"/>
+                          </a:solidFill>
+                        </a:rPr>
+                        <a:t>Number(10)</a:t>
+                      </a:r>
+                      <a:endParaRPr lang="ko-KR" altLang="en-US" sz="1050" b="0" dirty="0">
+                        <a:solidFill>
+                          <a:schemeClr val="tx1"/>
+                        </a:solidFill>
+                      </a:endParaRPr>
+                    </a:p>
+                  </a:txBody>
+                  <a:tcPr anchor="ctr"/>
+                </a:tc>
+                <a:tc>
+                  <a:txBody>
+                    <a:bodyPr/>
+                    <a:lstStyle/>
+                    <a:p>
+                      <a:pPr algn="ctr" latinLnBrk="1"/>
+                      <a:r>
+                        <a:rPr lang="en-US" altLang="ko-KR" sz="1050" b="0" dirty="0" err="1" smtClean="0">
+                          <a:solidFill>
+                            <a:schemeClr val="tx1"/>
+                          </a:solidFill>
+                        </a:rPr>
+                        <a:t>Manage_member_num</a:t>
+                      </a:r>
+                      <a:endParaRPr lang="ko-KR" altLang="en-US" sz="1050" b="0" dirty="0">
+                        <a:solidFill>
+                          <a:schemeClr val="tx1"/>
+                        </a:solidFill>
+                      </a:endParaRPr>
+                    </a:p>
+                  </a:txBody>
+                  <a:tcPr anchor="ctr"/>
+                </a:tc>
+              </a:tr>
+              <a:tr h="238127">
+                <a:tc>
+                  <a:txBody>
+                    <a:bodyPr/>
+                    <a:lstStyle/>
+                    <a:p>
+                      <a:pPr algn="ctr" latinLnBrk="1"/>
+                      <a:r>
+                        <a:rPr lang="ko-KR" altLang="en-US" sz="1050" b="0" dirty="0" err="1" smtClean="0">
+                          <a:solidFill>
+                            <a:schemeClr val="tx1"/>
+                          </a:solidFill>
+                        </a:rPr>
+                        <a:t>경력년도</a:t>
+                      </a:r>
+                      <a:endParaRPr lang="ko-KR" altLang="en-US" sz="1050" b="0" dirty="0">
+                        <a:solidFill>
+                          <a:schemeClr val="tx1"/>
+                        </a:solidFill>
+                      </a:endParaRPr>
+                    </a:p>
+                  </a:txBody>
+                  <a:tcPr anchor="ctr"/>
+                </a:tc>
+                <a:tc>
+                  <a:txBody>
+                    <a:bodyPr/>
+                    <a:lstStyle/>
+                    <a:p>
+                      <a:pPr algn="ctr" latinLnBrk="1"/>
+                      <a:r>
+                        <a:rPr lang="en-US" altLang="ko-KR" sz="1050" b="0" dirty="0" smtClean="0">
+                          <a:solidFill>
+                            <a:schemeClr val="tx1"/>
+                          </a:solidFill>
+                        </a:rPr>
+                        <a:t>Varchar2(20)</a:t>
+                      </a:r>
+                      <a:endParaRPr lang="ko-KR" altLang="en-US" sz="1050" b="0" dirty="0">
+                        <a:solidFill>
+                          <a:schemeClr val="tx1"/>
+                        </a:solidFill>
+                      </a:endParaRPr>
+                    </a:p>
+                  </a:txBody>
+                  <a:tcPr anchor="ctr"/>
+                </a:tc>
+                <a:tc>
+                  <a:txBody>
+                    <a:bodyPr/>
+                    <a:lstStyle/>
+                    <a:p>
+                      <a:pPr algn="ctr" latinLnBrk="1"/>
+                      <a:r>
+                        <a:rPr lang="en-US" altLang="ko-KR" sz="1050" b="0" dirty="0" err="1" smtClean="0">
+                          <a:solidFill>
+                            <a:schemeClr val="tx1"/>
+                          </a:solidFill>
+                        </a:rPr>
+                        <a:t>career_date</a:t>
+                      </a:r>
+                      <a:endParaRPr lang="ko-KR" altLang="en-US" sz="1050" b="0" dirty="0">
+                        <a:solidFill>
+                          <a:schemeClr val="tx1"/>
+                        </a:solidFill>
+                      </a:endParaRPr>
+                    </a:p>
+                  </a:txBody>
+                  <a:tcPr anchor="ctr"/>
+                </a:tc>
+              </a:tr>
+            </a:tbl>
+          </a:graphicData>
+        </a:graphic>
+      </p:graphicFrame>
+      <p:cxnSp>
+        <p:nvCxnSpPr>
+          <p:cNvPr id="24" name="꺾인 연결선 23"/>
+          <p:cNvCxnSpPr/>
+          <p:nvPr/>
+        </p:nvCxnSpPr>
+        <p:spPr>
+          <a:xfrm rot="5400000">
+            <a:off x="2571736" y="785794"/>
+            <a:ext cx="857256" cy="428628"/>
+          </a:xfrm>
+          <a:prstGeom prst="bentConnector3">
+            <a:avLst>
+              <a:gd name="adj1" fmla="val 1"/>
+            </a:avLst>
+          </a:prstGeom>
+          <a:ln>
+            <a:tailEnd type="arrow"/>
+          </a:ln>
+        </p:spPr>
+        <p:style>
+          <a:lnRef idx="3">
+            <a:schemeClr val="accent2"/>
+          </a:lnRef>
+          <a:fillRef idx="0">
+            <a:schemeClr val="accent2"/>
+          </a:fillRef>
+          <a:effectRef idx="2">
+            <a:schemeClr val="accent2"/>
+          </a:effectRef>
+          <a:fontRef idx="minor">
+            <a:schemeClr val="tx1"/>
+          </a:fontRef>
+        </p:style>
+      </p:cxnSp>
+      <p:cxnSp>
+        <p:nvCxnSpPr>
+          <p:cNvPr id="34" name="꺾인 연결선 33"/>
+          <p:cNvCxnSpPr/>
+          <p:nvPr/>
+        </p:nvCxnSpPr>
+        <p:spPr>
+          <a:xfrm rot="5400000">
+            <a:off x="1285852" y="2500306"/>
+            <a:ext cx="4000528" cy="142876"/>
+          </a:xfrm>
+          <a:prstGeom prst="bentConnector3">
+            <a:avLst>
+              <a:gd name="adj1" fmla="val 50000"/>
+            </a:avLst>
+          </a:prstGeom>
+          <a:ln>
+            <a:tailEnd type="arrow"/>
+          </a:ln>
+        </p:spPr>
+        <p:style>
+          <a:lnRef idx="3">
+            <a:schemeClr val="accent3"/>
+          </a:lnRef>
+          <a:fillRef idx="0">
+            <a:schemeClr val="accent3"/>
+          </a:fillRef>
+          <a:effectRef idx="2">
+            <a:schemeClr val="accent3"/>
+          </a:effectRef>
+          <a:fontRef idx="minor">
+            <a:schemeClr val="tx1"/>
+          </a:fontRef>
+        </p:style>
+      </p:cxnSp>
+      <p:cxnSp>
+        <p:nvCxnSpPr>
+          <p:cNvPr id="44" name="꺾인 연결선 43"/>
+          <p:cNvCxnSpPr/>
+          <p:nvPr/>
+        </p:nvCxnSpPr>
+        <p:spPr>
+          <a:xfrm flipV="1">
+            <a:off x="3428992" y="357166"/>
+            <a:ext cx="2643206" cy="71438"/>
+          </a:xfrm>
+          <a:prstGeom prst="bentConnector3">
+            <a:avLst>
+              <a:gd name="adj1" fmla="val 50000"/>
+            </a:avLst>
+          </a:prstGeom>
+          <a:ln>
+            <a:tailEnd type="arrow"/>
+          </a:ln>
+        </p:spPr>
+        <p:style>
+          <a:lnRef idx="3">
+            <a:schemeClr val="accent6"/>
+          </a:lnRef>
+          <a:fillRef idx="0">
+            <a:schemeClr val="accent6"/>
+          </a:fillRef>
+          <a:effectRef idx="2">
+            <a:schemeClr val="accent6"/>
+          </a:effectRef>
+          <a:fontRef idx="minor">
+            <a:schemeClr val="tx1"/>
+          </a:fontRef>
+        </p:style>
+      </p:cxnSp>
+      <p:cxnSp>
+        <p:nvCxnSpPr>
+          <p:cNvPr id="52" name="꺾인 연결선 51"/>
+          <p:cNvCxnSpPr/>
+          <p:nvPr/>
+        </p:nvCxnSpPr>
+        <p:spPr>
+          <a:xfrm rot="16200000" flipH="1">
+            <a:off x="4750595" y="1321579"/>
+            <a:ext cx="2000264" cy="500066"/>
+          </a:xfrm>
+          <a:prstGeom prst="bentConnector3">
+            <a:avLst>
+              <a:gd name="adj1" fmla="val 50000"/>
+            </a:avLst>
+          </a:prstGeom>
+          <a:ln>
+            <a:tailEnd type="arrow"/>
+          </a:ln>
+        </p:spPr>
+        <p:style>
+          <a:lnRef idx="3">
+            <a:schemeClr val="accent4"/>
+          </a:lnRef>
+          <a:fillRef idx="0">
+            <a:schemeClr val="accent4"/>
+          </a:fillRef>
+          <a:effectRef idx="2">
+            <a:schemeClr val="accent4"/>
+          </a:effectRef>
+          <a:fontRef idx="minor">
+            <a:schemeClr val="tx1"/>
+          </a:fontRef>
+        </p:style>
+      </p:cxnSp>
+      <p:cxnSp>
+        <p:nvCxnSpPr>
+          <p:cNvPr id="61" name="꺾인 연결선 60"/>
+          <p:cNvCxnSpPr/>
+          <p:nvPr/>
+        </p:nvCxnSpPr>
+        <p:spPr>
+          <a:xfrm rot="5400000">
+            <a:off x="2393141" y="2607463"/>
+            <a:ext cx="1143008" cy="357190"/>
+          </a:xfrm>
+          <a:prstGeom prst="bentConnector3">
+            <a:avLst>
+              <a:gd name="adj1" fmla="val 100000"/>
+            </a:avLst>
+          </a:prstGeom>
+          <a:ln>
+            <a:tailEnd type="arrow"/>
+          </a:ln>
+        </p:spPr>
+        <p:style>
+          <a:lnRef idx="3">
+            <a:schemeClr val="accent6"/>
+          </a:lnRef>
+          <a:fillRef idx="0">
+            <a:schemeClr val="accent6"/>
+          </a:fillRef>
+          <a:effectRef idx="2">
+            <a:schemeClr val="accent6"/>
+          </a:effectRef>
+          <a:fontRef idx="minor">
+            <a:schemeClr val="tx1"/>
+          </a:fontRef>
+        </p:style>
+      </p:cxnSp>
+      <p:cxnSp>
+        <p:nvCxnSpPr>
+          <p:cNvPr id="68" name="꺾인 연결선 67"/>
+          <p:cNvCxnSpPr/>
+          <p:nvPr/>
+        </p:nvCxnSpPr>
+        <p:spPr>
+          <a:xfrm rot="5400000">
+            <a:off x="-1321635" y="2678901"/>
+            <a:ext cx="3643338" cy="142876"/>
+          </a:xfrm>
+          <a:prstGeom prst="bentConnector3">
+            <a:avLst>
+              <a:gd name="adj1" fmla="val -457"/>
+            </a:avLst>
+          </a:prstGeom>
+          <a:ln>
+            <a:tailEnd type="arrow"/>
+          </a:ln>
+        </p:spPr>
+        <p:style>
+          <a:lnRef idx="3">
+            <a:schemeClr val="accent2"/>
+          </a:lnRef>
+          <a:fillRef idx="0">
+            <a:schemeClr val="accent2"/>
+          </a:fillRef>
+          <a:effectRef idx="2">
+            <a:schemeClr val="accent2"/>
+          </a:effectRef>
+          <a:fontRef idx="minor">
+            <a:schemeClr val="tx1"/>
+          </a:fontRef>
+        </p:style>
+      </p:cxnSp>
+      <p:cxnSp>
+        <p:nvCxnSpPr>
+          <p:cNvPr id="81" name="직선 화살표 연결선 80"/>
+          <p:cNvCxnSpPr/>
+          <p:nvPr/>
+        </p:nvCxnSpPr>
+        <p:spPr>
+          <a:xfrm>
+            <a:off x="5429256" y="4071942"/>
+            <a:ext cx="357190" cy="285752"/>
+          </a:xfrm>
+          <a:prstGeom prst="straightConnector1">
+            <a:avLst/>
+          </a:prstGeom>
+          <a:ln>
+            <a:tailEnd type="arrow"/>
+          </a:ln>
+        </p:spPr>
+        <p:style>
+          <a:lnRef idx="3">
+            <a:schemeClr val="accent2"/>
+          </a:lnRef>
+          <a:fillRef idx="0">
+            <a:schemeClr val="accent2"/>
+          </a:fillRef>
+          <a:effectRef idx="2">
+            <a:schemeClr val="accent2"/>
+          </a:effectRef>
+          <a:fontRef idx="minor">
+            <a:schemeClr val="tx1"/>
+          </a:fontRef>
+        </p:style>
+      </p:cxnSp>
+      <p:cxnSp>
+        <p:nvCxnSpPr>
+          <p:cNvPr id="84" name="꺾인 연결선 83"/>
+          <p:cNvCxnSpPr/>
+          <p:nvPr/>
+        </p:nvCxnSpPr>
+        <p:spPr>
+          <a:xfrm>
+            <a:off x="5500694" y="571480"/>
+            <a:ext cx="571504" cy="428628"/>
+          </a:xfrm>
+          <a:prstGeom prst="bentConnector3">
+            <a:avLst>
+              <a:gd name="adj1" fmla="val 50000"/>
+            </a:avLst>
+          </a:prstGeom>
+          <a:ln>
+            <a:tailEnd type="arrow"/>
+          </a:ln>
+        </p:spPr>
+        <p:style>
+          <a:lnRef idx="3">
+            <a:schemeClr val="accent5"/>
+          </a:lnRef>
+          <a:fillRef idx="0">
+            <a:schemeClr val="accent5"/>
+          </a:fillRef>
+          <a:effectRef idx="2">
+            <a:schemeClr val="accent5"/>
+          </a:effectRef>
+          <a:fontRef idx="minor">
+            <a:schemeClr val="tx1"/>
+          </a:fontRef>
+        </p:style>
+      </p:cxnSp>
+    </p:spTree>
+    <p:extLst>
+      <p:ext uri="{BB962C8B-B14F-4D97-AF65-F5344CB8AC3E}">
+        <p14:creationId xmlns:p14="http://schemas.microsoft.com/office/powerpoint/2010/main" val="846194274"/>
+      </p:ext>
+    </p:extLst>
+  </p:cSld>
+  <p:clrMapOvr>
+    <a:masterClrMapping/>
+  </p:clrMapOvr>
+  <p:timing>
+    <p:tnLst>
+      <p:par>
+        <p:cTn id="1" dur="indefinite" restart="never" nodeType="tmRoot"/>
+      </p:par>
+    </p:tnLst>
+  </p:timing>
+</p:sld>
+</file>
+
+<file path=ppt/slides/slide12.xml><?xml version="1.0" encoding="utf-8"?>
+<p:sld xmlns:a="http://schemas.openxmlformats.org/drawingml/2006/main" xmlns:r="http://schemas.openxmlformats.org/officeDocument/2006/relationships" xmlns:p="http://schemas.openxmlformats.org/presentationml/2006/main">
+  <p:cSld>
+    <p:spTree>
+      <p:nvGrpSpPr>
+        <p:cNvPr id="1" name=""/>
+        <p:cNvGrpSpPr/>
+        <p:nvPr/>
+      </p:nvGrpSpPr>
+      <p:grpSpPr>
+        <a:xfrm>
+          <a:off x="0" y="0"/>
+          <a:ext cx="0" cy="0"/>
+          <a:chOff x="0" y="0"/>
+          <a:chExt cx="0" cy="0"/>
+        </a:xfrm>
+      </p:grpSpPr>
       <p:sp>
         <p:nvSpPr>
           <p:cNvPr id="4" name="직사각형 3"/>
@@ -3709,15 +7637,23 @@
           <a:p>
             <a:pPr algn="r"/>
             <a:r>
-              <a:rPr lang="en-US" altLang="ko-KR" dirty="0" smtClean="0"/>
+              <a:rPr lang="en-US" altLang="ko-KR" dirty="0"/>
               <a:t>XX</a:t>
             </a:r>
             <a:r>
-              <a:rPr lang="ko-KR" altLang="en-US" dirty="0" smtClean="0"/>
+              <a:rPr lang="ko-KR" altLang="en-US" dirty="0"/>
               <a:t>님 </a:t>
             </a:r>
             <a:r>
-              <a:rPr lang="ko-KR" altLang="en-US" u="sng" dirty="0" smtClean="0"/>
+              <a:rPr lang="ko-KR" altLang="en-US" u="sng" dirty="0" err="1"/>
+              <a:t>마이페이지</a:t>
+            </a:r>
+            <a:r>
+              <a:rPr lang="ko-KR" altLang="en-US" dirty="0"/>
+              <a:t> </a:t>
+            </a:r>
+            <a:r>
+              <a:rPr lang="ko-KR" altLang="en-US" u="sng" dirty="0"/>
               <a:t>로그아웃</a:t>
             </a:r>
             <a:endParaRPr lang="ko-KR" altLang="en-US" u="sng" dirty="0"/>
@@ -4047,407 +7983,6 @@
     <p:extLst>
       <p:ext uri="{BB962C8B-B14F-4D97-AF65-F5344CB8AC3E}">
         <p14:creationId xmlns:p14="http://schemas.microsoft.com/office/powerpoint/2010/main" val="4110683018"/>
-      </p:ext>
-    </p:extLst>
-  </p:cSld>
-  <p:clrMapOvr>
-    <a:masterClrMapping/>
-  </p:clrMapOvr>
-</p:sld>
-</file>
-
-<file path=ppt/slides/slide12.xml><?xml version="1.0" encoding="utf-8"?>
-<p:sld xmlns:a="http://schemas.openxmlformats.org/drawingml/2006/main" xmlns:r="http://schemas.openxmlformats.org/officeDocument/2006/relationships" xmlns:p="http://schemas.openxmlformats.org/presentationml/2006/main">
-  <p:cSld>
-    <p:spTree>
-      <p:nvGrpSpPr>
-        <p:cNvPr id="1" name=""/>
-        <p:cNvGrpSpPr/>
-        <p:nvPr/>
-      </p:nvGrpSpPr>
-      <p:grpSpPr>
-        <a:xfrm>
-          <a:off x="0" y="0"/>
-          <a:ext cx="0" cy="0"/>
-          <a:chOff x="0" y="0"/>
-          <a:chExt cx="0" cy="0"/>
-        </a:xfrm>
-      </p:grpSpPr>
-      <p:sp>
-        <p:nvSpPr>
-          <p:cNvPr id="4" name="직사각형 3"/>
-          <p:cNvSpPr/>
-          <p:nvPr/>
-        </p:nvSpPr>
-        <p:spPr>
-          <a:xfrm>
-            <a:off x="174976" y="901316"/>
-            <a:ext cx="8784976" cy="432048"/>
-          </a:xfrm>
-          <a:prstGeom prst="rect">
-            <a:avLst/>
-          </a:prstGeom>
-        </p:spPr>
-        <p:style>
-          <a:lnRef idx="2">
-            <a:schemeClr val="accent1">
-              <a:shade val="50000"/>
-            </a:schemeClr>
-          </a:lnRef>
-          <a:fillRef idx="1">
-            <a:schemeClr val="accent1"/>
-          </a:fillRef>
-          <a:effectRef idx="0">
-            <a:schemeClr val="accent1"/>
-          </a:effectRef>
-          <a:fontRef idx="minor">
-            <a:schemeClr val="lt1"/>
-          </a:fontRef>
-        </p:style>
-        <p:txBody>
-          <a:bodyPr rtlCol="0" anchor="ctr"/>
-          <a:lstStyle/>
-          <a:p>
-            <a:pPr algn="r"/>
-            <a:r>
-              <a:rPr lang="en-US" altLang="ko-KR" dirty="0" smtClean="0"/>
-              <a:t>XX</a:t>
-            </a:r>
-            <a:r>
-              <a:rPr lang="ko-KR" altLang="en-US" dirty="0" smtClean="0"/>
-              <a:t>님 </a:t>
-            </a:r>
-            <a:r>
-              <a:rPr lang="ko-KR" altLang="en-US" u="sng" dirty="0" smtClean="0"/>
-              <a:t>로그아웃</a:t>
-            </a:r>
-            <a:endParaRPr lang="ko-KR" altLang="en-US" u="sng" dirty="0"/>
-          </a:p>
-        </p:txBody>
-      </p:sp>
-      <p:sp>
-        <p:nvSpPr>
-          <p:cNvPr id="5" name="직사각형 4"/>
-          <p:cNvSpPr/>
-          <p:nvPr/>
-        </p:nvSpPr>
-        <p:spPr>
-          <a:xfrm>
-            <a:off x="179512" y="116632"/>
-            <a:ext cx="8784976" cy="648072"/>
-          </a:xfrm>
-          <a:prstGeom prst="rect">
-            <a:avLst/>
-          </a:prstGeom>
-        </p:spPr>
-        <p:style>
-          <a:lnRef idx="2">
-            <a:schemeClr val="accent1">
-              <a:shade val="50000"/>
-            </a:schemeClr>
-          </a:lnRef>
-          <a:fillRef idx="1">
-            <a:schemeClr val="accent1"/>
-          </a:fillRef>
-          <a:effectRef idx="0">
-            <a:schemeClr val="accent1"/>
-          </a:effectRef>
-          <a:fontRef idx="minor">
-            <a:schemeClr val="lt1"/>
-          </a:fontRef>
-        </p:style>
-        <p:txBody>
-          <a:bodyPr rtlCol="0" anchor="ctr"/>
-          <a:lstStyle/>
-          <a:p>
-            <a:pPr algn="ctr"/>
-            <a:r>
-              <a:rPr lang="ko-KR" altLang="en-US" smtClean="0"/>
-              <a:t>가계</a:t>
-            </a:r>
-            <a:r>
-              <a:rPr lang="ko-KR" altLang="en-US"/>
-              <a:t>부</a:t>
-            </a:r>
-          </a:p>
-        </p:txBody>
-      </p:sp>
-      <p:sp>
-        <p:nvSpPr>
-          <p:cNvPr id="8" name="직사각형 7"/>
-          <p:cNvSpPr/>
-          <p:nvPr/>
-        </p:nvSpPr>
-        <p:spPr>
-          <a:xfrm>
-            <a:off x="2321488" y="1455072"/>
-            <a:ext cx="6638464" cy="5286296"/>
-          </a:xfrm>
-          <a:prstGeom prst="rect">
-            <a:avLst/>
-          </a:prstGeom>
-        </p:spPr>
-        <p:style>
-          <a:lnRef idx="2">
-            <a:schemeClr val="accent1">
-              <a:shade val="50000"/>
-            </a:schemeClr>
-          </a:lnRef>
-          <a:fillRef idx="1">
-            <a:schemeClr val="accent1"/>
-          </a:fillRef>
-          <a:effectRef idx="0">
-            <a:schemeClr val="accent1"/>
-          </a:effectRef>
-          <a:fontRef idx="minor">
-            <a:schemeClr val="lt1"/>
-          </a:fontRef>
-        </p:style>
-        <p:txBody>
-          <a:bodyPr rtlCol="0" anchor="ctr"/>
-          <a:lstStyle/>
-          <a:p>
-            <a:pPr algn="ctr"/>
-            <a:endParaRPr lang="ko-KR" altLang="en-US" dirty="0"/>
-          </a:p>
-        </p:txBody>
-      </p:sp>
-      <p:sp>
-        <p:nvSpPr>
-          <p:cNvPr id="9" name="직사각형 8"/>
-          <p:cNvSpPr/>
-          <p:nvPr/>
-        </p:nvSpPr>
-        <p:spPr>
-          <a:xfrm>
-            <a:off x="179512" y="1455072"/>
-            <a:ext cx="2016224" cy="5286296"/>
-          </a:xfrm>
-          <a:prstGeom prst="rect">
-            <a:avLst/>
-          </a:prstGeom>
-        </p:spPr>
-        <p:style>
-          <a:lnRef idx="2">
-            <a:schemeClr val="accent1">
-              <a:shade val="50000"/>
-            </a:schemeClr>
-          </a:lnRef>
-          <a:fillRef idx="1">
-            <a:schemeClr val="accent1"/>
-          </a:fillRef>
-          <a:effectRef idx="0">
-            <a:schemeClr val="accent1"/>
-          </a:effectRef>
-          <a:fontRef idx="minor">
-            <a:schemeClr val="lt1"/>
-          </a:fontRef>
-        </p:style>
-        <p:txBody>
-          <a:bodyPr rtlCol="0" anchor="ctr"/>
-          <a:lstStyle/>
-          <a:p>
-            <a:pPr algn="ctr"/>
-            <a:r>
-              <a:rPr lang="ko-KR" altLang="en-US" dirty="0" smtClean="0"/>
-              <a:t>지출</a:t>
-            </a:r>
-            <a:endParaRPr lang="en-US" altLang="ko-KR" dirty="0" smtClean="0"/>
-          </a:p>
-          <a:p>
-            <a:pPr algn="ctr"/>
-            <a:endParaRPr lang="en-US" altLang="ko-KR" dirty="0"/>
-          </a:p>
-          <a:p>
-            <a:pPr algn="ctr"/>
-            <a:r>
-              <a:rPr lang="ko-KR" altLang="en-US" dirty="0" smtClean="0"/>
-              <a:t>수입</a:t>
-            </a:r>
-            <a:endParaRPr lang="en-US" altLang="ko-KR" dirty="0" smtClean="0"/>
-          </a:p>
-          <a:p>
-            <a:pPr algn="ctr"/>
-            <a:endParaRPr lang="en-US" altLang="ko-KR" dirty="0"/>
-          </a:p>
-          <a:p>
-            <a:pPr algn="ctr"/>
-            <a:r>
-              <a:rPr lang="ko-KR" altLang="en-US" dirty="0" smtClean="0"/>
-              <a:t>통계</a:t>
-            </a:r>
-            <a:endParaRPr lang="en-US" altLang="ko-KR" dirty="0" smtClean="0"/>
-          </a:p>
-        </p:txBody>
-      </p:sp>
-      <p:sp>
-        <p:nvSpPr>
-          <p:cNvPr id="10" name="모서리가 둥근 직사각형 9"/>
-          <p:cNvSpPr/>
-          <p:nvPr/>
-        </p:nvSpPr>
-        <p:spPr>
-          <a:xfrm>
-            <a:off x="7141384" y="1634560"/>
-            <a:ext cx="720080" cy="360040"/>
-          </a:xfrm>
-          <a:prstGeom prst="roundRect">
-            <a:avLst/>
-          </a:prstGeom>
-        </p:spPr>
-        <p:style>
-          <a:lnRef idx="2">
-            <a:schemeClr val="accent2">
-              <a:shade val="50000"/>
-            </a:schemeClr>
-          </a:lnRef>
-          <a:fillRef idx="1">
-            <a:schemeClr val="accent2"/>
-          </a:fillRef>
-          <a:effectRef idx="0">
-            <a:schemeClr val="accent2"/>
-          </a:effectRef>
-          <a:fontRef idx="minor">
-            <a:schemeClr val="lt1"/>
-          </a:fontRef>
-        </p:style>
-        <p:txBody>
-          <a:bodyPr rtlCol="0" anchor="ctr"/>
-          <a:lstStyle/>
-          <a:p>
-            <a:pPr algn="ctr"/>
-            <a:r>
-              <a:rPr lang="ko-KR" altLang="en-US" dirty="0" smtClean="0"/>
-              <a:t>삭제</a:t>
-            </a:r>
-            <a:endParaRPr lang="ko-KR" altLang="en-US" dirty="0"/>
-          </a:p>
-        </p:txBody>
-      </p:sp>
-      <p:sp>
-        <p:nvSpPr>
-          <p:cNvPr id="11" name="모서리가 둥근 직사각형 10"/>
-          <p:cNvSpPr/>
-          <p:nvPr/>
-        </p:nvSpPr>
-        <p:spPr>
-          <a:xfrm>
-            <a:off x="8028384" y="1634560"/>
-            <a:ext cx="720080" cy="360040"/>
-          </a:xfrm>
-          <a:prstGeom prst="roundRect">
-            <a:avLst/>
-          </a:prstGeom>
-        </p:spPr>
-        <p:style>
-          <a:lnRef idx="2">
-            <a:schemeClr val="accent2">
-              <a:shade val="50000"/>
-            </a:schemeClr>
-          </a:lnRef>
-          <a:fillRef idx="1">
-            <a:schemeClr val="accent2"/>
-          </a:fillRef>
-          <a:effectRef idx="0">
-            <a:schemeClr val="accent2"/>
-          </a:effectRef>
-          <a:fontRef idx="minor">
-            <a:schemeClr val="lt1"/>
-          </a:fontRef>
-        </p:style>
-        <p:txBody>
-          <a:bodyPr rtlCol="0" anchor="ctr"/>
-          <a:lstStyle/>
-          <a:p>
-            <a:pPr algn="ctr"/>
-            <a:r>
-              <a:rPr lang="ko-KR" altLang="en-US" dirty="0" smtClean="0"/>
-              <a:t>추가</a:t>
-            </a:r>
-            <a:endParaRPr lang="ko-KR" altLang="en-US" dirty="0"/>
-          </a:p>
-        </p:txBody>
-      </p:sp>
-      <p:sp>
-        <p:nvSpPr>
-          <p:cNvPr id="13" name="직사각형 12"/>
-          <p:cNvSpPr/>
-          <p:nvPr/>
-        </p:nvSpPr>
-        <p:spPr>
-          <a:xfrm>
-            <a:off x="2555776" y="2132856"/>
-            <a:ext cx="6264696" cy="4392488"/>
-          </a:xfrm>
-          <a:prstGeom prst="rect">
-            <a:avLst/>
-          </a:prstGeom>
-        </p:spPr>
-        <p:style>
-          <a:lnRef idx="2">
-            <a:schemeClr val="accent2"/>
-          </a:lnRef>
-          <a:fillRef idx="1">
-            <a:schemeClr val="lt1"/>
-          </a:fillRef>
-          <a:effectRef idx="0">
-            <a:schemeClr val="accent2"/>
-          </a:effectRef>
-          <a:fontRef idx="minor">
-            <a:schemeClr val="dk1"/>
-          </a:fontRef>
-        </p:style>
-        <p:txBody>
-          <a:bodyPr rtlCol="0" anchor="ctr"/>
-          <a:lstStyle/>
-          <a:p>
-            <a:pPr algn="ctr"/>
-            <a:endParaRPr lang="ko-KR" altLang="en-US"/>
-          </a:p>
-        </p:txBody>
-      </p:sp>
-      <p:sp>
-        <p:nvSpPr>
-          <p:cNvPr id="15" name="직사각형 14"/>
-          <p:cNvSpPr/>
-          <p:nvPr/>
-        </p:nvSpPr>
-        <p:spPr>
-          <a:xfrm>
-            <a:off x="2555776" y="2465512"/>
-            <a:ext cx="6264696" cy="4059832"/>
-          </a:xfrm>
-          <a:prstGeom prst="rect">
-            <a:avLst/>
-          </a:prstGeom>
-        </p:spPr>
-        <p:style>
-          <a:lnRef idx="2">
-            <a:schemeClr val="accent2"/>
-          </a:lnRef>
-          <a:fillRef idx="1">
-            <a:schemeClr val="lt1"/>
-          </a:fillRef>
-          <a:effectRef idx="0">
-            <a:schemeClr val="accent2"/>
-          </a:effectRef>
-          <a:fontRef idx="minor">
-            <a:schemeClr val="dk1"/>
-          </a:fontRef>
-        </p:style>
-        <p:txBody>
-          <a:bodyPr rtlCol="0" anchor="ctr"/>
-          <a:lstStyle/>
-          <a:p>
-            <a:pPr algn="ctr"/>
-            <a:endParaRPr lang="ko-KR" altLang="en-US"/>
-          </a:p>
-        </p:txBody>
-      </p:sp>
-    </p:spTree>
-    <p:extLst>
-      <p:ext uri="{BB962C8B-B14F-4D97-AF65-F5344CB8AC3E}">
-        <p14:creationId xmlns:p14="http://schemas.microsoft.com/office/powerpoint/2010/main" val="3873739207"/>
       </p:ext>
     </p:extLst>
   </p:cSld>
@@ -4511,23 +8046,23 @@
           <a:p>
             <a:pPr algn="r"/>
             <a:r>
-              <a:rPr lang="en-US" altLang="ko-KR" dirty="0" smtClean="0"/>
+              <a:rPr lang="en-US" altLang="ko-KR" dirty="0"/>
               <a:t>XX</a:t>
             </a:r>
             <a:r>
-              <a:rPr lang="ko-KR" altLang="en-US" dirty="0" smtClean="0"/>
+              <a:rPr lang="ko-KR" altLang="en-US" dirty="0"/>
               <a:t>님 </a:t>
             </a:r>
             <a:r>
-              <a:rPr lang="ko-KR" altLang="en-US" u="sng" dirty="0" err="1" smtClean="0"/>
+              <a:rPr lang="ko-KR" altLang="en-US" u="sng" dirty="0" err="1"/>
               <a:t>마이페이지</a:t>
             </a:r>
             <a:r>
-              <a:rPr lang="ko-KR" altLang="en-US" dirty="0" smtClean="0"/>
+              <a:rPr lang="ko-KR" altLang="en-US" dirty="0"/>
               <a:t> </a:t>
             </a:r>
             <a:r>
-              <a:rPr lang="ko-KR" altLang="en-US" u="sng" dirty="0" smtClean="0"/>
+              <a:rPr lang="ko-KR" altLang="en-US" u="sng" dirty="0"/>
               <a:t>로그아웃</a:t>
             </a:r>
             <a:endParaRPr lang="ko-KR" altLang="en-US" u="sng" dirty="0"/>
@@ -4682,68 +8217,111 @@
           <a:p>
             <a:pPr algn="ctr"/>
             <a:r>
-              <a:rPr lang="ko-KR" altLang="en-US" b="1" u="sng" dirty="0" smtClean="0"/>
+              <a:rPr lang="ko-KR" altLang="en-US" dirty="0" smtClean="0"/>
               <a:t>통계</a:t>
             </a:r>
-            <a:endParaRPr lang="en-US" altLang="ko-KR" b="1" u="sng" dirty="0" smtClean="0"/>
-          </a:p>
-          <a:p>
-            <a:pPr marL="285750" indent="-285750" algn="ctr">
-              <a:buFontTx/>
-              <a:buChar char="-"/>
-            </a:pPr>
-            <a:r>
-              <a:rPr lang="ko-KR" altLang="en-US" b="1" u="sng" dirty="0" smtClean="0"/>
-              <a:t>지출 </a:t>
-            </a:r>
-            <a:r>
-              <a:rPr lang="ko-KR" altLang="en-US" b="1" u="sng" dirty="0" err="1" smtClean="0"/>
-              <a:t>분류별</a:t>
-            </a:r>
-            <a:endParaRPr lang="en-US" altLang="ko-KR" b="1" u="sng" dirty="0" smtClean="0"/>
-          </a:p>
-          <a:p>
-            <a:pPr marL="285750" indent="-285750" algn="ctr">
-              <a:buFontTx/>
-              <a:buChar char="-"/>
-            </a:pPr>
-            <a:r>
-              <a:rPr lang="ko-KR" altLang="en-US" b="1" u="sng" dirty="0" smtClean="0"/>
-              <a:t>수입 </a:t>
-            </a:r>
-            <a:r>
-              <a:rPr lang="ko-KR" altLang="en-US" b="1" u="sng" dirty="0" err="1" smtClean="0"/>
-              <a:t>분류별</a:t>
-            </a:r>
-            <a:endParaRPr lang="en-US" altLang="ko-KR" b="1" u="sng" dirty="0" smtClean="0"/>
-          </a:p>
-          <a:p>
-            <a:pPr marL="285750" indent="-285750" algn="ctr">
-              <a:buFontTx/>
-              <a:buChar char="-"/>
-            </a:pPr>
-            <a:r>
-              <a:rPr lang="ko-KR" altLang="en-US" b="1" u="sng" dirty="0" smtClean="0"/>
-              <a:t>매니저 </a:t>
-            </a:r>
-            <a:r>
-              <a:rPr lang="ko-KR" altLang="en-US" b="1" u="sng" dirty="0" err="1" smtClean="0"/>
-              <a:t>멘트</a:t>
-            </a:r>
-            <a:endParaRPr lang="ko-KR" altLang="en-US" b="1" u="sng" dirty="0"/>
-          </a:p>
-        </p:txBody>
-      </p:sp>
-      <p:sp>
-        <p:nvSpPr>
-          <p:cNvPr id="2" name="직사각형 1"/>
+            <a:endParaRPr lang="en-US" altLang="ko-KR" dirty="0" smtClean="0"/>
+          </a:p>
+        </p:txBody>
+      </p:sp>
+      <p:sp>
+        <p:nvSpPr>
+          <p:cNvPr id="10" name="모서리가 둥근 직사각형 9"/>
           <p:cNvSpPr/>
           <p:nvPr/>
         </p:nvSpPr>
         <p:spPr>
           <a:xfrm>
-            <a:off x="2555776" y="1700808"/>
-            <a:ext cx="6192688" cy="936104"/>
+            <a:off x="7141384" y="1634560"/>
+            <a:ext cx="720080" cy="360040"/>
+          </a:xfrm>
+          <a:prstGeom prst="roundRect">
+            <a:avLst/>
+          </a:prstGeom>
+        </p:spPr>
+        <p:style>
+          <a:lnRef idx="2">
+            <a:schemeClr val="accent2">
+              <a:shade val="50000"/>
+            </a:schemeClr>
+          </a:lnRef>
+          <a:fillRef idx="1">
+            <a:schemeClr val="accent2"/>
+          </a:fillRef>
+          <a:effectRef idx="0">
+            <a:schemeClr val="accent2"/>
+          </a:effectRef>
+          <a:fontRef idx="minor">
+            <a:schemeClr val="lt1"/>
+          </a:fontRef>
+        </p:style>
+        <p:txBody>
+          <a:bodyPr rtlCol="0" anchor="ctr"/>
+          <a:lstStyle/>
+          <a:p>
+            <a:pPr algn="ctr"/>
+            <a:r>
+              <a:rPr lang="ko-KR" altLang="en-US" dirty="0" smtClean="0"/>
+              <a:t>삭제</a:t>
+            </a:r>
+            <a:endParaRPr lang="ko-KR" altLang="en-US" dirty="0"/>
+          </a:p>
+        </p:txBody>
+      </p:sp>
+      <p:sp>
+        <p:nvSpPr>
+          <p:cNvPr id="11" name="모서리가 둥근 직사각형 10"/>
+          <p:cNvSpPr/>
+          <p:nvPr/>
+        </p:nvSpPr>
+        <p:spPr>
+          <a:xfrm>
+            <a:off x="8028384" y="1634560"/>
+            <a:ext cx="720080" cy="360040"/>
+          </a:xfrm>
+          <a:prstGeom prst="roundRect">
+            <a:avLst/>
+          </a:prstGeom>
+        </p:spPr>
+        <p:style>
+          <a:lnRef idx="2">
+            <a:schemeClr val="accent2">
+              <a:shade val="50000"/>
+            </a:schemeClr>
+          </a:lnRef>
+          <a:fillRef idx="1">
+            <a:schemeClr val="accent2"/>
+          </a:fillRef>
+          <a:effectRef idx="0">
+            <a:schemeClr val="accent2"/>
+          </a:effectRef>
+          <a:fontRef idx="minor">
+            <a:schemeClr val="lt1"/>
+          </a:fontRef>
+        </p:style>
+        <p:txBody>
+          <a:bodyPr rtlCol="0" anchor="ctr"/>
+          <a:lstStyle/>
+          <a:p>
+            <a:pPr algn="ctr"/>
+            <a:r>
+              <a:rPr lang="ko-KR" altLang="en-US" dirty="0" smtClean="0"/>
+              <a:t>추가</a:t>
+            </a:r>
+            <a:endParaRPr lang="ko-KR" altLang="en-US" dirty="0"/>
+          </a:p>
+        </p:txBody>
+      </p:sp>
+      <p:sp>
+        <p:nvSpPr>
+          <p:cNvPr id="13" name="직사각형 12"/>
+          <p:cNvSpPr/>
+          <p:nvPr/>
+        </p:nvSpPr>
+        <p:spPr>
+          <a:xfrm>
+            <a:off x="2555776" y="2132856"/>
+            <a:ext cx="6264696" cy="4392488"/>
           </a:xfrm>
           <a:prstGeom prst="rect">
             <a:avLst/>
@@ -4751,18 +8329,16 @@
         </p:spPr>
         <p:style>
           <a:lnRef idx="2">
-            <a:schemeClr val="accent6">
-              <a:shade val="50000"/>
-            </a:schemeClr>
+            <a:schemeClr val="accent2"/>
           </a:lnRef>
           <a:fillRef idx="1">
-            <a:schemeClr val="accent6"/>
+            <a:schemeClr val="lt1"/>
           </a:fillRef>
           <a:effectRef idx="0">
-            <a:schemeClr val="accent6"/>
+            <a:schemeClr val="accent2"/>
           </a:effectRef>
           <a:fontRef idx="minor">
-            <a:schemeClr val="lt1"/>
+            <a:schemeClr val="dk1"/>
           </a:fontRef>
         </p:style>
         <p:txBody>
@@ -4770,32 +8346,20 @@
           <a:lstStyle/>
           <a:p>
             <a:pPr algn="ctr"/>
-            <a:r>
-              <a:rPr lang="ko-KR" altLang="en-US" dirty="0" smtClean="0"/>
-              <a:t>지출 얼마</a:t>
-            </a:r>
-            <a:endParaRPr lang="en-US" altLang="ko-KR" dirty="0" smtClean="0"/>
-          </a:p>
-          <a:p>
-            <a:pPr algn="ctr"/>
-            <a:r>
-              <a:rPr lang="ko-KR" altLang="en-US" dirty="0" smtClean="0"/>
-              <a:t>수입 얼마</a:t>
-            </a:r>
-            <a:endParaRPr lang="ko-KR" altLang="en-US" dirty="0"/>
-          </a:p>
-        </p:txBody>
-      </p:sp>
-      <p:sp>
-        <p:nvSpPr>
-          <p:cNvPr id="12" name="직사각형 11"/>
+            <a:endParaRPr lang="ko-KR" altLang="en-US"/>
+          </a:p>
+        </p:txBody>
+      </p:sp>
+      <p:sp>
+        <p:nvSpPr>
+          <p:cNvPr id="15" name="직사각형 14"/>
           <p:cNvSpPr/>
           <p:nvPr/>
         </p:nvSpPr>
         <p:spPr>
           <a:xfrm>
-            <a:off x="2578656" y="2780928"/>
-            <a:ext cx="6192688" cy="576064"/>
+            <a:off x="2555776" y="2465512"/>
+            <a:ext cx="6264696" cy="4059832"/>
           </a:xfrm>
           <a:prstGeom prst="rect">
             <a:avLst/>
@@ -4803,18 +8367,16 @@
         </p:spPr>
         <p:style>
           <a:lnRef idx="2">
-            <a:schemeClr val="accent6">
-              <a:shade val="50000"/>
-            </a:schemeClr>
+            <a:schemeClr val="accent2"/>
           </a:lnRef>
           <a:fillRef idx="1">
-            <a:schemeClr val="accent6"/>
+            <a:schemeClr val="lt1"/>
           </a:fillRef>
           <a:effectRef idx="0">
-            <a:schemeClr val="accent6"/>
+            <a:schemeClr val="accent2"/>
           </a:effectRef>
           <a:fontRef idx="minor">
-            <a:schemeClr val="lt1"/>
+            <a:schemeClr val="dk1"/>
           </a:fontRef>
         </p:style>
         <p:txBody>
@@ -4822,62 +8384,14 @@
           <a:lstStyle/>
           <a:p>
             <a:pPr algn="ctr"/>
-            <a:r>
-              <a:rPr lang="ko-KR" altLang="en-US" smtClean="0"/>
-              <a:t>매니저 코멘트</a:t>
-            </a:r>
-            <a:endParaRPr lang="ko-KR" altLang="en-US" dirty="0"/>
-          </a:p>
-        </p:txBody>
-      </p:sp>
-      <p:sp>
-        <p:nvSpPr>
-          <p:cNvPr id="14" name="직사각형 13"/>
-          <p:cNvSpPr/>
-          <p:nvPr/>
-        </p:nvSpPr>
-        <p:spPr>
-          <a:xfrm>
-            <a:off x="2578656" y="3498148"/>
-            <a:ext cx="6192688" cy="2883180"/>
-          </a:xfrm>
-          <a:prstGeom prst="rect">
-            <a:avLst/>
-          </a:prstGeom>
-        </p:spPr>
-        <p:style>
-          <a:lnRef idx="2">
-            <a:schemeClr val="accent6">
-              <a:shade val="50000"/>
-            </a:schemeClr>
-          </a:lnRef>
-          <a:fillRef idx="1">
-            <a:schemeClr val="accent6"/>
-          </a:fillRef>
-          <a:effectRef idx="0">
-            <a:schemeClr val="accent6"/>
-          </a:effectRef>
-          <a:fontRef idx="minor">
-            <a:schemeClr val="lt1"/>
-          </a:fontRef>
-        </p:style>
-        <p:txBody>
-          <a:bodyPr rtlCol="0" anchor="ctr"/>
-          <a:lstStyle/>
-          <a:p>
-            <a:pPr algn="ctr"/>
-            <a:r>
-              <a:rPr lang="ko-KR" altLang="en-US" dirty="0" smtClean="0"/>
-              <a:t>게시판</a:t>
-            </a:r>
-            <a:endParaRPr lang="ko-KR" altLang="en-US" dirty="0"/>
+            <a:endParaRPr lang="ko-KR" altLang="en-US"/>
           </a:p>
         </p:txBody>
       </p:sp>
     </p:spTree>
     <p:extLst>
       <p:ext uri="{BB962C8B-B14F-4D97-AF65-F5344CB8AC3E}">
-        <p14:creationId xmlns:p14="http://schemas.microsoft.com/office/powerpoint/2010/main" val="3350546903"/>
+        <p14:creationId xmlns:p14="http://schemas.microsoft.com/office/powerpoint/2010/main" val="3873739207"/>
       </p:ext>
     </p:extLst>
   </p:cSld>
@@ -5088,6 +8602,436 @@
           <a:p>
             <a:pPr algn="ctr"/>
             <a:r>
+              <a:rPr lang="ko-KR" altLang="en-US" dirty="0" smtClean="0"/>
+              <a:t>지출</a:t>
+            </a:r>
+            <a:endParaRPr lang="en-US" altLang="ko-KR" dirty="0" smtClean="0"/>
+          </a:p>
+          <a:p>
+            <a:pPr algn="ctr"/>
+            <a:endParaRPr lang="en-US" altLang="ko-KR" dirty="0"/>
+          </a:p>
+          <a:p>
+            <a:pPr algn="ctr"/>
+            <a:r>
+              <a:rPr lang="ko-KR" altLang="en-US" dirty="0" smtClean="0"/>
+              <a:t>수입</a:t>
+            </a:r>
+            <a:endParaRPr lang="en-US" altLang="ko-KR" dirty="0" smtClean="0"/>
+          </a:p>
+          <a:p>
+            <a:pPr algn="ctr"/>
+            <a:endParaRPr lang="en-US" altLang="ko-KR" dirty="0"/>
+          </a:p>
+          <a:p>
+            <a:pPr algn="ctr"/>
+            <a:r>
+              <a:rPr lang="ko-KR" altLang="en-US" b="1" u="sng" dirty="0" smtClean="0"/>
+              <a:t>통계</a:t>
+            </a:r>
+            <a:endParaRPr lang="en-US" altLang="ko-KR" b="1" u="sng" dirty="0" smtClean="0"/>
+          </a:p>
+          <a:p>
+            <a:pPr marL="285750" indent="-285750" algn="ctr">
+              <a:buFontTx/>
+              <a:buChar char="-"/>
+            </a:pPr>
+            <a:r>
+              <a:rPr lang="ko-KR" altLang="en-US" b="1" u="sng" dirty="0" smtClean="0"/>
+              <a:t>지출 </a:t>
+            </a:r>
+            <a:r>
+              <a:rPr lang="ko-KR" altLang="en-US" b="1" u="sng" dirty="0" err="1" smtClean="0"/>
+              <a:t>분류별</a:t>
+            </a:r>
+            <a:endParaRPr lang="en-US" altLang="ko-KR" b="1" u="sng" dirty="0" smtClean="0"/>
+          </a:p>
+          <a:p>
+            <a:pPr marL="285750" indent="-285750" algn="ctr">
+              <a:buFontTx/>
+              <a:buChar char="-"/>
+            </a:pPr>
+            <a:r>
+              <a:rPr lang="ko-KR" altLang="en-US" b="1" u="sng" dirty="0" smtClean="0"/>
+              <a:t>수입 </a:t>
+            </a:r>
+            <a:r>
+              <a:rPr lang="ko-KR" altLang="en-US" b="1" u="sng" dirty="0" err="1" smtClean="0"/>
+              <a:t>분류별</a:t>
+            </a:r>
+            <a:endParaRPr lang="en-US" altLang="ko-KR" b="1" u="sng" dirty="0" smtClean="0"/>
+          </a:p>
+          <a:p>
+            <a:pPr marL="285750" indent="-285750" algn="ctr">
+              <a:buFontTx/>
+              <a:buChar char="-"/>
+            </a:pPr>
+            <a:r>
+              <a:rPr lang="ko-KR" altLang="en-US" b="1" u="sng" dirty="0" smtClean="0"/>
+              <a:t>매니저 </a:t>
+            </a:r>
+            <a:r>
+              <a:rPr lang="ko-KR" altLang="en-US" b="1" u="sng" dirty="0" err="1" smtClean="0"/>
+              <a:t>멘트</a:t>
+            </a:r>
+            <a:endParaRPr lang="ko-KR" altLang="en-US" b="1" u="sng" dirty="0"/>
+          </a:p>
+        </p:txBody>
+      </p:sp>
+      <p:sp>
+        <p:nvSpPr>
+          <p:cNvPr id="2" name="직사각형 1"/>
+          <p:cNvSpPr/>
+          <p:nvPr/>
+        </p:nvSpPr>
+        <p:spPr>
+          <a:xfrm>
+            <a:off x="2555776" y="1700808"/>
+            <a:ext cx="6192688" cy="936104"/>
+          </a:xfrm>
+          <a:prstGeom prst="rect">
+            <a:avLst/>
+          </a:prstGeom>
+        </p:spPr>
+        <p:style>
+          <a:lnRef idx="2">
+            <a:schemeClr val="accent6">
+              <a:shade val="50000"/>
+            </a:schemeClr>
+          </a:lnRef>
+          <a:fillRef idx="1">
+            <a:schemeClr val="accent6"/>
+          </a:fillRef>
+          <a:effectRef idx="0">
+            <a:schemeClr val="accent6"/>
+          </a:effectRef>
+          <a:fontRef idx="minor">
+            <a:schemeClr val="lt1"/>
+          </a:fontRef>
+        </p:style>
+        <p:txBody>
+          <a:bodyPr rtlCol="0" anchor="ctr"/>
+          <a:lstStyle/>
+          <a:p>
+            <a:pPr algn="ctr"/>
+            <a:r>
+              <a:rPr lang="ko-KR" altLang="en-US" dirty="0" smtClean="0"/>
+              <a:t>지출 얼마</a:t>
+            </a:r>
+            <a:endParaRPr lang="en-US" altLang="ko-KR" dirty="0" smtClean="0"/>
+          </a:p>
+          <a:p>
+            <a:pPr algn="ctr"/>
+            <a:r>
+              <a:rPr lang="ko-KR" altLang="en-US" dirty="0" smtClean="0"/>
+              <a:t>수입 얼마</a:t>
+            </a:r>
+            <a:endParaRPr lang="ko-KR" altLang="en-US" dirty="0"/>
+          </a:p>
+        </p:txBody>
+      </p:sp>
+      <p:sp>
+        <p:nvSpPr>
+          <p:cNvPr id="12" name="직사각형 11"/>
+          <p:cNvSpPr/>
+          <p:nvPr/>
+        </p:nvSpPr>
+        <p:spPr>
+          <a:xfrm>
+            <a:off x="2578656" y="2780928"/>
+            <a:ext cx="6192688" cy="576064"/>
+          </a:xfrm>
+          <a:prstGeom prst="rect">
+            <a:avLst/>
+          </a:prstGeom>
+        </p:spPr>
+        <p:style>
+          <a:lnRef idx="2">
+            <a:schemeClr val="accent6">
+              <a:shade val="50000"/>
+            </a:schemeClr>
+          </a:lnRef>
+          <a:fillRef idx="1">
+            <a:schemeClr val="accent6"/>
+          </a:fillRef>
+          <a:effectRef idx="0">
+            <a:schemeClr val="accent6"/>
+          </a:effectRef>
+          <a:fontRef idx="minor">
+            <a:schemeClr val="lt1"/>
+          </a:fontRef>
+        </p:style>
+        <p:txBody>
+          <a:bodyPr rtlCol="0" anchor="ctr"/>
+          <a:lstStyle/>
+          <a:p>
+            <a:pPr algn="ctr"/>
+            <a:r>
+              <a:rPr lang="ko-KR" altLang="en-US" smtClean="0"/>
+              <a:t>매니저 코멘트</a:t>
+            </a:r>
+            <a:endParaRPr lang="ko-KR" altLang="en-US" dirty="0"/>
+          </a:p>
+        </p:txBody>
+      </p:sp>
+      <p:sp>
+        <p:nvSpPr>
+          <p:cNvPr id="14" name="직사각형 13"/>
+          <p:cNvSpPr/>
+          <p:nvPr/>
+        </p:nvSpPr>
+        <p:spPr>
+          <a:xfrm>
+            <a:off x="2578656" y="3498148"/>
+            <a:ext cx="6192688" cy="2883180"/>
+          </a:xfrm>
+          <a:prstGeom prst="rect">
+            <a:avLst/>
+          </a:prstGeom>
+        </p:spPr>
+        <p:style>
+          <a:lnRef idx="2">
+            <a:schemeClr val="accent6">
+              <a:shade val="50000"/>
+            </a:schemeClr>
+          </a:lnRef>
+          <a:fillRef idx="1">
+            <a:schemeClr val="accent6"/>
+          </a:fillRef>
+          <a:effectRef idx="0">
+            <a:schemeClr val="accent6"/>
+          </a:effectRef>
+          <a:fontRef idx="minor">
+            <a:schemeClr val="lt1"/>
+          </a:fontRef>
+        </p:style>
+        <p:txBody>
+          <a:bodyPr rtlCol="0" anchor="ctr"/>
+          <a:lstStyle/>
+          <a:p>
+            <a:pPr algn="ctr"/>
+            <a:r>
+              <a:rPr lang="ko-KR" altLang="en-US" dirty="0" smtClean="0"/>
+              <a:t>게시판</a:t>
+            </a:r>
+            <a:endParaRPr lang="ko-KR" altLang="en-US" dirty="0"/>
+          </a:p>
+        </p:txBody>
+      </p:sp>
+    </p:spTree>
+    <p:extLst>
+      <p:ext uri="{BB962C8B-B14F-4D97-AF65-F5344CB8AC3E}">
+        <p14:creationId xmlns:p14="http://schemas.microsoft.com/office/powerpoint/2010/main" val="3350546903"/>
+      </p:ext>
+    </p:extLst>
+  </p:cSld>
+  <p:clrMapOvr>
+    <a:masterClrMapping/>
+  </p:clrMapOvr>
+</p:sld>
+</file>
+
+<file path=ppt/slides/slide15.xml><?xml version="1.0" encoding="utf-8"?>
+<p:sld xmlns:a="http://schemas.openxmlformats.org/drawingml/2006/main" xmlns:r="http://schemas.openxmlformats.org/officeDocument/2006/relationships" xmlns:p="http://schemas.openxmlformats.org/presentationml/2006/main">
+  <p:cSld>
+    <p:spTree>
+      <p:nvGrpSpPr>
+        <p:cNvPr id="1" name=""/>
+        <p:cNvGrpSpPr/>
+        <p:nvPr/>
+      </p:nvGrpSpPr>
+      <p:grpSpPr>
+        <a:xfrm>
+          <a:off x="0" y="0"/>
+          <a:ext cx="0" cy="0"/>
+          <a:chOff x="0" y="0"/>
+          <a:chExt cx="0" cy="0"/>
+        </a:xfrm>
+      </p:grpSpPr>
+      <p:sp>
+        <p:nvSpPr>
+          <p:cNvPr id="4" name="직사각형 3"/>
+          <p:cNvSpPr/>
+          <p:nvPr/>
+        </p:nvSpPr>
+        <p:spPr>
+          <a:xfrm>
+            <a:off x="174976" y="901316"/>
+            <a:ext cx="8784976" cy="432048"/>
+          </a:xfrm>
+          <a:prstGeom prst="rect">
+            <a:avLst/>
+          </a:prstGeom>
+        </p:spPr>
+        <p:style>
+          <a:lnRef idx="2">
+            <a:schemeClr val="accent1">
+              <a:shade val="50000"/>
+            </a:schemeClr>
+          </a:lnRef>
+          <a:fillRef idx="1">
+            <a:schemeClr val="accent1"/>
+          </a:fillRef>
+          <a:effectRef idx="0">
+            <a:schemeClr val="accent1"/>
+          </a:effectRef>
+          <a:fontRef idx="minor">
+            <a:schemeClr val="lt1"/>
+          </a:fontRef>
+        </p:style>
+        <p:txBody>
+          <a:bodyPr rtlCol="0" anchor="ctr"/>
+          <a:lstStyle/>
+          <a:p>
+            <a:pPr algn="r"/>
+            <a:r>
+              <a:rPr lang="en-US" altLang="ko-KR" dirty="0" smtClean="0"/>
+              <a:t>XX</a:t>
+            </a:r>
+            <a:r>
+              <a:rPr lang="ko-KR" altLang="en-US" dirty="0" smtClean="0"/>
+              <a:t>님 </a:t>
+            </a:r>
+            <a:r>
+              <a:rPr lang="ko-KR" altLang="en-US" u="sng" dirty="0" err="1" smtClean="0"/>
+              <a:t>마이페이지</a:t>
+            </a:r>
+            <a:r>
+              <a:rPr lang="ko-KR" altLang="en-US" dirty="0" smtClean="0"/>
+              <a:t> </a:t>
+            </a:r>
+            <a:r>
+              <a:rPr lang="ko-KR" altLang="en-US" u="sng" dirty="0" smtClean="0"/>
+              <a:t>로그아웃</a:t>
+            </a:r>
+            <a:endParaRPr lang="ko-KR" altLang="en-US" u="sng" dirty="0"/>
+          </a:p>
+        </p:txBody>
+      </p:sp>
+      <p:sp>
+        <p:nvSpPr>
+          <p:cNvPr id="5" name="직사각형 4"/>
+          <p:cNvSpPr/>
+          <p:nvPr/>
+        </p:nvSpPr>
+        <p:spPr>
+          <a:xfrm>
+            <a:off x="179512" y="116632"/>
+            <a:ext cx="8784976" cy="648072"/>
+          </a:xfrm>
+          <a:prstGeom prst="rect">
+            <a:avLst/>
+          </a:prstGeom>
+        </p:spPr>
+        <p:style>
+          <a:lnRef idx="2">
+            <a:schemeClr val="accent1">
+              <a:shade val="50000"/>
+            </a:schemeClr>
+          </a:lnRef>
+          <a:fillRef idx="1">
+            <a:schemeClr val="accent1"/>
+          </a:fillRef>
+          <a:effectRef idx="0">
+            <a:schemeClr val="accent1"/>
+          </a:effectRef>
+          <a:fontRef idx="minor">
+            <a:schemeClr val="lt1"/>
+          </a:fontRef>
+        </p:style>
+        <p:txBody>
+          <a:bodyPr rtlCol="0" anchor="ctr"/>
+          <a:lstStyle/>
+          <a:p>
+            <a:pPr algn="ctr"/>
+            <a:r>
+              <a:rPr lang="ko-KR" altLang="en-US" smtClean="0"/>
+              <a:t>가계</a:t>
+            </a:r>
+            <a:r>
+              <a:rPr lang="ko-KR" altLang="en-US"/>
+              <a:t>부</a:t>
+            </a:r>
+          </a:p>
+        </p:txBody>
+      </p:sp>
+      <p:sp>
+        <p:nvSpPr>
+          <p:cNvPr id="8" name="직사각형 7"/>
+          <p:cNvSpPr/>
+          <p:nvPr/>
+        </p:nvSpPr>
+        <p:spPr>
+          <a:xfrm>
+            <a:off x="2321488" y="1455072"/>
+            <a:ext cx="6638464" cy="5286296"/>
+          </a:xfrm>
+          <a:prstGeom prst="rect">
+            <a:avLst/>
+          </a:prstGeom>
+        </p:spPr>
+        <p:style>
+          <a:lnRef idx="2">
+            <a:schemeClr val="accent1">
+              <a:shade val="50000"/>
+            </a:schemeClr>
+          </a:lnRef>
+          <a:fillRef idx="1">
+            <a:schemeClr val="accent1"/>
+          </a:fillRef>
+          <a:effectRef idx="0">
+            <a:schemeClr val="accent1"/>
+          </a:effectRef>
+          <a:fontRef idx="minor">
+            <a:schemeClr val="lt1"/>
+          </a:fontRef>
+        </p:style>
+        <p:txBody>
+          <a:bodyPr rtlCol="0" anchor="ctr"/>
+          <a:lstStyle/>
+          <a:p>
+            <a:pPr algn="ctr"/>
+            <a:endParaRPr lang="ko-KR" altLang="en-US" dirty="0"/>
+          </a:p>
+        </p:txBody>
+      </p:sp>
+      <p:sp>
+        <p:nvSpPr>
+          <p:cNvPr id="9" name="직사각형 8"/>
+          <p:cNvSpPr/>
+          <p:nvPr/>
+        </p:nvSpPr>
+        <p:spPr>
+          <a:xfrm>
+            <a:off x="179512" y="1455072"/>
+            <a:ext cx="2016224" cy="5286296"/>
+          </a:xfrm>
+          <a:prstGeom prst="rect">
+            <a:avLst/>
+          </a:prstGeom>
+        </p:spPr>
+        <p:style>
+          <a:lnRef idx="2">
+            <a:schemeClr val="accent1">
+              <a:shade val="50000"/>
+            </a:schemeClr>
+          </a:lnRef>
+          <a:fillRef idx="1">
+            <a:schemeClr val="accent1"/>
+          </a:fillRef>
+          <a:effectRef idx="0">
+            <a:schemeClr val="accent1"/>
+          </a:effectRef>
+          <a:fontRef idx="minor">
+            <a:schemeClr val="lt1"/>
+          </a:fontRef>
+        </p:style>
+        <p:txBody>
+          <a:bodyPr rtlCol="0" anchor="ctr"/>
+          <a:lstStyle/>
+          <a:p>
+            <a:pPr algn="ctr"/>
+            <a:r>
               <a:rPr lang="ko-KR" altLang="en-US" b="1" u="sng" dirty="0" smtClean="0"/>
               <a:t>정보 수정</a:t>
             </a:r>
@@ -5172,7 +9116,7 @@
 </p:sld>
 </file>
 
-<file path=ppt/slides/slide15.xml><?xml version="1.0" encoding="utf-8"?>
+<file path=ppt/slides/slide16.xml><?xml version="1.0" encoding="utf-8"?>
 <p:sld xmlns:a="http://schemas.openxmlformats.org/drawingml/2006/main" xmlns:r="http://schemas.openxmlformats.org/officeDocument/2006/relationships" xmlns:p="http://schemas.openxmlformats.org/presentationml/2006/main">
   <p:cSld>
     <p:spTree>
@@ -7781,4 +11725,289 @@
   <a:objectDefaults/>
   <a:extraClrSchemeLst/>
 </a:theme>
+</file>
+
+<file path=ppt/theme/theme2.xml><?xml version="1.0" encoding="utf-8"?>
+<a:theme xmlns:a="http://schemas.openxmlformats.org/drawingml/2006/main" name="Office 테마">
+  <a:themeElements>
+    <a:clrScheme name="Office">
+      <a:dk1>
+        <a:sysClr val="windowText" lastClr="000000"/>
+      </a:dk1>
+      <a:lt1>
+        <a:sysClr val="window" lastClr="FFFFFF"/>
+      </a:lt1>
+      <a:dk2>
+        <a:srgbClr val="1F497D"/>
+      </a:dk2>
+      <a:lt2>
+        <a:srgbClr val="EEECE1"/>
+      </a:lt2>
+      <a:accent1>
+        <a:srgbClr val="4F81BD"/>
+      </a:accent1>
+      <a:accent2>
+        <a:srgbClr val="C0504D"/>
+      </a:accent2>
+      <a:accent3>
+        <a:srgbClr val="9BBB59"/>
+      </a:accent3>
+      <a:accent4>
+        <a:srgbClr val="8064A2"/>
+      </a:accent4>
+      <a:accent5>
+        <a:srgbClr val="4BACC6"/>
+      </a:accent5>
+      <a:accent6>
+        <a:srgbClr val="F79646"/>
+      </a:accent6>
+      <a:hlink>
+        <a:srgbClr val="0000FF"/>
+      </a:hlink>
+      <a:folHlink>
+        <a:srgbClr val="800080"/>
+      </a:folHlink>
+    </a:clrScheme>
+    <a:fontScheme name="Office">
+      <a:majorFont>
+        <a:latin typeface="맑은 고딕"/>
+        <a:ea typeface=""/>
+        <a:cs typeface=""/>
+        <a:font script="Jpan" typeface="ＭＳ Ｐゴシック"/>
+        <a:font script="Hang" typeface="맑은 고딕"/>
+        <a:font script="Hans" typeface="宋体"/>
+        <a:font script="Hant" typeface="新細明體"/>
+        <a:font script="Arab" typeface="Times New Roman"/>
+        <a:font script="Hebr" typeface="Times New Roman"/>
+        <a:font script="Thai" typeface="Angsana New"/>
+        <a:font script="Ethi" typeface="Nyala"/>
+        <a:font script="Beng" typeface="Vrinda"/>
+        <a:font script="Gujr" typeface="Shruti"/>
+        <a:font script="Khmr" typeface="MoolBoran"/>
+        <a:font script="Knda" typeface="Tunga"/>
+        <a:font script="Guru" typeface="Raavi"/>
+        <a:font script="Cans" typeface="Euphemia"/>
+        <a:font script="Cher" typeface="Plantagenet Cherokee"/>
+        <a:font script="Yiii" typeface="Microsoft Yi Baiti"/>
+        <a:font script="Tibt" typeface="Microsoft Himalaya"/>
+        <a:font script="Thaa" typeface="MV Boli"/>
+        <a:font script="Deva" typeface="Mangal"/>
+        <a:font script="Telu" typeface="Gautami"/>
+        <a:font script="Taml" typeface="Latha"/>
+        <a:font script="Syrc" typeface="Estrangelo Edessa"/>
+        <a:font script="Orya" typeface="Kalinga"/>
+        <a:font script="Mlym" typeface="Kartika"/>
+        <a:font script="Laoo" typeface="DokChampa"/>
+        <a:font script="Sinh" typeface="Iskoola Pota"/>
+        <a:font script="Mong" typeface="Mongolian Baiti"/>
+        <a:font script="Viet" typeface="Times New Roman"/>
+        <a:font script="Uigh" typeface="Microsoft Uighur"/>
+        <a:font script="Geor" typeface="Sylfaen"/>
+      </a:majorFont>
+      <a:minorFont>
+        <a:latin typeface="맑은 고딕"/>
+        <a:ea typeface=""/>
+        <a:cs typeface=""/>
+        <a:font script="Jpan" typeface="ＭＳ Ｐゴシック"/>
+        <a:font script="Hang" typeface="맑은 고딕"/>
+        <a:font script="Hans" typeface="宋体"/>
+        <a:font script="Hant" typeface="新細明體"/>
+        <a:font script="Arab" typeface="Arial"/>
+        <a:font script="Hebr" typeface="Arial"/>
+        <a:font script="Thai" typeface="Cordia New"/>
+        <a:font script="Ethi" typeface="Nyala"/>
+        <a:font script="Beng" typeface="Vrinda"/>
+        <a:font script="Gujr" typeface="Shruti"/>
+        <a:font script="Khmr" typeface="DaunPenh"/>
+        <a:font script="Knda" typeface="Tunga"/>
+        <a:font script="Guru" typeface="Raavi"/>
+        <a:font script="Cans" typeface="Euphemia"/>
+        <a:font script="Cher" typeface="Plantagenet Cherokee"/>
+        <a:font script="Yiii" typeface="Microsoft Yi Baiti"/>
+        <a:font script="Tibt" typeface="Microsoft Himalaya"/>
+        <a:font script="Thaa" typeface="MV Boli"/>
+        <a:font script="Deva" typeface="Mangal"/>
+        <a:font script="Telu" typeface="Gautami"/>
+        <a:font script="Taml" typeface="Latha"/>
+        <a:font script="Syrc" typeface="Estrangelo Edessa"/>
+        <a:font script="Orya" typeface="Kalinga"/>
+        <a:font script="Mlym" typeface="Kartika"/>
+        <a:font script="Laoo" typeface="DokChampa"/>
+        <a:font script="Sinh" typeface="Iskoola Pota"/>
+        <a:font script="Mong" typeface="Mongolian Baiti"/>
+        <a:font script="Viet" typeface="Arial"/>
+        <a:font script="Uigh" typeface="Microsoft Uighur"/>
+        <a:font script="Geor" typeface="Sylfaen"/>
+      </a:minorFont>
+    </a:fontScheme>
+    <a:fmtScheme name="Office">
+      <a:fillStyleLst>
+        <a:solidFill>
+          <a:schemeClr val="phClr"/>
+        </a:solidFill>
+        <a:gradFill rotWithShape="1">
+          <a:gsLst>
+            <a:gs pos="0">
+              <a:schemeClr val="phClr">
+                <a:tint val="50000"/>
+                <a:satMod val="300000"/>
+              </a:schemeClr>
+            </a:gs>
+            <a:gs pos="35000">
+              <a:schemeClr val="phClr">
+                <a:tint val="37000"/>
+                <a:satMod val="300000"/>
+              </a:schemeClr>
+            </a:gs>
+            <a:gs pos="100000">
+              <a:schemeClr val="phClr">
+                <a:tint val="15000"/>
+                <a:satMod val="350000"/>
+              </a:schemeClr>
+            </a:gs>
+          </a:gsLst>
+          <a:lin ang="16200000" scaled="1"/>
+        </a:gradFill>
+        <a:gradFill rotWithShape="1">
+          <a:gsLst>
+            <a:gs pos="0">
+              <a:schemeClr val="phClr">
+                <a:shade val="51000"/>
+                <a:satMod val="130000"/>
+              </a:schemeClr>
+            </a:gs>
+            <a:gs pos="80000">
+              <a:schemeClr val="phClr">
+                <a:shade val="93000"/>
+                <a:satMod val="130000"/>
+              </a:schemeClr>
+            </a:gs>
+            <a:gs pos="100000">
+              <a:schemeClr val="phClr">
+                <a:shade val="94000"/>
+                <a:satMod val="135000"/>
+              </a:schemeClr>
+            </a:gs>
+          </a:gsLst>
+          <a:lin ang="16200000" scaled="0"/>
+        </a:gradFill>
+      </a:fillStyleLst>
+      <a:lnStyleLst>
+        <a:ln w="9525" cap="flat" cmpd="sng" algn="ctr">
+          <a:solidFill>
+            <a:schemeClr val="phClr">
+              <a:shade val="95000"/>
+              <a:satMod val="105000"/>
+            </a:schemeClr>
+          </a:solidFill>
+          <a:prstDash val="solid"/>
+        </a:ln>
+        <a:ln w="25400" cap="flat" cmpd="sng" algn="ctr">
+          <a:solidFill>
+            <a:schemeClr val="phClr"/>
+          </a:solidFill>
+          <a:prstDash val="solid"/>
+        </a:ln>
+        <a:ln w="38100" cap="flat" cmpd="sng" algn="ctr">
+          <a:solidFill>
+            <a:schemeClr val="phClr"/>
+          </a:solidFill>
+          <a:prstDash val="solid"/>
+        </a:ln>
+      </a:lnStyleLst>
+      <a:effectStyleLst>
+        <a:effectStyle>
+          <a:effectLst>
+            <a:outerShdw blurRad="40000" dist="20000" dir="5400000" rotWithShape="0">
+              <a:srgbClr val="000000">
+                <a:alpha val="38000"/>
+              </a:srgbClr>
+            </a:outerShdw>
+          </a:effectLst>
+        </a:effectStyle>
+        <a:effectStyle>
+          <a:effectLst>
+            <a:outerShdw blurRad="40000" dist="23000" dir="5400000" rotWithShape="0">
+              <a:srgbClr val="000000">
+                <a:alpha val="35000"/>
+              </a:srgbClr>
+            </a:outerShdw>
+          </a:effectLst>
+        </a:effectStyle>
+        <a:effectStyle>
+          <a:effectLst>
+            <a:outerShdw blurRad="40000" dist="23000" dir="5400000" rotWithShape="0">
+              <a:srgbClr val="000000">
+                <a:alpha val="35000"/>
+              </a:srgbClr>
+            </a:outerShdw>
+          </a:effectLst>
+          <a:scene3d>
+            <a:camera prst="orthographicFront">
+              <a:rot lat="0" lon="0" rev="0"/>
+            </a:camera>
+            <a:lightRig rig="threePt" dir="t">
+              <a:rot lat="0" lon="0" rev="1200000"/>
+            </a:lightRig>
+          </a:scene3d>
+          <a:sp3d>
+            <a:bevelT w="63500" h="25400"/>
+          </a:sp3d>
+        </a:effectStyle>
+      </a:effectStyleLst>
+      <a:bgFillStyleLst>
+        <a:solidFill>
+          <a:schemeClr val="phClr"/>
+        </a:solidFill>
+        <a:gradFill rotWithShape="1">
+          <a:gsLst>
+            <a:gs pos="0">
+              <a:schemeClr val="phClr">
+                <a:tint val="40000"/>
+                <a:satMod val="350000"/>
+              </a:schemeClr>
+            </a:gs>
+            <a:gs pos="40000">
+              <a:schemeClr val="phClr">
+                <a:tint val="45000"/>
+                <a:shade val="99000"/>
+                <a:satMod val="350000"/>
+              </a:schemeClr>
+            </a:gs>
+            <a:gs pos="100000">
+              <a:schemeClr val="phClr">
+                <a:shade val="20000"/>
+                <a:satMod val="255000"/>
+              </a:schemeClr>
+            </a:gs>
+          </a:gsLst>
+          <a:path path="circle">
+            <a:fillToRect l="50000" t="-80000" r="50000" b="180000"/>
+          </a:path>
+        </a:gradFill>
+        <a:gradFill rotWithShape="1">
+          <a:gsLst>
+            <a:gs pos="0">
+              <a:schemeClr val="phClr">
+                <a:tint val="80000"/>
+                <a:satMod val="300000"/>
+              </a:schemeClr>
+            </a:gs>
+            <a:gs pos="100000">
+              <a:schemeClr val="phClr">
+                <a:shade val="30000"/>
+                <a:satMod val="200000"/>
+              </a:schemeClr>
+            </a:gs>
+          </a:gsLst>
+          <a:path path="circle">
+            <a:fillToRect l="50000" t="50000" r="50000" b="50000"/>
+          </a:path>
+        </a:gradFill>
+      </a:bgFillStyleLst>
+    </a:fmtScheme>
+  </a:themeElements>
+  <a:objectDefaults/>
+  <a:extraClrSchemeLst/>
+</a:theme>
 </file>
--- a/SecondProject/SecondProject.pptx
+++ b/SecondProject/SecondProject.pptx
@@ -5,7 +5,7 @@
     <p:sldMasterId id="2147483648" r:id="rId1"/>
   </p:sldMasterIdLst>
   <p:notesMasterIdLst>
-    <p:notesMasterId r:id="rId18"/>
+    <p:notesMasterId r:id="rId19"/>
   </p:notesMasterIdLst>
   <p:sldIdLst>
     <p:sldId id="256" r:id="rId2"/>
@@ -24,6 +24,7 @@
     <p:sldId id="269" r:id="rId15"/>
     <p:sldId id="272" r:id="rId16"/>
     <p:sldId id="271" r:id="rId17"/>
+    <p:sldId id="274" r:id="rId18"/>
   </p:sldIdLst>
   <p:sldSz cx="9144000" cy="6858000" type="screen4x3"/>
   <p:notesSz cx="6858000" cy="9144000"/>
@@ -207,7 +208,7 @@
           <a:p>
             <a:fld id="{35B43370-2245-4562-AF47-45BB02698F82}" type="datetimeFigureOut">
               <a:rPr lang="ko-KR" altLang="en-US" smtClean="0"/>
-              <a:t>2015-01-18</a:t>
+              <a:t>2015-01-19</a:t>
             </a:fld>
             <a:endParaRPr lang="ko-KR" altLang="en-US"/>
           </a:p>
@@ -738,7 +739,7 @@
           <a:p>
             <a:fld id="{08ECBFD9-18F9-48B5-B76B-2B297DF21000}" type="datetimeFigureOut">
               <a:rPr lang="ko-KR" altLang="en-US" smtClean="0"/>
-              <a:t>2015-01-17</a:t>
+              <a:t>2015-01-19</a:t>
             </a:fld>
             <a:endParaRPr lang="ko-KR" altLang="en-US"/>
           </a:p>
@@ -908,7 +909,7 @@
           <a:p>
             <a:fld id="{08ECBFD9-18F9-48B5-B76B-2B297DF21000}" type="datetimeFigureOut">
               <a:rPr lang="ko-KR" altLang="en-US" smtClean="0"/>
-              <a:t>2015-01-17</a:t>
+              <a:t>2015-01-19</a:t>
             </a:fld>
             <a:endParaRPr lang="ko-KR" altLang="en-US"/>
           </a:p>
@@ -1088,7 +1089,7 @@
           <a:p>
             <a:fld id="{08ECBFD9-18F9-48B5-B76B-2B297DF21000}" type="datetimeFigureOut">
               <a:rPr lang="ko-KR" altLang="en-US" smtClean="0"/>
-              <a:t>2015-01-17</a:t>
+              <a:t>2015-01-19</a:t>
             </a:fld>
             <a:endParaRPr lang="ko-KR" altLang="en-US"/>
           </a:p>
@@ -1258,7 +1259,7 @@
           <a:p>
             <a:fld id="{08ECBFD9-18F9-48B5-B76B-2B297DF21000}" type="datetimeFigureOut">
               <a:rPr lang="ko-KR" altLang="en-US" smtClean="0"/>
-              <a:t>2015-01-17</a:t>
+              <a:t>2015-01-19</a:t>
             </a:fld>
             <a:endParaRPr lang="ko-KR" altLang="en-US"/>
           </a:p>
@@ -1504,7 +1505,7 @@
           <a:p>
             <a:fld id="{08ECBFD9-18F9-48B5-B76B-2B297DF21000}" type="datetimeFigureOut">
               <a:rPr lang="ko-KR" altLang="en-US" smtClean="0"/>
-              <a:t>2015-01-17</a:t>
+              <a:t>2015-01-19</a:t>
             </a:fld>
             <a:endParaRPr lang="ko-KR" altLang="en-US"/>
           </a:p>
@@ -1792,7 +1793,7 @@
           <a:p>
             <a:fld id="{08ECBFD9-18F9-48B5-B76B-2B297DF21000}" type="datetimeFigureOut">
               <a:rPr lang="ko-KR" altLang="en-US" smtClean="0"/>
-              <a:t>2015-01-17</a:t>
+              <a:t>2015-01-19</a:t>
             </a:fld>
             <a:endParaRPr lang="ko-KR" altLang="en-US"/>
           </a:p>
@@ -2214,7 +2215,7 @@
           <a:p>
             <a:fld id="{08ECBFD9-18F9-48B5-B76B-2B297DF21000}" type="datetimeFigureOut">
               <a:rPr lang="ko-KR" altLang="en-US" smtClean="0"/>
-              <a:t>2015-01-17</a:t>
+              <a:t>2015-01-19</a:t>
             </a:fld>
             <a:endParaRPr lang="ko-KR" altLang="en-US"/>
           </a:p>
@@ -2332,7 +2333,7 @@
           <a:p>
             <a:fld id="{08ECBFD9-18F9-48B5-B76B-2B297DF21000}" type="datetimeFigureOut">
               <a:rPr lang="ko-KR" altLang="en-US" smtClean="0"/>
-              <a:t>2015-01-17</a:t>
+              <a:t>2015-01-19</a:t>
             </a:fld>
             <a:endParaRPr lang="ko-KR" altLang="en-US"/>
           </a:p>
@@ -2427,7 +2428,7 @@
           <a:p>
             <a:fld id="{08ECBFD9-18F9-48B5-B76B-2B297DF21000}" type="datetimeFigureOut">
               <a:rPr lang="ko-KR" altLang="en-US" smtClean="0"/>
-              <a:t>2015-01-17</a:t>
+              <a:t>2015-01-19</a:t>
             </a:fld>
             <a:endParaRPr lang="ko-KR" altLang="en-US"/>
           </a:p>
@@ -2704,7 +2705,7 @@
           <a:p>
             <a:fld id="{08ECBFD9-18F9-48B5-B76B-2B297DF21000}" type="datetimeFigureOut">
               <a:rPr lang="ko-KR" altLang="en-US" smtClean="0"/>
-              <a:t>2015-01-17</a:t>
+              <a:t>2015-01-19</a:t>
             </a:fld>
             <a:endParaRPr lang="ko-KR" altLang="en-US"/>
           </a:p>
@@ -2957,7 +2958,7 @@
           <a:p>
             <a:fld id="{08ECBFD9-18F9-48B5-B76B-2B297DF21000}" type="datetimeFigureOut">
               <a:rPr lang="ko-KR" altLang="en-US" smtClean="0"/>
-              <a:t>2015-01-17</a:t>
+              <a:t>2015-01-19</a:t>
             </a:fld>
             <a:endParaRPr lang="ko-KR" altLang="en-US"/>
           </a:p>
@@ -3170,7 +3171,7 @@
           <a:p>
             <a:fld id="{08ECBFD9-18F9-48B5-B76B-2B297DF21000}" type="datetimeFigureOut">
               <a:rPr lang="ko-KR" altLang="en-US" smtClean="0"/>
-              <a:t>2015-01-17</a:t>
+              <a:t>2015-01-19</a:t>
             </a:fld>
             <a:endParaRPr lang="ko-KR" altLang="en-US"/>
           </a:p>
@@ -7656,7 +7657,6 @@
               <a:rPr lang="ko-KR" altLang="en-US" u="sng" dirty="0"/>
               <a:t>로그아웃</a:t>
             </a:r>
-            <a:endParaRPr lang="ko-KR" altLang="en-US" u="sng" dirty="0"/>
           </a:p>
         </p:txBody>
       </p:sp>
@@ -8065,7 +8065,6 @@
               <a:rPr lang="ko-KR" altLang="en-US" u="sng" dirty="0"/>
               <a:t>로그아웃</a:t>
             </a:r>
-            <a:endParaRPr lang="ko-KR" altLang="en-US" u="sng" dirty="0"/>
           </a:p>
         </p:txBody>
       </p:sp>
@@ -9464,6 +9463,128 @@
     <p:extLst>
       <p:ext uri="{BB962C8B-B14F-4D97-AF65-F5344CB8AC3E}">
         <p14:creationId xmlns:p14="http://schemas.microsoft.com/office/powerpoint/2010/main" val="920821481"/>
+      </p:ext>
+    </p:extLst>
+  </p:cSld>
+  <p:clrMapOvr>
+    <a:masterClrMapping/>
+  </p:clrMapOvr>
+</p:sld>
+</file>
+
+<file path=ppt/slides/slide17.xml><?xml version="1.0" encoding="utf-8"?>
+<p:sld xmlns:a="http://schemas.openxmlformats.org/drawingml/2006/main" xmlns:r="http://schemas.openxmlformats.org/officeDocument/2006/relationships" xmlns:p="http://schemas.openxmlformats.org/presentationml/2006/main">
+  <p:cSld>
+    <p:spTree>
+      <p:nvGrpSpPr>
+        <p:cNvPr id="1" name=""/>
+        <p:cNvGrpSpPr/>
+        <p:nvPr/>
+      </p:nvGrpSpPr>
+      <p:grpSpPr>
+        <a:xfrm>
+          <a:off x="0" y="0"/>
+          <a:ext cx="0" cy="0"/>
+          <a:chOff x="0" y="0"/>
+          <a:chExt cx="0" cy="0"/>
+        </a:xfrm>
+      </p:grpSpPr>
+      <p:sp>
+        <p:nvSpPr>
+          <p:cNvPr id="3" name="내용 개체 틀 2"/>
+          <p:cNvSpPr>
+            <a:spLocks noGrp="1"/>
+          </p:cNvSpPr>
+          <p:nvPr>
+            <p:ph idx="1"/>
+          </p:nvPr>
+        </p:nvSpPr>
+        <p:spPr/>
+        <p:txBody>
+          <a:bodyPr>
+            <a:normAutofit lnSpcReduction="10000"/>
+          </a:bodyPr>
+          <a:lstStyle/>
+          <a:p>
+            <a:r>
+              <a:rPr lang="ko-KR" altLang="en-US" dirty="0" smtClean="0"/>
+              <a:t>지출 추가 기능</a:t>
+            </a:r>
+            <a:endParaRPr lang="en-US" altLang="ko-KR" dirty="0" smtClean="0"/>
+          </a:p>
+          <a:p>
+            <a:r>
+              <a:rPr lang="ko-KR" altLang="en-US" dirty="0" smtClean="0"/>
+              <a:t>지출 삭제 기능</a:t>
+            </a:r>
+            <a:endParaRPr lang="en-US" altLang="ko-KR" dirty="0" smtClean="0"/>
+          </a:p>
+          <a:p>
+            <a:r>
+              <a:rPr lang="ko-KR" altLang="en-US" dirty="0" smtClean="0"/>
+              <a:t>수입 추가 기능과 </a:t>
+            </a:r>
+            <a:r>
+              <a:rPr lang="ko-KR" altLang="en-US" dirty="0" err="1" smtClean="0"/>
+              <a:t>뷰</a:t>
+            </a:r>
+            <a:endParaRPr lang="en-US" altLang="ko-KR" dirty="0" smtClean="0"/>
+          </a:p>
+          <a:p>
+            <a:r>
+              <a:rPr lang="ko-KR" altLang="en-US" dirty="0" smtClean="0"/>
+              <a:t>수입 삭제 기능</a:t>
+            </a:r>
+            <a:endParaRPr lang="en-US" altLang="ko-KR" dirty="0" smtClean="0"/>
+          </a:p>
+          <a:p>
+            <a:r>
+              <a:rPr lang="ko-KR" altLang="en-US" dirty="0" smtClean="0"/>
+              <a:t>통계</a:t>
+            </a:r>
+            <a:endParaRPr lang="en-US" altLang="ko-KR" dirty="0" smtClean="0"/>
+          </a:p>
+          <a:p>
+            <a:pPr lvl="1"/>
+            <a:r>
+              <a:rPr lang="ko-KR" altLang="en-US" dirty="0" err="1" smtClean="0"/>
+              <a:t>분류별</a:t>
+            </a:r>
+            <a:r>
+              <a:rPr lang="ko-KR" altLang="en-US" dirty="0" smtClean="0"/>
+              <a:t> 그래프</a:t>
+            </a:r>
+            <a:endParaRPr lang="en-US" altLang="ko-KR" dirty="0" smtClean="0"/>
+          </a:p>
+          <a:p>
+            <a:pPr lvl="1"/>
+            <a:endParaRPr lang="en-US" altLang="ko-KR" dirty="0"/>
+          </a:p>
+          <a:p>
+            <a:r>
+              <a:rPr lang="ko-KR" altLang="en-US" dirty="0" smtClean="0"/>
+              <a:t>코멘트와 매니저</a:t>
+            </a:r>
+            <a:r>
+              <a:rPr lang="en-US" altLang="ko-KR" dirty="0" smtClean="0"/>
+              <a:t>..</a:t>
+            </a:r>
+            <a:r>
+              <a:rPr lang="ko-KR" altLang="en-US" dirty="0" smtClean="0"/>
+              <a:t>할 수 있을까</a:t>
+            </a:r>
+            <a:r>
+              <a:rPr lang="en-US" altLang="ko-KR"/>
+              <a:t>?</a:t>
+            </a:r>
+            <a:endParaRPr lang="en-US" altLang="ko-KR" smtClean="0"/>
+          </a:p>
+        </p:txBody>
+      </p:sp>
+    </p:spTree>
+    <p:extLst>
+      <p:ext uri="{BB962C8B-B14F-4D97-AF65-F5344CB8AC3E}">
+        <p14:creationId xmlns:p14="http://schemas.microsoft.com/office/powerpoint/2010/main" val="2229915684"/>
       </p:ext>
     </p:extLst>
   </p:cSld>
